--- a/doc/Readme.pptx
+++ b/doc/Readme.pptx
@@ -10,6 +10,7 @@
     <p:sldId id="260" r:id="rId4"/>
     <p:sldId id="261" r:id="rId5"/>
     <p:sldId id="262" r:id="rId6"/>
+    <p:sldId id="264" r:id="rId7"/>
   </p:sldIdLst>
   <p:sldSz cx="12192000" cy="6858000"/>
   <p:notesSz cx="6858000" cy="9144000"/>
@@ -108,6 +109,11 @@
       </a:defRPr>
     </a:lvl9pPr>
   </p:defaultTextStyle>
+  <p:extLst>
+    <p:ext uri="{EFAFB233-063F-42B5-8137-9DF3F51BA10A}">
+      <p15:sldGuideLst xmlns:p15="http://schemas.microsoft.com/office/powerpoint/2012/main"/>
+    </p:ext>
+  </p:extLst>
 </p:presentation>
 </file>
 
@@ -153,10 +159,9 @@
           </a:lstStyle>
           <a:p>
             <a:r>
-              <a:rPr kumimoji="1" lang="ja-JP" altLang="en-US" smtClean="0"/>
+              <a:rPr kumimoji="1" lang="ja-JP" altLang="en-US"/>
               <a:t>マスター タイトルの書式設定</a:t>
             </a:r>
-            <a:endParaRPr kumimoji="1" lang="ja-JP" altLang="en-US"/>
           </a:p>
         </p:txBody>
       </p:sp>
@@ -218,10 +223,9 @@
           </a:lstStyle>
           <a:p>
             <a:r>
-              <a:rPr kumimoji="1" lang="ja-JP" altLang="en-US" smtClean="0"/>
+              <a:rPr kumimoji="1" lang="ja-JP" altLang="en-US"/>
               <a:t>マスター サブタイトルの書式設定</a:t>
             </a:r>
-            <a:endParaRPr kumimoji="1" lang="ja-JP" altLang="en-US"/>
           </a:p>
         </p:txBody>
       </p:sp>
@@ -242,7 +246,7 @@
           <a:p>
             <a:fld id="{22383F7F-EE3A-9046-95E4-A78CB2DE9636}" type="datetimeFigureOut">
               <a:rPr kumimoji="1" lang="ja-JP" altLang="en-US" smtClean="0"/>
-              <a:t>2018/4/12</a:t>
+              <a:t>2018/5/22</a:t>
             </a:fld>
             <a:endParaRPr kumimoji="1" lang="ja-JP" altLang="en-US"/>
           </a:p>
@@ -336,10 +340,9 @@
           <a:lstStyle/>
           <a:p>
             <a:r>
-              <a:rPr kumimoji="1" lang="ja-JP" altLang="en-US" smtClean="0"/>
+              <a:rPr kumimoji="1" lang="ja-JP" altLang="en-US"/>
               <a:t>マスター タイトルの書式設定</a:t>
             </a:r>
-            <a:endParaRPr kumimoji="1" lang="ja-JP" altLang="en-US"/>
           </a:p>
         </p:txBody>
       </p:sp>
@@ -360,70 +363,69 @@
           <a:p>
             <a:pPr lvl="0"/>
             <a:r>
-              <a:rPr kumimoji="1" lang="ja-JP" altLang="en-US" smtClean="0"/>
+              <a:rPr kumimoji="1" lang="ja-JP" altLang="en-US"/>
               <a:t>マスター テキストの書式設定</a:t>
             </a:r>
           </a:p>
           <a:p>
             <a:pPr lvl="1"/>
             <a:r>
-              <a:rPr kumimoji="1" lang="ja-JP" altLang="en-US" smtClean="0"/>
+              <a:rPr kumimoji="1" lang="ja-JP" altLang="en-US"/>
               <a:t>第 </a:t>
             </a:r>
             <a:r>
-              <a:rPr kumimoji="1" lang="en-US" altLang="ja-JP" smtClean="0"/>
+              <a:rPr kumimoji="1" lang="en-US" altLang="ja-JP"/>
               <a:t>2 </a:t>
             </a:r>
             <a:r>
-              <a:rPr kumimoji="1" lang="ja-JP" altLang="en-US" smtClean="0"/>
+              <a:rPr kumimoji="1" lang="ja-JP" altLang="en-US"/>
               <a:t>レベル</a:t>
             </a:r>
           </a:p>
           <a:p>
             <a:pPr lvl="2"/>
             <a:r>
-              <a:rPr kumimoji="1" lang="ja-JP" altLang="en-US" smtClean="0"/>
+              <a:rPr kumimoji="1" lang="ja-JP" altLang="en-US"/>
               <a:t>第 </a:t>
             </a:r>
             <a:r>
-              <a:rPr kumimoji="1" lang="en-US" altLang="ja-JP" smtClean="0"/>
+              <a:rPr kumimoji="1" lang="en-US" altLang="ja-JP"/>
               <a:t>3 </a:t>
             </a:r>
             <a:r>
-              <a:rPr kumimoji="1" lang="ja-JP" altLang="en-US" smtClean="0"/>
+              <a:rPr kumimoji="1" lang="ja-JP" altLang="en-US"/>
               <a:t>レベル</a:t>
             </a:r>
           </a:p>
           <a:p>
             <a:pPr lvl="3"/>
             <a:r>
-              <a:rPr kumimoji="1" lang="ja-JP" altLang="en-US" smtClean="0"/>
+              <a:rPr kumimoji="1" lang="ja-JP" altLang="en-US"/>
               <a:t>第 </a:t>
             </a:r>
             <a:r>
-              <a:rPr kumimoji="1" lang="en-US" altLang="ja-JP" smtClean="0"/>
+              <a:rPr kumimoji="1" lang="en-US" altLang="ja-JP"/>
               <a:t>4 </a:t>
             </a:r>
             <a:r>
-              <a:rPr kumimoji="1" lang="ja-JP" altLang="en-US" smtClean="0"/>
+              <a:rPr kumimoji="1" lang="ja-JP" altLang="en-US"/>
               <a:t>レベル</a:t>
             </a:r>
           </a:p>
           <a:p>
             <a:pPr lvl="4"/>
             <a:r>
-              <a:rPr kumimoji="1" lang="ja-JP" altLang="en-US" smtClean="0"/>
+              <a:rPr kumimoji="1" lang="ja-JP" altLang="en-US"/>
               <a:t>第 </a:t>
             </a:r>
             <a:r>
-              <a:rPr kumimoji="1" lang="en-US" altLang="ja-JP" smtClean="0"/>
+              <a:rPr kumimoji="1" lang="en-US" altLang="ja-JP"/>
               <a:t>5 </a:t>
             </a:r>
             <a:r>
-              <a:rPr kumimoji="1" lang="ja-JP" altLang="en-US" smtClean="0"/>
+              <a:rPr kumimoji="1" lang="ja-JP" altLang="en-US"/>
               <a:t>レベル</a:t>
             </a:r>
-            <a:endParaRPr kumimoji="1" lang="ja-JP" altLang="en-US"/>
           </a:p>
         </p:txBody>
       </p:sp>
@@ -444,7 +446,7 @@
           <a:p>
             <a:fld id="{22383F7F-EE3A-9046-95E4-A78CB2DE9636}" type="datetimeFigureOut">
               <a:rPr kumimoji="1" lang="ja-JP" altLang="en-US" smtClean="0"/>
-              <a:t>2018/4/12</a:t>
+              <a:t>2018/5/22</a:t>
             </a:fld>
             <a:endParaRPr kumimoji="1" lang="ja-JP" altLang="en-US"/>
           </a:p>
@@ -543,10 +545,9 @@
           <a:lstStyle/>
           <a:p>
             <a:r>
-              <a:rPr kumimoji="1" lang="ja-JP" altLang="en-US" smtClean="0"/>
+              <a:rPr kumimoji="1" lang="ja-JP" altLang="en-US"/>
               <a:t>マスター タイトルの書式設定</a:t>
             </a:r>
-            <a:endParaRPr kumimoji="1" lang="ja-JP" altLang="en-US"/>
           </a:p>
         </p:txBody>
       </p:sp>
@@ -572,70 +573,69 @@
           <a:p>
             <a:pPr lvl="0"/>
             <a:r>
-              <a:rPr kumimoji="1" lang="ja-JP" altLang="en-US" smtClean="0"/>
+              <a:rPr kumimoji="1" lang="ja-JP" altLang="en-US"/>
               <a:t>マスター テキストの書式設定</a:t>
             </a:r>
           </a:p>
           <a:p>
             <a:pPr lvl="1"/>
             <a:r>
-              <a:rPr kumimoji="1" lang="ja-JP" altLang="en-US" smtClean="0"/>
+              <a:rPr kumimoji="1" lang="ja-JP" altLang="en-US"/>
               <a:t>第 </a:t>
             </a:r>
             <a:r>
-              <a:rPr kumimoji="1" lang="en-US" altLang="ja-JP" smtClean="0"/>
+              <a:rPr kumimoji="1" lang="en-US" altLang="ja-JP"/>
               <a:t>2 </a:t>
             </a:r>
             <a:r>
-              <a:rPr kumimoji="1" lang="ja-JP" altLang="en-US" smtClean="0"/>
+              <a:rPr kumimoji="1" lang="ja-JP" altLang="en-US"/>
               <a:t>レベル</a:t>
             </a:r>
           </a:p>
           <a:p>
             <a:pPr lvl="2"/>
             <a:r>
-              <a:rPr kumimoji="1" lang="ja-JP" altLang="en-US" smtClean="0"/>
+              <a:rPr kumimoji="1" lang="ja-JP" altLang="en-US"/>
               <a:t>第 </a:t>
             </a:r>
             <a:r>
-              <a:rPr kumimoji="1" lang="en-US" altLang="ja-JP" smtClean="0"/>
+              <a:rPr kumimoji="1" lang="en-US" altLang="ja-JP"/>
               <a:t>3 </a:t>
             </a:r>
             <a:r>
-              <a:rPr kumimoji="1" lang="ja-JP" altLang="en-US" smtClean="0"/>
+              <a:rPr kumimoji="1" lang="ja-JP" altLang="en-US"/>
               <a:t>レベル</a:t>
             </a:r>
           </a:p>
           <a:p>
             <a:pPr lvl="3"/>
             <a:r>
-              <a:rPr kumimoji="1" lang="ja-JP" altLang="en-US" smtClean="0"/>
+              <a:rPr kumimoji="1" lang="ja-JP" altLang="en-US"/>
               <a:t>第 </a:t>
             </a:r>
             <a:r>
-              <a:rPr kumimoji="1" lang="en-US" altLang="ja-JP" smtClean="0"/>
+              <a:rPr kumimoji="1" lang="en-US" altLang="ja-JP"/>
               <a:t>4 </a:t>
             </a:r>
             <a:r>
-              <a:rPr kumimoji="1" lang="ja-JP" altLang="en-US" smtClean="0"/>
+              <a:rPr kumimoji="1" lang="ja-JP" altLang="en-US"/>
               <a:t>レベル</a:t>
             </a:r>
           </a:p>
           <a:p>
             <a:pPr lvl="4"/>
             <a:r>
-              <a:rPr kumimoji="1" lang="ja-JP" altLang="en-US" smtClean="0"/>
+              <a:rPr kumimoji="1" lang="ja-JP" altLang="en-US"/>
               <a:t>第 </a:t>
             </a:r>
             <a:r>
-              <a:rPr kumimoji="1" lang="en-US" altLang="ja-JP" smtClean="0"/>
+              <a:rPr kumimoji="1" lang="en-US" altLang="ja-JP"/>
               <a:t>5 </a:t>
             </a:r>
             <a:r>
-              <a:rPr kumimoji="1" lang="ja-JP" altLang="en-US" smtClean="0"/>
+              <a:rPr kumimoji="1" lang="ja-JP" altLang="en-US"/>
               <a:t>レベル</a:t>
             </a:r>
-            <a:endParaRPr kumimoji="1" lang="ja-JP" altLang="en-US"/>
           </a:p>
         </p:txBody>
       </p:sp>
@@ -656,7 +656,7 @@
           <a:p>
             <a:fld id="{22383F7F-EE3A-9046-95E4-A78CB2DE9636}" type="datetimeFigureOut">
               <a:rPr kumimoji="1" lang="ja-JP" altLang="en-US" smtClean="0"/>
-              <a:t>2018/4/12</a:t>
+              <a:t>2018/5/22</a:t>
             </a:fld>
             <a:endParaRPr kumimoji="1" lang="ja-JP" altLang="en-US"/>
           </a:p>
@@ -750,10 +750,9 @@
           <a:lstStyle/>
           <a:p>
             <a:r>
-              <a:rPr kumimoji="1" lang="ja-JP" altLang="en-US" smtClean="0"/>
+              <a:rPr kumimoji="1" lang="ja-JP" altLang="en-US"/>
               <a:t>マスター タイトルの書式設定</a:t>
             </a:r>
-            <a:endParaRPr kumimoji="1" lang="ja-JP" altLang="en-US"/>
           </a:p>
         </p:txBody>
       </p:sp>
@@ -774,70 +773,69 @@
           <a:p>
             <a:pPr lvl="0"/>
             <a:r>
-              <a:rPr kumimoji="1" lang="ja-JP" altLang="en-US" smtClean="0"/>
+              <a:rPr kumimoji="1" lang="ja-JP" altLang="en-US"/>
               <a:t>マスター テキストの書式設定</a:t>
             </a:r>
           </a:p>
           <a:p>
             <a:pPr lvl="1"/>
             <a:r>
-              <a:rPr kumimoji="1" lang="ja-JP" altLang="en-US" smtClean="0"/>
+              <a:rPr kumimoji="1" lang="ja-JP" altLang="en-US"/>
               <a:t>第 </a:t>
             </a:r>
             <a:r>
-              <a:rPr kumimoji="1" lang="en-US" altLang="ja-JP" smtClean="0"/>
+              <a:rPr kumimoji="1" lang="en-US" altLang="ja-JP"/>
               <a:t>2 </a:t>
             </a:r>
             <a:r>
-              <a:rPr kumimoji="1" lang="ja-JP" altLang="en-US" smtClean="0"/>
+              <a:rPr kumimoji="1" lang="ja-JP" altLang="en-US"/>
               <a:t>レベル</a:t>
             </a:r>
           </a:p>
           <a:p>
             <a:pPr lvl="2"/>
             <a:r>
-              <a:rPr kumimoji="1" lang="ja-JP" altLang="en-US" smtClean="0"/>
+              <a:rPr kumimoji="1" lang="ja-JP" altLang="en-US"/>
               <a:t>第 </a:t>
             </a:r>
             <a:r>
-              <a:rPr kumimoji="1" lang="en-US" altLang="ja-JP" smtClean="0"/>
+              <a:rPr kumimoji="1" lang="en-US" altLang="ja-JP"/>
               <a:t>3 </a:t>
             </a:r>
             <a:r>
-              <a:rPr kumimoji="1" lang="ja-JP" altLang="en-US" smtClean="0"/>
+              <a:rPr kumimoji="1" lang="ja-JP" altLang="en-US"/>
               <a:t>レベル</a:t>
             </a:r>
           </a:p>
           <a:p>
             <a:pPr lvl="3"/>
             <a:r>
-              <a:rPr kumimoji="1" lang="ja-JP" altLang="en-US" smtClean="0"/>
+              <a:rPr kumimoji="1" lang="ja-JP" altLang="en-US"/>
               <a:t>第 </a:t>
             </a:r>
             <a:r>
-              <a:rPr kumimoji="1" lang="en-US" altLang="ja-JP" smtClean="0"/>
+              <a:rPr kumimoji="1" lang="en-US" altLang="ja-JP"/>
               <a:t>4 </a:t>
             </a:r>
             <a:r>
-              <a:rPr kumimoji="1" lang="ja-JP" altLang="en-US" smtClean="0"/>
+              <a:rPr kumimoji="1" lang="ja-JP" altLang="en-US"/>
               <a:t>レベル</a:t>
             </a:r>
           </a:p>
           <a:p>
             <a:pPr lvl="4"/>
             <a:r>
-              <a:rPr kumimoji="1" lang="ja-JP" altLang="en-US" smtClean="0"/>
+              <a:rPr kumimoji="1" lang="ja-JP" altLang="en-US"/>
               <a:t>第 </a:t>
             </a:r>
             <a:r>
-              <a:rPr kumimoji="1" lang="en-US" altLang="ja-JP" smtClean="0"/>
+              <a:rPr kumimoji="1" lang="en-US" altLang="ja-JP"/>
               <a:t>5 </a:t>
             </a:r>
             <a:r>
-              <a:rPr kumimoji="1" lang="ja-JP" altLang="en-US" smtClean="0"/>
+              <a:rPr kumimoji="1" lang="ja-JP" altLang="en-US"/>
               <a:t>レベル</a:t>
             </a:r>
-            <a:endParaRPr kumimoji="1" lang="ja-JP" altLang="en-US"/>
           </a:p>
         </p:txBody>
       </p:sp>
@@ -858,7 +856,7 @@
           <a:p>
             <a:fld id="{22383F7F-EE3A-9046-95E4-A78CB2DE9636}" type="datetimeFigureOut">
               <a:rPr kumimoji="1" lang="ja-JP" altLang="en-US" smtClean="0"/>
-              <a:t>2018/4/12</a:t>
+              <a:t>2018/5/22</a:t>
             </a:fld>
             <a:endParaRPr kumimoji="1" lang="ja-JP" altLang="en-US"/>
           </a:p>
@@ -961,10 +959,9 @@
           </a:lstStyle>
           <a:p>
             <a:r>
-              <a:rPr kumimoji="1" lang="ja-JP" altLang="en-US" smtClean="0"/>
+              <a:rPr kumimoji="1" lang="ja-JP" altLang="en-US"/>
               <a:t>マスター タイトルの書式設定</a:t>
             </a:r>
-            <a:endParaRPr kumimoji="1" lang="ja-JP" altLang="en-US"/>
           </a:p>
         </p:txBody>
       </p:sp>
@@ -1081,7 +1078,7 @@
           <a:p>
             <a:pPr lvl="0"/>
             <a:r>
-              <a:rPr kumimoji="1" lang="ja-JP" altLang="en-US" smtClean="0"/>
+              <a:rPr kumimoji="1" lang="ja-JP" altLang="en-US"/>
               <a:t>マスター テキストの書式設定</a:t>
             </a:r>
           </a:p>
@@ -1104,7 +1101,7 @@
           <a:p>
             <a:fld id="{22383F7F-EE3A-9046-95E4-A78CB2DE9636}" type="datetimeFigureOut">
               <a:rPr kumimoji="1" lang="ja-JP" altLang="en-US" smtClean="0"/>
-              <a:t>2018/4/12</a:t>
+              <a:t>2018/5/22</a:t>
             </a:fld>
             <a:endParaRPr kumimoji="1" lang="ja-JP" altLang="en-US"/>
           </a:p>
@@ -1198,10 +1195,9 @@
           <a:lstStyle/>
           <a:p>
             <a:r>
-              <a:rPr kumimoji="1" lang="ja-JP" altLang="en-US" smtClean="0"/>
+              <a:rPr kumimoji="1" lang="ja-JP" altLang="en-US"/>
               <a:t>マスター タイトルの書式設定</a:t>
             </a:r>
-            <a:endParaRPr kumimoji="1" lang="ja-JP" altLang="en-US"/>
           </a:p>
         </p:txBody>
       </p:sp>
@@ -1227,70 +1223,69 @@
           <a:p>
             <a:pPr lvl="0"/>
             <a:r>
-              <a:rPr kumimoji="1" lang="ja-JP" altLang="en-US" smtClean="0"/>
+              <a:rPr kumimoji="1" lang="ja-JP" altLang="en-US"/>
               <a:t>マスター テキストの書式設定</a:t>
             </a:r>
           </a:p>
           <a:p>
             <a:pPr lvl="1"/>
             <a:r>
-              <a:rPr kumimoji="1" lang="ja-JP" altLang="en-US" smtClean="0"/>
+              <a:rPr kumimoji="1" lang="ja-JP" altLang="en-US"/>
               <a:t>第 </a:t>
             </a:r>
             <a:r>
-              <a:rPr kumimoji="1" lang="en-US" altLang="ja-JP" smtClean="0"/>
+              <a:rPr kumimoji="1" lang="en-US" altLang="ja-JP"/>
               <a:t>2 </a:t>
             </a:r>
             <a:r>
-              <a:rPr kumimoji="1" lang="ja-JP" altLang="en-US" smtClean="0"/>
+              <a:rPr kumimoji="1" lang="ja-JP" altLang="en-US"/>
               <a:t>レベル</a:t>
             </a:r>
           </a:p>
           <a:p>
             <a:pPr lvl="2"/>
             <a:r>
-              <a:rPr kumimoji="1" lang="ja-JP" altLang="en-US" smtClean="0"/>
+              <a:rPr kumimoji="1" lang="ja-JP" altLang="en-US"/>
               <a:t>第 </a:t>
             </a:r>
             <a:r>
-              <a:rPr kumimoji="1" lang="en-US" altLang="ja-JP" smtClean="0"/>
+              <a:rPr kumimoji="1" lang="en-US" altLang="ja-JP"/>
               <a:t>3 </a:t>
             </a:r>
             <a:r>
-              <a:rPr kumimoji="1" lang="ja-JP" altLang="en-US" smtClean="0"/>
+              <a:rPr kumimoji="1" lang="ja-JP" altLang="en-US"/>
               <a:t>レベル</a:t>
             </a:r>
           </a:p>
           <a:p>
             <a:pPr lvl="3"/>
             <a:r>
-              <a:rPr kumimoji="1" lang="ja-JP" altLang="en-US" smtClean="0"/>
+              <a:rPr kumimoji="1" lang="ja-JP" altLang="en-US"/>
               <a:t>第 </a:t>
             </a:r>
             <a:r>
-              <a:rPr kumimoji="1" lang="en-US" altLang="ja-JP" smtClean="0"/>
+              <a:rPr kumimoji="1" lang="en-US" altLang="ja-JP"/>
               <a:t>4 </a:t>
             </a:r>
             <a:r>
-              <a:rPr kumimoji="1" lang="ja-JP" altLang="en-US" smtClean="0"/>
+              <a:rPr kumimoji="1" lang="ja-JP" altLang="en-US"/>
               <a:t>レベル</a:t>
             </a:r>
           </a:p>
           <a:p>
             <a:pPr lvl="4"/>
             <a:r>
-              <a:rPr kumimoji="1" lang="ja-JP" altLang="en-US" smtClean="0"/>
+              <a:rPr kumimoji="1" lang="ja-JP" altLang="en-US"/>
               <a:t>第 </a:t>
             </a:r>
             <a:r>
-              <a:rPr kumimoji="1" lang="en-US" altLang="ja-JP" smtClean="0"/>
+              <a:rPr kumimoji="1" lang="en-US" altLang="ja-JP"/>
               <a:t>5 </a:t>
             </a:r>
             <a:r>
-              <a:rPr kumimoji="1" lang="ja-JP" altLang="en-US" smtClean="0"/>
+              <a:rPr kumimoji="1" lang="ja-JP" altLang="en-US"/>
               <a:t>レベル</a:t>
             </a:r>
-            <a:endParaRPr kumimoji="1" lang="ja-JP" altLang="en-US"/>
           </a:p>
         </p:txBody>
       </p:sp>
@@ -1316,70 +1311,69 @@
           <a:p>
             <a:pPr lvl="0"/>
             <a:r>
-              <a:rPr kumimoji="1" lang="ja-JP" altLang="en-US" smtClean="0"/>
+              <a:rPr kumimoji="1" lang="ja-JP" altLang="en-US"/>
               <a:t>マスター テキストの書式設定</a:t>
             </a:r>
           </a:p>
           <a:p>
             <a:pPr lvl="1"/>
             <a:r>
-              <a:rPr kumimoji="1" lang="ja-JP" altLang="en-US" smtClean="0"/>
+              <a:rPr kumimoji="1" lang="ja-JP" altLang="en-US"/>
               <a:t>第 </a:t>
             </a:r>
             <a:r>
-              <a:rPr kumimoji="1" lang="en-US" altLang="ja-JP" smtClean="0"/>
+              <a:rPr kumimoji="1" lang="en-US" altLang="ja-JP"/>
               <a:t>2 </a:t>
             </a:r>
             <a:r>
-              <a:rPr kumimoji="1" lang="ja-JP" altLang="en-US" smtClean="0"/>
+              <a:rPr kumimoji="1" lang="ja-JP" altLang="en-US"/>
               <a:t>レベル</a:t>
             </a:r>
           </a:p>
           <a:p>
             <a:pPr lvl="2"/>
             <a:r>
-              <a:rPr kumimoji="1" lang="ja-JP" altLang="en-US" smtClean="0"/>
+              <a:rPr kumimoji="1" lang="ja-JP" altLang="en-US"/>
               <a:t>第 </a:t>
             </a:r>
             <a:r>
-              <a:rPr kumimoji="1" lang="en-US" altLang="ja-JP" smtClean="0"/>
+              <a:rPr kumimoji="1" lang="en-US" altLang="ja-JP"/>
               <a:t>3 </a:t>
             </a:r>
             <a:r>
-              <a:rPr kumimoji="1" lang="ja-JP" altLang="en-US" smtClean="0"/>
+              <a:rPr kumimoji="1" lang="ja-JP" altLang="en-US"/>
               <a:t>レベル</a:t>
             </a:r>
           </a:p>
           <a:p>
             <a:pPr lvl="3"/>
             <a:r>
-              <a:rPr kumimoji="1" lang="ja-JP" altLang="en-US" smtClean="0"/>
+              <a:rPr kumimoji="1" lang="ja-JP" altLang="en-US"/>
               <a:t>第 </a:t>
             </a:r>
             <a:r>
-              <a:rPr kumimoji="1" lang="en-US" altLang="ja-JP" smtClean="0"/>
+              <a:rPr kumimoji="1" lang="en-US" altLang="ja-JP"/>
               <a:t>4 </a:t>
             </a:r>
             <a:r>
-              <a:rPr kumimoji="1" lang="ja-JP" altLang="en-US" smtClean="0"/>
+              <a:rPr kumimoji="1" lang="ja-JP" altLang="en-US"/>
               <a:t>レベル</a:t>
             </a:r>
           </a:p>
           <a:p>
             <a:pPr lvl="4"/>
             <a:r>
-              <a:rPr kumimoji="1" lang="ja-JP" altLang="en-US" smtClean="0"/>
+              <a:rPr kumimoji="1" lang="ja-JP" altLang="en-US"/>
               <a:t>第 </a:t>
             </a:r>
             <a:r>
-              <a:rPr kumimoji="1" lang="en-US" altLang="ja-JP" smtClean="0"/>
+              <a:rPr kumimoji="1" lang="en-US" altLang="ja-JP"/>
               <a:t>5 </a:t>
             </a:r>
             <a:r>
-              <a:rPr kumimoji="1" lang="ja-JP" altLang="en-US" smtClean="0"/>
+              <a:rPr kumimoji="1" lang="ja-JP" altLang="en-US"/>
               <a:t>レベル</a:t>
             </a:r>
-            <a:endParaRPr kumimoji="1" lang="ja-JP" altLang="en-US"/>
           </a:p>
         </p:txBody>
       </p:sp>
@@ -1400,7 +1394,7 @@
           <a:p>
             <a:fld id="{22383F7F-EE3A-9046-95E4-A78CB2DE9636}" type="datetimeFigureOut">
               <a:rPr kumimoji="1" lang="ja-JP" altLang="en-US" smtClean="0"/>
-              <a:t>2018/4/12</a:t>
+              <a:t>2018/5/22</a:t>
             </a:fld>
             <a:endParaRPr kumimoji="1" lang="ja-JP" altLang="en-US"/>
           </a:p>
@@ -1499,10 +1493,9 @@
           <a:lstStyle/>
           <a:p>
             <a:r>
-              <a:rPr kumimoji="1" lang="ja-JP" altLang="en-US" smtClean="0"/>
+              <a:rPr kumimoji="1" lang="ja-JP" altLang="en-US"/>
               <a:t>マスター タイトルの書式設定</a:t>
             </a:r>
-            <a:endParaRPr kumimoji="1" lang="ja-JP" altLang="en-US"/>
           </a:p>
         </p:txBody>
       </p:sp>
@@ -1565,7 +1558,7 @@
           <a:p>
             <a:pPr lvl="0"/>
             <a:r>
-              <a:rPr kumimoji="1" lang="ja-JP" altLang="en-US" smtClean="0"/>
+              <a:rPr kumimoji="1" lang="ja-JP" altLang="en-US"/>
               <a:t>マスター テキストの書式設定</a:t>
             </a:r>
           </a:p>
@@ -1593,70 +1586,69 @@
           <a:p>
             <a:pPr lvl="0"/>
             <a:r>
-              <a:rPr kumimoji="1" lang="ja-JP" altLang="en-US" smtClean="0"/>
+              <a:rPr kumimoji="1" lang="ja-JP" altLang="en-US"/>
               <a:t>マスター テキストの書式設定</a:t>
             </a:r>
           </a:p>
           <a:p>
             <a:pPr lvl="1"/>
             <a:r>
-              <a:rPr kumimoji="1" lang="ja-JP" altLang="en-US" smtClean="0"/>
+              <a:rPr kumimoji="1" lang="ja-JP" altLang="en-US"/>
               <a:t>第 </a:t>
             </a:r>
             <a:r>
-              <a:rPr kumimoji="1" lang="en-US" altLang="ja-JP" smtClean="0"/>
+              <a:rPr kumimoji="1" lang="en-US" altLang="ja-JP"/>
               <a:t>2 </a:t>
             </a:r>
             <a:r>
-              <a:rPr kumimoji="1" lang="ja-JP" altLang="en-US" smtClean="0"/>
+              <a:rPr kumimoji="1" lang="ja-JP" altLang="en-US"/>
               <a:t>レベル</a:t>
             </a:r>
           </a:p>
           <a:p>
             <a:pPr lvl="2"/>
             <a:r>
-              <a:rPr kumimoji="1" lang="ja-JP" altLang="en-US" smtClean="0"/>
+              <a:rPr kumimoji="1" lang="ja-JP" altLang="en-US"/>
               <a:t>第 </a:t>
             </a:r>
             <a:r>
-              <a:rPr kumimoji="1" lang="en-US" altLang="ja-JP" smtClean="0"/>
+              <a:rPr kumimoji="1" lang="en-US" altLang="ja-JP"/>
               <a:t>3 </a:t>
             </a:r>
             <a:r>
-              <a:rPr kumimoji="1" lang="ja-JP" altLang="en-US" smtClean="0"/>
+              <a:rPr kumimoji="1" lang="ja-JP" altLang="en-US"/>
               <a:t>レベル</a:t>
             </a:r>
           </a:p>
           <a:p>
             <a:pPr lvl="3"/>
             <a:r>
-              <a:rPr kumimoji="1" lang="ja-JP" altLang="en-US" smtClean="0"/>
+              <a:rPr kumimoji="1" lang="ja-JP" altLang="en-US"/>
               <a:t>第 </a:t>
             </a:r>
             <a:r>
-              <a:rPr kumimoji="1" lang="en-US" altLang="ja-JP" smtClean="0"/>
+              <a:rPr kumimoji="1" lang="en-US" altLang="ja-JP"/>
               <a:t>4 </a:t>
             </a:r>
             <a:r>
-              <a:rPr kumimoji="1" lang="ja-JP" altLang="en-US" smtClean="0"/>
+              <a:rPr kumimoji="1" lang="ja-JP" altLang="en-US"/>
               <a:t>レベル</a:t>
             </a:r>
           </a:p>
           <a:p>
             <a:pPr lvl="4"/>
             <a:r>
-              <a:rPr kumimoji="1" lang="ja-JP" altLang="en-US" smtClean="0"/>
+              <a:rPr kumimoji="1" lang="ja-JP" altLang="en-US"/>
               <a:t>第 </a:t>
             </a:r>
             <a:r>
-              <a:rPr kumimoji="1" lang="en-US" altLang="ja-JP" smtClean="0"/>
+              <a:rPr kumimoji="1" lang="en-US" altLang="ja-JP"/>
               <a:t>5 </a:t>
             </a:r>
             <a:r>
-              <a:rPr kumimoji="1" lang="ja-JP" altLang="en-US" smtClean="0"/>
+              <a:rPr kumimoji="1" lang="ja-JP" altLang="en-US"/>
               <a:t>レベル</a:t>
             </a:r>
-            <a:endParaRPr kumimoji="1" lang="ja-JP" altLang="en-US"/>
           </a:p>
         </p:txBody>
       </p:sp>
@@ -1719,7 +1711,7 @@
           <a:p>
             <a:pPr lvl="0"/>
             <a:r>
-              <a:rPr kumimoji="1" lang="ja-JP" altLang="en-US" smtClean="0"/>
+              <a:rPr kumimoji="1" lang="ja-JP" altLang="en-US"/>
               <a:t>マスター テキストの書式設定</a:t>
             </a:r>
           </a:p>
@@ -1747,70 +1739,69 @@
           <a:p>
             <a:pPr lvl="0"/>
             <a:r>
-              <a:rPr kumimoji="1" lang="ja-JP" altLang="en-US" smtClean="0"/>
+              <a:rPr kumimoji="1" lang="ja-JP" altLang="en-US"/>
               <a:t>マスター テキストの書式設定</a:t>
             </a:r>
           </a:p>
           <a:p>
             <a:pPr lvl="1"/>
             <a:r>
-              <a:rPr kumimoji="1" lang="ja-JP" altLang="en-US" smtClean="0"/>
+              <a:rPr kumimoji="1" lang="ja-JP" altLang="en-US"/>
               <a:t>第 </a:t>
             </a:r>
             <a:r>
-              <a:rPr kumimoji="1" lang="en-US" altLang="ja-JP" smtClean="0"/>
+              <a:rPr kumimoji="1" lang="en-US" altLang="ja-JP"/>
               <a:t>2 </a:t>
             </a:r>
             <a:r>
-              <a:rPr kumimoji="1" lang="ja-JP" altLang="en-US" smtClean="0"/>
+              <a:rPr kumimoji="1" lang="ja-JP" altLang="en-US"/>
               <a:t>レベル</a:t>
             </a:r>
           </a:p>
           <a:p>
             <a:pPr lvl="2"/>
             <a:r>
-              <a:rPr kumimoji="1" lang="ja-JP" altLang="en-US" smtClean="0"/>
+              <a:rPr kumimoji="1" lang="ja-JP" altLang="en-US"/>
               <a:t>第 </a:t>
             </a:r>
             <a:r>
-              <a:rPr kumimoji="1" lang="en-US" altLang="ja-JP" smtClean="0"/>
+              <a:rPr kumimoji="1" lang="en-US" altLang="ja-JP"/>
               <a:t>3 </a:t>
             </a:r>
             <a:r>
-              <a:rPr kumimoji="1" lang="ja-JP" altLang="en-US" smtClean="0"/>
+              <a:rPr kumimoji="1" lang="ja-JP" altLang="en-US"/>
               <a:t>レベル</a:t>
             </a:r>
           </a:p>
           <a:p>
             <a:pPr lvl="3"/>
             <a:r>
-              <a:rPr kumimoji="1" lang="ja-JP" altLang="en-US" smtClean="0"/>
+              <a:rPr kumimoji="1" lang="ja-JP" altLang="en-US"/>
               <a:t>第 </a:t>
             </a:r>
             <a:r>
-              <a:rPr kumimoji="1" lang="en-US" altLang="ja-JP" smtClean="0"/>
+              <a:rPr kumimoji="1" lang="en-US" altLang="ja-JP"/>
               <a:t>4 </a:t>
             </a:r>
             <a:r>
-              <a:rPr kumimoji="1" lang="ja-JP" altLang="en-US" smtClean="0"/>
+              <a:rPr kumimoji="1" lang="ja-JP" altLang="en-US"/>
               <a:t>レベル</a:t>
             </a:r>
           </a:p>
           <a:p>
             <a:pPr lvl="4"/>
             <a:r>
-              <a:rPr kumimoji="1" lang="ja-JP" altLang="en-US" smtClean="0"/>
+              <a:rPr kumimoji="1" lang="ja-JP" altLang="en-US"/>
               <a:t>第 </a:t>
             </a:r>
             <a:r>
-              <a:rPr kumimoji="1" lang="en-US" altLang="ja-JP" smtClean="0"/>
+              <a:rPr kumimoji="1" lang="en-US" altLang="ja-JP"/>
               <a:t>5 </a:t>
             </a:r>
             <a:r>
-              <a:rPr kumimoji="1" lang="ja-JP" altLang="en-US" smtClean="0"/>
+              <a:rPr kumimoji="1" lang="ja-JP" altLang="en-US"/>
               <a:t>レベル</a:t>
             </a:r>
-            <a:endParaRPr kumimoji="1" lang="ja-JP" altLang="en-US"/>
           </a:p>
         </p:txBody>
       </p:sp>
@@ -1831,7 +1822,7 @@
           <a:p>
             <a:fld id="{22383F7F-EE3A-9046-95E4-A78CB2DE9636}" type="datetimeFigureOut">
               <a:rPr kumimoji="1" lang="ja-JP" altLang="en-US" smtClean="0"/>
-              <a:t>2018/4/12</a:t>
+              <a:t>2018/5/22</a:t>
             </a:fld>
             <a:endParaRPr kumimoji="1" lang="ja-JP" altLang="en-US"/>
           </a:p>
@@ -1925,10 +1916,9 @@
           <a:lstStyle/>
           <a:p>
             <a:r>
-              <a:rPr kumimoji="1" lang="ja-JP" altLang="en-US" smtClean="0"/>
+              <a:rPr kumimoji="1" lang="ja-JP" altLang="en-US"/>
               <a:t>マスター タイトルの書式設定</a:t>
             </a:r>
-            <a:endParaRPr kumimoji="1" lang="ja-JP" altLang="en-US"/>
           </a:p>
         </p:txBody>
       </p:sp>
@@ -1949,7 +1939,7 @@
           <a:p>
             <a:fld id="{22383F7F-EE3A-9046-95E4-A78CB2DE9636}" type="datetimeFigureOut">
               <a:rPr kumimoji="1" lang="ja-JP" altLang="en-US" smtClean="0"/>
-              <a:t>2018/4/12</a:t>
+              <a:t>2018/5/22</a:t>
             </a:fld>
             <a:endParaRPr kumimoji="1" lang="ja-JP" altLang="en-US"/>
           </a:p>
@@ -2044,7 +2034,7 @@
           <a:p>
             <a:fld id="{22383F7F-EE3A-9046-95E4-A78CB2DE9636}" type="datetimeFigureOut">
               <a:rPr kumimoji="1" lang="ja-JP" altLang="en-US" smtClean="0"/>
-              <a:t>2018/4/12</a:t>
+              <a:t>2018/5/22</a:t>
             </a:fld>
             <a:endParaRPr kumimoji="1" lang="ja-JP" altLang="en-US"/>
           </a:p>
@@ -2147,10 +2137,9 @@
           </a:lstStyle>
           <a:p>
             <a:r>
-              <a:rPr kumimoji="1" lang="ja-JP" altLang="en-US" smtClean="0"/>
+              <a:rPr kumimoji="1" lang="ja-JP" altLang="en-US"/>
               <a:t>マスター タイトルの書式設定</a:t>
             </a:r>
-            <a:endParaRPr kumimoji="1" lang="ja-JP" altLang="en-US"/>
           </a:p>
         </p:txBody>
       </p:sp>
@@ -2204,70 +2193,69 @@
           <a:p>
             <a:pPr lvl="0"/>
             <a:r>
-              <a:rPr kumimoji="1" lang="ja-JP" altLang="en-US" smtClean="0"/>
+              <a:rPr kumimoji="1" lang="ja-JP" altLang="en-US"/>
               <a:t>マスター テキストの書式設定</a:t>
             </a:r>
           </a:p>
           <a:p>
             <a:pPr lvl="1"/>
             <a:r>
-              <a:rPr kumimoji="1" lang="ja-JP" altLang="en-US" smtClean="0"/>
+              <a:rPr kumimoji="1" lang="ja-JP" altLang="en-US"/>
               <a:t>第 </a:t>
             </a:r>
             <a:r>
-              <a:rPr kumimoji="1" lang="en-US" altLang="ja-JP" smtClean="0"/>
+              <a:rPr kumimoji="1" lang="en-US" altLang="ja-JP"/>
               <a:t>2 </a:t>
             </a:r>
             <a:r>
-              <a:rPr kumimoji="1" lang="ja-JP" altLang="en-US" smtClean="0"/>
+              <a:rPr kumimoji="1" lang="ja-JP" altLang="en-US"/>
               <a:t>レベル</a:t>
             </a:r>
           </a:p>
           <a:p>
             <a:pPr lvl="2"/>
             <a:r>
-              <a:rPr kumimoji="1" lang="ja-JP" altLang="en-US" smtClean="0"/>
+              <a:rPr kumimoji="1" lang="ja-JP" altLang="en-US"/>
               <a:t>第 </a:t>
             </a:r>
             <a:r>
-              <a:rPr kumimoji="1" lang="en-US" altLang="ja-JP" smtClean="0"/>
+              <a:rPr kumimoji="1" lang="en-US" altLang="ja-JP"/>
               <a:t>3 </a:t>
             </a:r>
             <a:r>
-              <a:rPr kumimoji="1" lang="ja-JP" altLang="en-US" smtClean="0"/>
+              <a:rPr kumimoji="1" lang="ja-JP" altLang="en-US"/>
               <a:t>レベル</a:t>
             </a:r>
           </a:p>
           <a:p>
             <a:pPr lvl="3"/>
             <a:r>
-              <a:rPr kumimoji="1" lang="ja-JP" altLang="en-US" smtClean="0"/>
+              <a:rPr kumimoji="1" lang="ja-JP" altLang="en-US"/>
               <a:t>第 </a:t>
             </a:r>
             <a:r>
-              <a:rPr kumimoji="1" lang="en-US" altLang="ja-JP" smtClean="0"/>
+              <a:rPr kumimoji="1" lang="en-US" altLang="ja-JP"/>
               <a:t>4 </a:t>
             </a:r>
             <a:r>
-              <a:rPr kumimoji="1" lang="ja-JP" altLang="en-US" smtClean="0"/>
+              <a:rPr kumimoji="1" lang="ja-JP" altLang="en-US"/>
               <a:t>レベル</a:t>
             </a:r>
           </a:p>
           <a:p>
             <a:pPr lvl="4"/>
             <a:r>
-              <a:rPr kumimoji="1" lang="ja-JP" altLang="en-US" smtClean="0"/>
+              <a:rPr kumimoji="1" lang="ja-JP" altLang="en-US"/>
               <a:t>第 </a:t>
             </a:r>
             <a:r>
-              <a:rPr kumimoji="1" lang="en-US" altLang="ja-JP" smtClean="0"/>
+              <a:rPr kumimoji="1" lang="en-US" altLang="ja-JP"/>
               <a:t>5 </a:t>
             </a:r>
             <a:r>
-              <a:rPr kumimoji="1" lang="ja-JP" altLang="en-US" smtClean="0"/>
+              <a:rPr kumimoji="1" lang="ja-JP" altLang="en-US"/>
               <a:t>レベル</a:t>
             </a:r>
-            <a:endParaRPr kumimoji="1" lang="ja-JP" altLang="en-US"/>
           </a:p>
         </p:txBody>
       </p:sp>
@@ -2330,7 +2318,7 @@
           <a:p>
             <a:pPr lvl="0"/>
             <a:r>
-              <a:rPr kumimoji="1" lang="ja-JP" altLang="en-US" smtClean="0"/>
+              <a:rPr kumimoji="1" lang="ja-JP" altLang="en-US"/>
               <a:t>マスター テキストの書式設定</a:t>
             </a:r>
           </a:p>
@@ -2353,7 +2341,7 @@
           <a:p>
             <a:fld id="{22383F7F-EE3A-9046-95E4-A78CB2DE9636}" type="datetimeFigureOut">
               <a:rPr kumimoji="1" lang="ja-JP" altLang="en-US" smtClean="0"/>
-              <a:t>2018/4/12</a:t>
+              <a:t>2018/5/22</a:t>
             </a:fld>
             <a:endParaRPr kumimoji="1" lang="ja-JP" altLang="en-US"/>
           </a:p>
@@ -2456,10 +2444,9 @@
           </a:lstStyle>
           <a:p>
             <a:r>
-              <a:rPr kumimoji="1" lang="ja-JP" altLang="en-US" smtClean="0"/>
+              <a:rPr kumimoji="1" lang="ja-JP" altLang="en-US"/>
               <a:t>マスター タイトルの書式設定</a:t>
             </a:r>
-            <a:endParaRPr kumimoji="1" lang="ja-JP" altLang="en-US"/>
           </a:p>
         </p:txBody>
       </p:sp>
@@ -2583,7 +2570,7 @@
           <a:p>
             <a:pPr lvl="0"/>
             <a:r>
-              <a:rPr kumimoji="1" lang="ja-JP" altLang="en-US" smtClean="0"/>
+              <a:rPr kumimoji="1" lang="ja-JP" altLang="en-US"/>
               <a:t>マスター テキストの書式設定</a:t>
             </a:r>
           </a:p>
@@ -2606,7 +2593,7 @@
           <a:p>
             <a:fld id="{22383F7F-EE3A-9046-95E4-A78CB2DE9636}" type="datetimeFigureOut">
               <a:rPr kumimoji="1" lang="ja-JP" altLang="en-US" smtClean="0"/>
-              <a:t>2018/4/12</a:t>
+              <a:t>2018/5/22</a:t>
             </a:fld>
             <a:endParaRPr kumimoji="1" lang="ja-JP" altLang="en-US"/>
           </a:p>
@@ -2715,10 +2702,9 @@
           <a:lstStyle/>
           <a:p>
             <a:r>
-              <a:rPr kumimoji="1" lang="ja-JP" altLang="en-US" smtClean="0"/>
+              <a:rPr kumimoji="1" lang="ja-JP" altLang="en-US"/>
               <a:t>マスター タイトルの書式設定</a:t>
             </a:r>
-            <a:endParaRPr kumimoji="1" lang="ja-JP" altLang="en-US"/>
           </a:p>
         </p:txBody>
       </p:sp>
@@ -2749,70 +2735,69 @@
           <a:p>
             <a:pPr lvl="0"/>
             <a:r>
-              <a:rPr kumimoji="1" lang="ja-JP" altLang="en-US" smtClean="0"/>
+              <a:rPr kumimoji="1" lang="ja-JP" altLang="en-US"/>
               <a:t>マスター テキストの書式設定</a:t>
             </a:r>
           </a:p>
           <a:p>
             <a:pPr lvl="1"/>
             <a:r>
-              <a:rPr kumimoji="1" lang="ja-JP" altLang="en-US" smtClean="0"/>
+              <a:rPr kumimoji="1" lang="ja-JP" altLang="en-US"/>
               <a:t>第 </a:t>
             </a:r>
             <a:r>
-              <a:rPr kumimoji="1" lang="en-US" altLang="ja-JP" smtClean="0"/>
+              <a:rPr kumimoji="1" lang="en-US" altLang="ja-JP"/>
               <a:t>2 </a:t>
             </a:r>
             <a:r>
-              <a:rPr kumimoji="1" lang="ja-JP" altLang="en-US" smtClean="0"/>
+              <a:rPr kumimoji="1" lang="ja-JP" altLang="en-US"/>
               <a:t>レベル</a:t>
             </a:r>
           </a:p>
           <a:p>
             <a:pPr lvl="2"/>
             <a:r>
-              <a:rPr kumimoji="1" lang="ja-JP" altLang="en-US" smtClean="0"/>
+              <a:rPr kumimoji="1" lang="ja-JP" altLang="en-US"/>
               <a:t>第 </a:t>
             </a:r>
             <a:r>
-              <a:rPr kumimoji="1" lang="en-US" altLang="ja-JP" smtClean="0"/>
+              <a:rPr kumimoji="1" lang="en-US" altLang="ja-JP"/>
               <a:t>3 </a:t>
             </a:r>
             <a:r>
-              <a:rPr kumimoji="1" lang="ja-JP" altLang="en-US" smtClean="0"/>
+              <a:rPr kumimoji="1" lang="ja-JP" altLang="en-US"/>
               <a:t>レベル</a:t>
             </a:r>
           </a:p>
           <a:p>
             <a:pPr lvl="3"/>
             <a:r>
-              <a:rPr kumimoji="1" lang="ja-JP" altLang="en-US" smtClean="0"/>
+              <a:rPr kumimoji="1" lang="ja-JP" altLang="en-US"/>
               <a:t>第 </a:t>
             </a:r>
             <a:r>
-              <a:rPr kumimoji="1" lang="en-US" altLang="ja-JP" smtClean="0"/>
+              <a:rPr kumimoji="1" lang="en-US" altLang="ja-JP"/>
               <a:t>4 </a:t>
             </a:r>
             <a:r>
-              <a:rPr kumimoji="1" lang="ja-JP" altLang="en-US" smtClean="0"/>
+              <a:rPr kumimoji="1" lang="ja-JP" altLang="en-US"/>
               <a:t>レベル</a:t>
             </a:r>
           </a:p>
           <a:p>
             <a:pPr lvl="4"/>
             <a:r>
-              <a:rPr kumimoji="1" lang="ja-JP" altLang="en-US" smtClean="0"/>
+              <a:rPr kumimoji="1" lang="ja-JP" altLang="en-US"/>
               <a:t>第 </a:t>
             </a:r>
             <a:r>
-              <a:rPr kumimoji="1" lang="en-US" altLang="ja-JP" smtClean="0"/>
+              <a:rPr kumimoji="1" lang="en-US" altLang="ja-JP"/>
               <a:t>5 </a:t>
             </a:r>
             <a:r>
-              <a:rPr kumimoji="1" lang="ja-JP" altLang="en-US" smtClean="0"/>
+              <a:rPr kumimoji="1" lang="ja-JP" altLang="en-US"/>
               <a:t>レベル</a:t>
             </a:r>
-            <a:endParaRPr kumimoji="1" lang="ja-JP" altLang="en-US"/>
           </a:p>
         </p:txBody>
       </p:sp>
@@ -2851,7 +2836,7 @@
           <a:p>
             <a:fld id="{22383F7F-EE3A-9046-95E4-A78CB2DE9636}" type="datetimeFigureOut">
               <a:rPr kumimoji="1" lang="ja-JP" altLang="en-US" smtClean="0"/>
-              <a:t>2018/4/12</a:t>
+              <a:t>2018/5/22</a:t>
             </a:fld>
             <a:endParaRPr kumimoji="1" lang="ja-JP" altLang="en-US"/>
           </a:p>
@@ -3277,17 +3262,25 @@
           <a:lstStyle/>
           <a:p>
             <a:r>
-              <a:rPr kumimoji="1" lang="ja-JP" altLang="en-US" dirty="0" smtClean="0"/>
+              <a:rPr kumimoji="1" lang="ja-JP" altLang="en-US" dirty="0">
+                <a:latin typeface="Yu Gothic" panose="020B0400000000000000" pitchFamily="34" charset="-128"/>
+                <a:ea typeface="Yu Gothic" panose="020B0400000000000000" pitchFamily="34" charset="-128"/>
+              </a:rPr>
               <a:t>自然言語処理プログラム</a:t>
             </a:r>
             <a:br>
-              <a:rPr kumimoji="1" lang="ja-JP" altLang="en-US" dirty="0" smtClean="0"/>
+              <a:rPr kumimoji="1" lang="ja-JP" altLang="en-US" dirty="0">
+                <a:latin typeface="Yu Gothic" panose="020B0400000000000000" pitchFamily="34" charset="-128"/>
+                <a:ea typeface="Yu Gothic" panose="020B0400000000000000" pitchFamily="34" charset="-128"/>
+              </a:rPr>
             </a:br>
             <a:r>
-              <a:rPr kumimoji="1" lang="ja-JP" altLang="en-US" dirty="0" smtClean="0"/>
+              <a:rPr kumimoji="1" lang="ja-JP" altLang="en-US" dirty="0">
+                <a:latin typeface="Yu Gothic" panose="020B0400000000000000" pitchFamily="34" charset="-128"/>
+                <a:ea typeface="Yu Gothic" panose="020B0400000000000000" pitchFamily="34" charset="-128"/>
+              </a:rPr>
               <a:t>使用方法</a:t>
             </a:r>
-            <a:endParaRPr kumimoji="1" lang="ja-JP" altLang="en-US" dirty="0"/>
           </a:p>
         </p:txBody>
       </p:sp>
@@ -3344,18 +3337,13 @@
           <a:lstStyle/>
           <a:p>
             <a:r>
-              <a:rPr kumimoji="1" lang="ja-JP" altLang="en-US" sz="4000" dirty="0" smtClean="0">
-                <a:latin typeface="Meiryo" charset="-128"/>
-                <a:ea typeface="Meiryo" charset="-128"/>
+              <a:rPr kumimoji="1" lang="ja-JP" altLang="en-US" sz="4000" dirty="0">
+                <a:latin typeface="Yu Gothic" panose="020B0400000000000000" pitchFamily="34" charset="-128"/>
+                <a:ea typeface="Yu Gothic" panose="020B0400000000000000" pitchFamily="34" charset="-128"/>
                 <a:cs typeface="Meiryo" charset="-128"/>
               </a:rPr>
               <a:t>使用手順</a:t>
             </a:r>
-            <a:endParaRPr kumimoji="1" lang="ja-JP" altLang="en-US" sz="4000" dirty="0">
-              <a:latin typeface="Meiryo" charset="-128"/>
-              <a:ea typeface="Meiryo" charset="-128"/>
-              <a:cs typeface="Meiryo" charset="-128"/>
-            </a:endParaRPr>
           </a:p>
         </p:txBody>
       </p:sp>
@@ -3382,26 +3370,21 @@
           <a:lstStyle/>
           <a:p>
             <a:r>
-              <a:rPr kumimoji="1" lang="en-US" altLang="ja-JP" sz="2400" dirty="0" smtClean="0">
-                <a:latin typeface="Meiryo" charset="-128"/>
-                <a:ea typeface="Meiryo" charset="-128"/>
+              <a:rPr kumimoji="1" lang="en-US" altLang="ja-JP" sz="2400" dirty="0">
+                <a:latin typeface="Yu Gothic" panose="020B0400000000000000" pitchFamily="34" charset="-128"/>
+                <a:ea typeface="Yu Gothic" panose="020B0400000000000000" pitchFamily="34" charset="-128"/>
                 <a:cs typeface="Meiryo" charset="-128"/>
               </a:rPr>
               <a:t>1. </a:t>
             </a:r>
             <a:r>
-              <a:rPr kumimoji="1" lang="ja-JP" altLang="en-US" sz="2400" dirty="0" smtClean="0">
-                <a:latin typeface="Meiryo" charset="-128"/>
-                <a:ea typeface="Meiryo" charset="-128"/>
+              <a:rPr kumimoji="1" lang="ja-JP" altLang="en-US" sz="2400" dirty="0">
+                <a:latin typeface="Yu Gothic" panose="020B0400000000000000" pitchFamily="34" charset="-128"/>
+                <a:ea typeface="Yu Gothic" panose="020B0400000000000000" pitchFamily="34" charset="-128"/>
                 <a:cs typeface="Meiryo" charset="-128"/>
               </a:rPr>
               <a:t>各種ライブラリのアップデート</a:t>
             </a:r>
-            <a:endParaRPr kumimoji="1" lang="ja-JP" altLang="en-US" sz="2400" dirty="0">
-              <a:latin typeface="Meiryo" charset="-128"/>
-              <a:ea typeface="Meiryo" charset="-128"/>
-              <a:cs typeface="Meiryo" charset="-128"/>
-            </a:endParaRPr>
           </a:p>
         </p:txBody>
       </p:sp>
@@ -3429,33 +3412,28 @@
           <a:p>
             <a:r>
               <a:rPr lang="en-US" altLang="ja-JP" sz="2400" dirty="0">
-                <a:latin typeface="Meiryo" charset="-128"/>
-                <a:ea typeface="Meiryo" charset="-128"/>
+                <a:latin typeface="Yu Gothic" panose="020B0400000000000000" pitchFamily="34" charset="-128"/>
+                <a:ea typeface="Yu Gothic" panose="020B0400000000000000" pitchFamily="34" charset="-128"/>
                 <a:cs typeface="Meiryo" charset="-128"/>
               </a:rPr>
               <a:t>2</a:t>
             </a:r>
             <a:r>
-              <a:rPr kumimoji="1" lang="en-US" altLang="ja-JP" sz="2400" dirty="0" smtClean="0">
-                <a:latin typeface="Meiryo" charset="-128"/>
-                <a:ea typeface="Meiryo" charset="-128"/>
+              <a:rPr kumimoji="1" lang="en-US" altLang="ja-JP" sz="2400" dirty="0">
+                <a:latin typeface="Yu Gothic" panose="020B0400000000000000" pitchFamily="34" charset="-128"/>
+                <a:ea typeface="Yu Gothic" panose="020B0400000000000000" pitchFamily="34" charset="-128"/>
                 <a:cs typeface="Meiryo" charset="-128"/>
               </a:rPr>
               <a:t>. </a:t>
             </a:r>
             <a:r>
-              <a:rPr kumimoji="1" lang="ja-JP" altLang="en-US" sz="2400" dirty="0" smtClean="0">
-                <a:latin typeface="Meiryo" charset="-128"/>
-                <a:ea typeface="Meiryo" charset="-128"/>
+              <a:rPr kumimoji="1" lang="ja-JP" altLang="en-US" sz="2400" dirty="0">
+                <a:latin typeface="Yu Gothic" panose="020B0400000000000000" pitchFamily="34" charset="-128"/>
+                <a:ea typeface="Yu Gothic" panose="020B0400000000000000" pitchFamily="34" charset="-128"/>
                 <a:cs typeface="Meiryo" charset="-128"/>
               </a:rPr>
               <a:t>環境変数の設定</a:t>
             </a:r>
-            <a:endParaRPr kumimoji="1" lang="ja-JP" altLang="en-US" sz="2400" dirty="0">
-              <a:latin typeface="Meiryo" charset="-128"/>
-              <a:ea typeface="Meiryo" charset="-128"/>
-              <a:cs typeface="Meiryo" charset="-128"/>
-            </a:endParaRPr>
           </a:p>
         </p:txBody>
       </p:sp>
@@ -3482,56 +3460,132 @@
           <a:lstStyle/>
           <a:p>
             <a:r>
-              <a:rPr lang="en-US" altLang="ja-JP" sz="2400" dirty="0" smtClean="0">
-                <a:latin typeface="Meiryo" charset="-128"/>
-                <a:ea typeface="Meiryo" charset="-128"/>
+              <a:rPr lang="en-US" altLang="ja-JP" sz="2400" dirty="0">
+                <a:latin typeface="Yu Gothic" panose="020B0400000000000000" pitchFamily="34" charset="-128"/>
+                <a:ea typeface="Yu Gothic" panose="020B0400000000000000" pitchFamily="34" charset="-128"/>
                 <a:cs typeface="Meiryo" charset="-128"/>
               </a:rPr>
               <a:t>3</a:t>
             </a:r>
             <a:r>
-              <a:rPr kumimoji="1" lang="en-US" altLang="ja-JP" sz="2400" dirty="0" smtClean="0">
-                <a:latin typeface="Meiryo" charset="-128"/>
-                <a:ea typeface="Meiryo" charset="-128"/>
+              <a:rPr kumimoji="1" lang="en-US" altLang="ja-JP" sz="2400" dirty="0">
+                <a:latin typeface="Yu Gothic" panose="020B0400000000000000" pitchFamily="34" charset="-128"/>
+                <a:ea typeface="Yu Gothic" panose="020B0400000000000000" pitchFamily="34" charset="-128"/>
                 <a:cs typeface="Meiryo" charset="-128"/>
               </a:rPr>
               <a:t>. </a:t>
             </a:r>
             <a:r>
-              <a:rPr kumimoji="1" lang="ja-JP" altLang="en-US" sz="2400" dirty="0" smtClean="0">
-                <a:latin typeface="Meiryo" charset="-128"/>
-                <a:ea typeface="Meiryo" charset="-128"/>
+              <a:rPr kumimoji="1" lang="ja-JP" altLang="en-US" sz="2400" dirty="0">
+                <a:latin typeface="Yu Gothic" panose="020B0400000000000000" pitchFamily="34" charset="-128"/>
+                <a:ea typeface="Yu Gothic" panose="020B0400000000000000" pitchFamily="34" charset="-128"/>
                 <a:cs typeface="Meiryo" charset="-128"/>
               </a:rPr>
               <a:t>学習</a:t>
             </a:r>
             <a:r>
-              <a:rPr kumimoji="1" lang="en-US" altLang="ja-JP" sz="2400" dirty="0" smtClean="0">
-                <a:latin typeface="Meiryo" charset="-128"/>
-                <a:ea typeface="Meiryo" charset="-128"/>
+              <a:rPr kumimoji="1" lang="en-US" altLang="ja-JP" sz="2400" dirty="0">
+                <a:latin typeface="Yu Gothic" panose="020B0400000000000000" pitchFamily="34" charset="-128"/>
+                <a:ea typeface="Yu Gothic" panose="020B0400000000000000" pitchFamily="34" charset="-128"/>
                 <a:cs typeface="Meiryo" charset="-128"/>
               </a:rPr>
               <a:t>(</a:t>
             </a:r>
             <a:r>
-              <a:rPr kumimoji="1" lang="ja-JP" altLang="en-US" sz="2400" dirty="0" smtClean="0">
-                <a:latin typeface="Meiryo" charset="-128"/>
-                <a:ea typeface="Meiryo" charset="-128"/>
+              <a:rPr kumimoji="1" lang="ja-JP" altLang="en-US" sz="2400" dirty="0">
+                <a:latin typeface="Yu Gothic" panose="020B0400000000000000" pitchFamily="34" charset="-128"/>
+                <a:ea typeface="Yu Gothic" panose="020B0400000000000000" pitchFamily="34" charset="-128"/>
                 <a:cs typeface="Meiryo" charset="-128"/>
               </a:rPr>
               <a:t>入力データのベクトル化</a:t>
             </a:r>
             <a:r>
-              <a:rPr kumimoji="1" lang="en-US" altLang="ja-JP" sz="2400" dirty="0" smtClean="0">
-                <a:latin typeface="Meiryo" charset="-128"/>
-                <a:ea typeface="Meiryo" charset="-128"/>
+              <a:rPr kumimoji="1" lang="en-US" altLang="ja-JP" sz="2400" dirty="0">
+                <a:latin typeface="Yu Gothic" panose="020B0400000000000000" pitchFamily="34" charset="-128"/>
+                <a:ea typeface="Yu Gothic" panose="020B0400000000000000" pitchFamily="34" charset="-128"/>
                 <a:cs typeface="Meiryo" charset="-128"/>
               </a:rPr>
               <a:t>)</a:t>
             </a:r>
             <a:endParaRPr kumimoji="1" lang="ja-JP" altLang="en-US" sz="2400" dirty="0">
-              <a:latin typeface="Meiryo" charset="-128"/>
-              <a:ea typeface="Meiryo" charset="-128"/>
+              <a:latin typeface="Yu Gothic" panose="020B0400000000000000" pitchFamily="34" charset="-128"/>
+              <a:ea typeface="Yu Gothic" panose="020B0400000000000000" pitchFamily="34" charset="-128"/>
+              <a:cs typeface="Meiryo" charset="-128"/>
+            </a:endParaRPr>
+          </a:p>
+        </p:txBody>
+      </p:sp>
+      <p:sp>
+        <p:nvSpPr>
+          <p:cNvPr id="7" name="テキスト ボックス 6">
+            <a:extLst>
+              <a:ext uri="{FF2B5EF4-FFF2-40B4-BE49-F238E27FC236}">
+                <a16:creationId xmlns:a16="http://schemas.microsoft.com/office/drawing/2014/main" id="{6CB8445B-67A3-4645-A95D-95313B6998EC}"/>
+              </a:ext>
+            </a:extLst>
+          </p:cNvPr>
+          <p:cNvSpPr txBox="1"/>
+          <p:nvPr/>
+        </p:nvSpPr>
+        <p:spPr>
+          <a:xfrm>
+            <a:off x="1068513" y="3308823"/>
+            <a:ext cx="3626314" cy="461665"/>
+          </a:xfrm>
+          <a:prstGeom prst="rect">
+            <a:avLst/>
+          </a:prstGeom>
+          <a:noFill/>
+        </p:spPr>
+        <p:txBody>
+          <a:bodyPr wrap="none" rtlCol="0">
+            <a:spAutoFit/>
+          </a:bodyPr>
+          <a:lstStyle/>
+          <a:p>
+            <a:r>
+              <a:rPr kumimoji="1" lang="en-US" altLang="ja-JP" sz="2400" dirty="0">
+                <a:latin typeface="Yu Gothic" panose="020B0400000000000000" pitchFamily="34" charset="-128"/>
+                <a:ea typeface="Yu Gothic" panose="020B0400000000000000" pitchFamily="34" charset="-128"/>
+                <a:cs typeface="Meiryo" charset="-128"/>
+              </a:rPr>
+              <a:t>4. </a:t>
+            </a:r>
+            <a:r>
+              <a:rPr lang="ja-JP" altLang="en-US" sz="2400">
+                <a:latin typeface="Yu Gothic" panose="020B0400000000000000" pitchFamily="34" charset="-128"/>
+                <a:ea typeface="Yu Gothic" panose="020B0400000000000000" pitchFamily="34" charset="-128"/>
+                <a:cs typeface="Meiryo" charset="-128"/>
+              </a:rPr>
+              <a:t>実行</a:t>
+            </a:r>
+            <a:r>
+              <a:rPr kumimoji="1" lang="en-US" altLang="ja-JP" sz="2400" dirty="0">
+                <a:latin typeface="Yu Gothic" panose="020B0400000000000000" pitchFamily="34" charset="-128"/>
+                <a:ea typeface="Yu Gothic" panose="020B0400000000000000" pitchFamily="34" charset="-128"/>
+                <a:cs typeface="Meiryo" charset="-128"/>
+              </a:rPr>
+              <a:t>(</a:t>
+            </a:r>
+            <a:r>
+              <a:rPr kumimoji="1" lang="ja-JP" altLang="en-US" sz="2400">
+                <a:latin typeface="Yu Gothic" panose="020B0400000000000000" pitchFamily="34" charset="-128"/>
+                <a:ea typeface="Yu Gothic" panose="020B0400000000000000" pitchFamily="34" charset="-128"/>
+                <a:cs typeface="Meiryo" charset="-128"/>
+              </a:rPr>
+              <a:t>ベクトルの保存</a:t>
+            </a:r>
+            <a:r>
+              <a:rPr kumimoji="1" lang="en-US" altLang="ja-JP" sz="2400" dirty="0">
+                <a:latin typeface="Yu Gothic" panose="020B0400000000000000" pitchFamily="34" charset="-128"/>
+                <a:ea typeface="Yu Gothic" panose="020B0400000000000000" pitchFamily="34" charset="-128"/>
+                <a:cs typeface="Meiryo" charset="-128"/>
+              </a:rPr>
+              <a:t>)</a:t>
+            </a:r>
+            <a:endParaRPr kumimoji="1" lang="ja-JP" altLang="en-US" sz="2400" dirty="0">
+              <a:latin typeface="Yu Gothic" panose="020B0400000000000000" pitchFamily="34" charset="-128"/>
+              <a:ea typeface="Yu Gothic" panose="020B0400000000000000" pitchFamily="34" charset="-128"/>
               <a:cs typeface="Meiryo" charset="-128"/>
             </a:endParaRPr>
           </a:p>
@@ -3591,25 +3645,20 @@
           <a:p>
             <a:r>
               <a:rPr lang="en-US" altLang="ja-JP" sz="4000" dirty="0">
-                <a:latin typeface="Meiryo" charset="-128"/>
-                <a:ea typeface="Meiryo" charset="-128"/>
+                <a:latin typeface="Yu Gothic" panose="020B0400000000000000" pitchFamily="34" charset="-128"/>
+                <a:ea typeface="Yu Gothic" panose="020B0400000000000000" pitchFamily="34" charset="-128"/>
                 <a:cs typeface="Meiryo" charset="-128"/>
               </a:rPr>
               <a:t>1. </a:t>
             </a:r>
             <a:r>
               <a:rPr lang="ja-JP" altLang="en-US" sz="4000" dirty="0">
-                <a:latin typeface="Meiryo" charset="-128"/>
-                <a:ea typeface="Meiryo" charset="-128"/>
+                <a:latin typeface="Yu Gothic" panose="020B0400000000000000" pitchFamily="34" charset="-128"/>
+                <a:ea typeface="Yu Gothic" panose="020B0400000000000000" pitchFamily="34" charset="-128"/>
                 <a:cs typeface="Meiryo" charset="-128"/>
               </a:rPr>
               <a:t>各種ライブラリのアップデート</a:t>
             </a:r>
-            <a:endParaRPr lang="ja-JP" altLang="en-US" sz="4000" dirty="0">
-              <a:latin typeface="Meiryo" charset="-128"/>
-              <a:ea typeface="Meiryo" charset="-128"/>
-              <a:cs typeface="Meiryo" charset="-128"/>
-            </a:endParaRPr>
           </a:p>
         </p:txBody>
       </p:sp>
@@ -3636,24 +3685,24 @@
           <a:lstStyle/>
           <a:p>
             <a:r>
-              <a:rPr kumimoji="1" lang="ja-JP" altLang="en-US" sz="2400" dirty="0" smtClean="0">
-                <a:latin typeface="Meiryo" charset="-128"/>
-                <a:ea typeface="Meiryo" charset="-128"/>
+              <a:rPr kumimoji="1" lang="ja-JP" altLang="en-US" sz="2400" dirty="0">
+                <a:latin typeface="Yu Gothic" panose="020B0400000000000000" pitchFamily="34" charset="-128"/>
+                <a:ea typeface="Yu Gothic" panose="020B0400000000000000" pitchFamily="34" charset="-128"/>
                 <a:cs typeface="Meiryo" charset="-128"/>
               </a:rPr>
               <a:t>プログラムを実行する前に各種ライブラリの</a:t>
             </a:r>
             <a:r>
-              <a:rPr kumimoji="1" lang="ja-JP" altLang="en-US" sz="2400" smtClean="0">
-                <a:latin typeface="Meiryo" charset="-128"/>
-                <a:ea typeface="Meiryo" charset="-128"/>
+              <a:rPr kumimoji="1" lang="ja-JP" altLang="en-US" sz="2400">
+                <a:latin typeface="Yu Gothic" panose="020B0400000000000000" pitchFamily="34" charset="-128"/>
+                <a:ea typeface="Yu Gothic" panose="020B0400000000000000" pitchFamily="34" charset="-128"/>
                 <a:cs typeface="Meiryo" charset="-128"/>
               </a:rPr>
               <a:t>アップデートを行う</a:t>
             </a:r>
             <a:endParaRPr kumimoji="1" lang="ja-JP" altLang="en-US" sz="2400" dirty="0">
-              <a:latin typeface="Meiryo" charset="-128"/>
-              <a:ea typeface="Meiryo" charset="-128"/>
+              <a:latin typeface="Yu Gothic" panose="020B0400000000000000" pitchFamily="34" charset="-128"/>
+              <a:ea typeface="Yu Gothic" panose="020B0400000000000000" pitchFamily="34" charset="-128"/>
               <a:cs typeface="Meiryo" charset="-128"/>
             </a:endParaRPr>
           </a:p>
@@ -3682,18 +3731,13 @@
           <a:lstStyle/>
           <a:p>
             <a:r>
-              <a:rPr kumimoji="1" lang="ja-JP" altLang="en-US" sz="2400" dirty="0" smtClean="0">
-                <a:latin typeface="Meiryo" charset="-128"/>
-                <a:ea typeface="Meiryo" charset="-128"/>
+              <a:rPr kumimoji="1" lang="ja-JP" altLang="en-US" sz="2400" dirty="0">
+                <a:latin typeface="Yu Gothic" panose="020B0400000000000000" pitchFamily="34" charset="-128"/>
+                <a:ea typeface="Yu Gothic" panose="020B0400000000000000" pitchFamily="34" charset="-128"/>
                 <a:cs typeface="Meiryo" charset="-128"/>
               </a:rPr>
               <a:t>コマンドプロンプトを開き以下のコマンドを実行する</a:t>
             </a:r>
-            <a:endParaRPr kumimoji="1" lang="ja-JP" altLang="en-US" sz="2400" dirty="0">
-              <a:latin typeface="Meiryo" charset="-128"/>
-              <a:ea typeface="Meiryo" charset="-128"/>
-              <a:cs typeface="Meiryo" charset="-128"/>
-            </a:endParaRPr>
           </a:p>
         </p:txBody>
       </p:sp>
@@ -3706,7 +3750,7 @@
         <p:spPr>
           <a:xfrm>
             <a:off x="1068513" y="3044858"/>
-            <a:ext cx="2955937" cy="923330"/>
+            <a:ext cx="3384260" cy="923330"/>
           </a:xfrm>
           <a:prstGeom prst="rect">
             <a:avLst/>
@@ -3720,54 +3764,83 @@
           <a:lstStyle/>
           <a:p>
             <a:r>
-              <a:rPr kumimoji="1" lang="en-US" altLang="ja-JP" dirty="0" smtClean="0"/>
+              <a:rPr kumimoji="1" lang="en-US" altLang="ja-JP" dirty="0">
+                <a:latin typeface="Yu Gothic" panose="020B0400000000000000" pitchFamily="34" charset="-128"/>
+                <a:ea typeface="Yu Gothic" panose="020B0400000000000000" pitchFamily="34" charset="-128"/>
+              </a:rPr>
               <a:t>pip install </a:t>
             </a:r>
             <a:r>
-              <a:rPr kumimoji="1" lang="en-US" altLang="ja-JP" dirty="0" err="1" smtClean="0"/>
+              <a:rPr kumimoji="1" lang="en-US" altLang="ja-JP" dirty="0" err="1">
+                <a:latin typeface="Yu Gothic" panose="020B0400000000000000" pitchFamily="34" charset="-128"/>
+                <a:ea typeface="Yu Gothic" panose="020B0400000000000000" pitchFamily="34" charset="-128"/>
+              </a:rPr>
               <a:t>gensim</a:t>
             </a:r>
             <a:r>
-              <a:rPr kumimoji="1" lang="en-US" altLang="ja-JP" dirty="0" smtClean="0"/>
+              <a:rPr kumimoji="1" lang="en-US" altLang="ja-JP" dirty="0">
+                <a:latin typeface="Yu Gothic" panose="020B0400000000000000" pitchFamily="34" charset="-128"/>
+                <a:ea typeface="Yu Gothic" panose="020B0400000000000000" pitchFamily="34" charset="-128"/>
+              </a:rPr>
               <a:t>==3.4.0</a:t>
             </a:r>
           </a:p>
           <a:p>
             <a:r>
-              <a:rPr lang="en-US" altLang="ja-JP" dirty="0"/>
+              <a:rPr lang="en-US" altLang="ja-JP" dirty="0">
+                <a:latin typeface="Yu Gothic" panose="020B0400000000000000" pitchFamily="34" charset="-128"/>
+                <a:ea typeface="Yu Gothic" panose="020B0400000000000000" pitchFamily="34" charset="-128"/>
+              </a:rPr>
+              <a:t>pip install </a:t>
+            </a:r>
+            <a:r>
+              <a:rPr lang="en-US" altLang="ja-JP" dirty="0" err="1">
+                <a:latin typeface="Yu Gothic" panose="020B0400000000000000" pitchFamily="34" charset="-128"/>
+                <a:ea typeface="Yu Gothic" panose="020B0400000000000000" pitchFamily="34" charset="-128"/>
+              </a:rPr>
+              <a:t>tensorflow</a:t>
+            </a:r>
+            <a:r>
+              <a:rPr lang="en-US" altLang="ja-JP" dirty="0">
+                <a:latin typeface="Yu Gothic" panose="020B0400000000000000" pitchFamily="34" charset="-128"/>
+                <a:ea typeface="Yu Gothic" panose="020B0400000000000000" pitchFamily="34" charset="-128"/>
+              </a:rPr>
+              <a:t> == 1.3.0</a:t>
+            </a:r>
+          </a:p>
+          <a:p>
+            <a:r>
+              <a:rPr lang="en-US" altLang="ja-JP" dirty="0">
+                <a:latin typeface="Yu Gothic" panose="020B0400000000000000" pitchFamily="34" charset="-128"/>
+                <a:ea typeface="Yu Gothic" panose="020B0400000000000000" pitchFamily="34" charset="-128"/>
+              </a:rPr>
               <a:t>p</a:t>
             </a:r>
             <a:r>
-              <a:rPr lang="en-US" altLang="ja-JP" dirty="0" smtClean="0"/>
+              <a:rPr kumimoji="1" lang="en-US" altLang="ja-JP" dirty="0">
+                <a:latin typeface="Yu Gothic" panose="020B0400000000000000" pitchFamily="34" charset="-128"/>
+                <a:ea typeface="Yu Gothic" panose="020B0400000000000000" pitchFamily="34" charset="-128"/>
+              </a:rPr>
               <a:t>ip install </a:t>
             </a:r>
             <a:r>
-              <a:rPr lang="en-US" altLang="ja-JP" dirty="0" err="1" smtClean="0"/>
-              <a:t>tensorflow</a:t>
-            </a:r>
-            <a:r>
-              <a:rPr lang="en-US" altLang="ja-JP" dirty="0" smtClean="0"/>
-              <a:t> == 1.3.0</a:t>
-            </a:r>
-          </a:p>
-          <a:p>
-            <a:r>
-              <a:rPr lang="en-US" altLang="ja-JP" dirty="0"/>
-              <a:t>p</a:t>
-            </a:r>
-            <a:r>
-              <a:rPr kumimoji="1" lang="en-US" altLang="ja-JP" dirty="0" smtClean="0"/>
-              <a:t>ip install </a:t>
-            </a:r>
-            <a:r>
-              <a:rPr kumimoji="1" lang="en-US" altLang="ja-JP" dirty="0" err="1" smtClean="0"/>
+              <a:rPr kumimoji="1" lang="en-US" altLang="ja-JP" dirty="0" err="1">
+                <a:latin typeface="Yu Gothic" panose="020B0400000000000000" pitchFamily="34" charset="-128"/>
+                <a:ea typeface="Yu Gothic" panose="020B0400000000000000" pitchFamily="34" charset="-128"/>
+              </a:rPr>
               <a:t>fasttext</a:t>
             </a:r>
             <a:r>
-              <a:rPr kumimoji="1" lang="en-US" altLang="ja-JP" dirty="0" smtClean="0"/>
+              <a:rPr kumimoji="1" lang="en-US" altLang="ja-JP" dirty="0">
+                <a:latin typeface="Yu Gothic" panose="020B0400000000000000" pitchFamily="34" charset="-128"/>
+                <a:ea typeface="Yu Gothic" panose="020B0400000000000000" pitchFamily="34" charset="-128"/>
+              </a:rPr>
               <a:t> == 0.8.3</a:t>
             </a:r>
-            <a:endParaRPr kumimoji="1" lang="ja-JP" altLang="en-US" dirty="0"/>
+            <a:endParaRPr kumimoji="1" lang="ja-JP" altLang="en-US" dirty="0">
+              <a:latin typeface="Yu Gothic" panose="020B0400000000000000" pitchFamily="34" charset="-128"/>
+              <a:ea typeface="Yu Gothic" panose="020B0400000000000000" pitchFamily="34" charset="-128"/>
+            </a:endParaRPr>
           </a:p>
         </p:txBody>
       </p:sp>
@@ -3824,34 +3897,21 @@
           <a:lstStyle/>
           <a:p>
             <a:r>
-              <a:rPr lang="en-US" altLang="ja-JP" sz="4000" dirty="0" smtClean="0">
-                <a:latin typeface="Meiryo" charset="-128"/>
-                <a:ea typeface="Meiryo" charset="-128"/>
+              <a:rPr lang="en-US" altLang="ja-JP" sz="4000" dirty="0">
+                <a:latin typeface="Yu Gothic" panose="020B0400000000000000" pitchFamily="34" charset="-128"/>
+                <a:ea typeface="Yu Gothic" panose="020B0400000000000000" pitchFamily="34" charset="-128"/>
                 <a:cs typeface="Meiryo" charset="-128"/>
               </a:rPr>
-              <a:t>2</a:t>
-            </a:r>
-            <a:r>
-              <a:rPr lang="en-US" altLang="ja-JP" sz="4000" dirty="0">
-                <a:latin typeface="Meiryo" charset="-128"/>
-                <a:ea typeface="Meiryo" charset="-128"/>
+              <a:t>2. </a:t>
+            </a:r>
+            <a:r>
+              <a:rPr lang="ja-JP" altLang="en-US" sz="4000" dirty="0">
+                <a:latin typeface="Yu Gothic" panose="020B0400000000000000" pitchFamily="34" charset="-128"/>
+                <a:ea typeface="Yu Gothic" panose="020B0400000000000000" pitchFamily="34" charset="-128"/>
                 <a:cs typeface="Meiryo" charset="-128"/>
               </a:rPr>
-              <a:t>. </a:t>
-            </a:r>
-            <a:r>
-              <a:rPr lang="ja-JP" altLang="en-US" sz="4000" dirty="0">
-                <a:latin typeface="Meiryo" charset="-128"/>
-                <a:ea typeface="Meiryo" charset="-128"/>
-                <a:cs typeface="Meiryo" charset="-128"/>
-              </a:rPr>
               <a:t>環境変数の設定</a:t>
             </a:r>
-            <a:endParaRPr lang="ja-JP" altLang="en-US" sz="4000" dirty="0">
-              <a:latin typeface="Meiryo" charset="-128"/>
-              <a:ea typeface="Meiryo" charset="-128"/>
-              <a:cs typeface="Meiryo" charset="-128"/>
-            </a:endParaRPr>
           </a:p>
         </p:txBody>
       </p:sp>
@@ -3878,50 +3938,21 @@
           <a:lstStyle/>
           <a:p>
             <a:r>
-              <a:rPr kumimoji="1" lang="ja-JP" altLang="en-US" sz="2400" dirty="0" smtClean="0">
-                <a:latin typeface="Meiryo" charset="-128"/>
-                <a:ea typeface="Meiryo" charset="-128"/>
+              <a:rPr kumimoji="1" lang="ja-JP" altLang="en-US" sz="2400" dirty="0">
+                <a:latin typeface="Yu Gothic" panose="020B0400000000000000" pitchFamily="34" charset="-128"/>
+                <a:ea typeface="Yu Gothic" panose="020B0400000000000000" pitchFamily="34" charset="-128"/>
                 <a:cs typeface="Meiryo" charset="-128"/>
               </a:rPr>
               <a:t>プログラムを実行する前に</a:t>
             </a:r>
             <a:r>
-              <a:rPr lang="ja-JP" altLang="en-US" sz="2400" dirty="0" smtClean="0">
-                <a:latin typeface="Meiryo" charset="-128"/>
-                <a:ea typeface="Meiryo" charset="-128"/>
+              <a:rPr lang="ja-JP" altLang="en-US" sz="2400" dirty="0">
+                <a:latin typeface="Yu Gothic" panose="020B0400000000000000" pitchFamily="34" charset="-128"/>
+                <a:ea typeface="Yu Gothic" panose="020B0400000000000000" pitchFamily="34" charset="-128"/>
                 <a:cs typeface="Meiryo" charset="-128"/>
               </a:rPr>
-              <a:t>環境</a:t>
-            </a:r>
-            <a:r>
-              <a:rPr lang="ja-JP" altLang="en-US" sz="2400" dirty="0">
-                <a:latin typeface="Meiryo" charset="-128"/>
-                <a:ea typeface="Meiryo" charset="-128"/>
-                <a:cs typeface="Meiryo" charset="-128"/>
-              </a:rPr>
-              <a:t>変数の</a:t>
-            </a:r>
-            <a:r>
-              <a:rPr lang="ja-JP" altLang="en-US" sz="2400" dirty="0" smtClean="0">
-                <a:latin typeface="Meiryo" charset="-128"/>
-                <a:ea typeface="Meiryo" charset="-128"/>
-                <a:cs typeface="Meiryo" charset="-128"/>
-              </a:rPr>
-              <a:t>設定</a:t>
-            </a:r>
-            <a:r>
-              <a:rPr lang="ja-JP" altLang="en-US" sz="2400" dirty="0" smtClean="0">
-                <a:latin typeface="Meiryo" charset="-128"/>
-                <a:ea typeface="Meiryo" charset="-128"/>
-                <a:cs typeface="Meiryo" charset="-128"/>
-              </a:rPr>
-              <a:t>を行う</a:t>
-            </a:r>
-            <a:endParaRPr lang="ja-JP" altLang="en-US" sz="2400" dirty="0">
-              <a:latin typeface="Meiryo" charset="-128"/>
-              <a:ea typeface="Meiryo" charset="-128"/>
-              <a:cs typeface="Meiryo" charset="-128"/>
-            </a:endParaRPr>
+              <a:t>環境変数の設定を行う</a:t>
+            </a:r>
           </a:p>
         </p:txBody>
       </p:sp>
@@ -3948,18 +3979,13 @@
           <a:lstStyle/>
           <a:p>
             <a:r>
-              <a:rPr kumimoji="1" lang="ja-JP" altLang="en-US" sz="2400" dirty="0" smtClean="0">
-                <a:latin typeface="Meiryo" charset="-128"/>
-                <a:ea typeface="Meiryo" charset="-128"/>
+              <a:rPr kumimoji="1" lang="ja-JP" altLang="en-US" sz="2400" dirty="0">
+                <a:latin typeface="Yu Gothic" panose="020B0400000000000000" pitchFamily="34" charset="-128"/>
+                <a:ea typeface="Yu Gothic" panose="020B0400000000000000" pitchFamily="34" charset="-128"/>
                 <a:cs typeface="Meiryo" charset="-128"/>
               </a:rPr>
               <a:t>以下のコマンドを実行する</a:t>
             </a:r>
-            <a:endParaRPr kumimoji="1" lang="ja-JP" altLang="en-US" sz="2400" dirty="0">
-              <a:latin typeface="Meiryo" charset="-128"/>
-              <a:ea typeface="Meiryo" charset="-128"/>
-              <a:cs typeface="Meiryo" charset="-128"/>
-            </a:endParaRPr>
           </a:p>
         </p:txBody>
       </p:sp>
@@ -3972,7 +3998,7 @@
         <p:spPr>
           <a:xfrm>
             <a:off x="1068513" y="3044858"/>
-            <a:ext cx="2644570" cy="369332"/>
+            <a:ext cx="3201517" cy="369332"/>
           </a:xfrm>
           <a:prstGeom prst="rect">
             <a:avLst/>
@@ -3986,14 +4012,23 @@
           <a:lstStyle/>
           <a:p>
             <a:r>
-              <a:rPr lang="en-US" altLang="ja-JP" dirty="0" smtClean="0"/>
+              <a:rPr lang="en-US" altLang="ja-JP" dirty="0">
+                <a:latin typeface="Yu Gothic" panose="020B0400000000000000" pitchFamily="34" charset="-128"/>
+                <a:ea typeface="Yu Gothic" panose="020B0400000000000000" pitchFamily="34" charset="-128"/>
+              </a:rPr>
               <a:t>set PYTHONHASHSEED=1 </a:t>
             </a:r>
             <a:r>
-              <a:rPr kumimoji="1" lang="en-US" altLang="ja-JP" dirty="0" smtClean="0"/>
+              <a:rPr kumimoji="1" lang="en-US" altLang="ja-JP" dirty="0">
+                <a:latin typeface="Yu Gothic" panose="020B0400000000000000" pitchFamily="34" charset="-128"/>
+                <a:ea typeface="Yu Gothic" panose="020B0400000000000000" pitchFamily="34" charset="-128"/>
+              </a:rPr>
               <a:t> </a:t>
             </a:r>
-            <a:endParaRPr kumimoji="1" lang="ja-JP" altLang="en-US" dirty="0"/>
+            <a:endParaRPr kumimoji="1" lang="ja-JP" altLang="en-US" dirty="0">
+              <a:latin typeface="Yu Gothic" panose="020B0400000000000000" pitchFamily="34" charset="-128"/>
+              <a:ea typeface="Yu Gothic" panose="020B0400000000000000" pitchFamily="34" charset="-128"/>
+            </a:endParaRPr>
           </a:p>
         </p:txBody>
       </p:sp>
@@ -4006,7 +4041,7 @@
         <p:spPr>
           <a:xfrm>
             <a:off x="1068513" y="3867026"/>
-            <a:ext cx="7497565" cy="369332"/>
+            <a:ext cx="7773282" cy="369332"/>
           </a:xfrm>
           <a:prstGeom prst="rect">
             <a:avLst/>
@@ -4020,26 +4055,44 @@
           <a:lstStyle/>
           <a:p>
             <a:r>
-              <a:rPr kumimoji="1" lang="en-US" altLang="ja-JP" dirty="0" smtClean="0"/>
+              <a:rPr kumimoji="1" lang="en-US" altLang="ja-JP" dirty="0">
+                <a:latin typeface="Yu Gothic" panose="020B0400000000000000" pitchFamily="34" charset="-128"/>
+                <a:ea typeface="Yu Gothic" panose="020B0400000000000000" pitchFamily="34" charset="-128"/>
+              </a:rPr>
               <a:t>(</a:t>
             </a:r>
             <a:r>
-              <a:rPr kumimoji="1" lang="ja-JP" altLang="en-US" dirty="0" smtClean="0"/>
+              <a:rPr kumimoji="1" lang="ja-JP" altLang="en-US" dirty="0">
+                <a:latin typeface="Yu Gothic" panose="020B0400000000000000" pitchFamily="34" charset="-128"/>
+                <a:ea typeface="Yu Gothic" panose="020B0400000000000000" pitchFamily="34" charset="-128"/>
+              </a:rPr>
               <a:t>または</a:t>
             </a:r>
             <a:r>
-              <a:rPr kumimoji="1" lang="en-US" altLang="ja-JP" dirty="0" smtClean="0"/>
+              <a:rPr kumimoji="1" lang="en-US" altLang="ja-JP" dirty="0">
+                <a:latin typeface="Yu Gothic" panose="020B0400000000000000" pitchFamily="34" charset="-128"/>
+                <a:ea typeface="Yu Gothic" panose="020B0400000000000000" pitchFamily="34" charset="-128"/>
+              </a:rPr>
               <a:t>3. </a:t>
             </a:r>
             <a:r>
-              <a:rPr kumimoji="1" lang="ja-JP" altLang="en-US" dirty="0" smtClean="0"/>
+              <a:rPr kumimoji="1" lang="ja-JP" altLang="en-US" dirty="0">
+                <a:latin typeface="Yu Gothic" panose="020B0400000000000000" pitchFamily="34" charset="-128"/>
+                <a:ea typeface="Yu Gothic" panose="020B0400000000000000" pitchFamily="34" charset="-128"/>
+              </a:rPr>
               <a:t>以降のプログラムが実行できない場合は以下のコマンドを実行</a:t>
             </a:r>
             <a:r>
-              <a:rPr kumimoji="1" lang="en-US" altLang="ja-JP" dirty="0" smtClean="0"/>
+              <a:rPr kumimoji="1" lang="en-US" altLang="ja-JP" dirty="0">
+                <a:latin typeface="Yu Gothic" panose="020B0400000000000000" pitchFamily="34" charset="-128"/>
+                <a:ea typeface="Yu Gothic" panose="020B0400000000000000" pitchFamily="34" charset="-128"/>
+              </a:rPr>
               <a:t>)</a:t>
             </a:r>
-            <a:endParaRPr kumimoji="1" lang="ja-JP" altLang="en-US" dirty="0"/>
+            <a:endParaRPr kumimoji="1" lang="ja-JP" altLang="en-US" dirty="0">
+              <a:latin typeface="Yu Gothic" panose="020B0400000000000000" pitchFamily="34" charset="-128"/>
+              <a:ea typeface="Yu Gothic" panose="020B0400000000000000" pitchFamily="34" charset="-128"/>
+            </a:endParaRPr>
           </a:p>
         </p:txBody>
       </p:sp>
@@ -4052,7 +4105,7 @@
         <p:spPr>
           <a:xfrm>
             <a:off x="1068513" y="4689194"/>
-            <a:ext cx="2833724" cy="369332"/>
+            <a:ext cx="3397084" cy="369332"/>
           </a:xfrm>
           <a:prstGeom prst="rect">
             <a:avLst/>
@@ -4066,14 +4119,23 @@
           <a:lstStyle/>
           <a:p>
             <a:r>
-              <a:rPr lang="en-US" altLang="ja-JP" dirty="0" smtClean="0"/>
+              <a:rPr lang="en-US" altLang="ja-JP" dirty="0">
+                <a:latin typeface="Yu Gothic" panose="020B0400000000000000" pitchFamily="34" charset="-128"/>
+                <a:ea typeface="Yu Gothic" panose="020B0400000000000000" pitchFamily="34" charset="-128"/>
+              </a:rPr>
               <a:t>set PYTHONHASHSEED=“1” </a:t>
             </a:r>
             <a:r>
-              <a:rPr kumimoji="1" lang="en-US" altLang="ja-JP" dirty="0" smtClean="0"/>
+              <a:rPr kumimoji="1" lang="en-US" altLang="ja-JP" dirty="0">
+                <a:latin typeface="Yu Gothic" panose="020B0400000000000000" pitchFamily="34" charset="-128"/>
+                <a:ea typeface="Yu Gothic" panose="020B0400000000000000" pitchFamily="34" charset="-128"/>
+              </a:rPr>
               <a:t> </a:t>
             </a:r>
-            <a:endParaRPr kumimoji="1" lang="ja-JP" altLang="en-US" dirty="0"/>
+            <a:endParaRPr kumimoji="1" lang="ja-JP" altLang="en-US" dirty="0">
+              <a:latin typeface="Yu Gothic" panose="020B0400000000000000" pitchFamily="34" charset="-128"/>
+              <a:ea typeface="Yu Gothic" panose="020B0400000000000000" pitchFamily="34" charset="-128"/>
+            </a:endParaRPr>
           </a:p>
         </p:txBody>
       </p:sp>
@@ -4130,56 +4192,48 @@
           <a:lstStyle/>
           <a:p>
             <a:r>
-              <a:rPr lang="en-US" altLang="ja-JP" sz="4000" dirty="0" smtClean="0">
-                <a:latin typeface="Meiryo" charset="-128"/>
-                <a:ea typeface="Meiryo" charset="-128"/>
+              <a:rPr lang="en-US" altLang="ja-JP" sz="4000" dirty="0">
+                <a:latin typeface="Yu Gothic" panose="020B0400000000000000" pitchFamily="34" charset="-128"/>
+                <a:ea typeface="Yu Gothic" panose="020B0400000000000000" pitchFamily="34" charset="-128"/>
                 <a:cs typeface="Meiryo" charset="-128"/>
               </a:rPr>
-              <a:t>3</a:t>
+              <a:t>3. </a:t>
+            </a:r>
+            <a:r>
+              <a:rPr lang="ja-JP" altLang="en-US" sz="4000" dirty="0">
+                <a:latin typeface="Yu Gothic" panose="020B0400000000000000" pitchFamily="34" charset="-128"/>
+                <a:ea typeface="Yu Gothic" panose="020B0400000000000000" pitchFamily="34" charset="-128"/>
+                <a:cs typeface="Meiryo" charset="-128"/>
+              </a:rPr>
+              <a:t>学習</a:t>
             </a:r>
             <a:r>
               <a:rPr lang="en-US" altLang="ja-JP" sz="4000" dirty="0">
-                <a:latin typeface="Meiryo" charset="-128"/>
-                <a:ea typeface="Meiryo" charset="-128"/>
+                <a:latin typeface="Yu Gothic" panose="020B0400000000000000" pitchFamily="34" charset="-128"/>
+                <a:ea typeface="Yu Gothic" panose="020B0400000000000000" pitchFamily="34" charset="-128"/>
                 <a:cs typeface="Meiryo" charset="-128"/>
               </a:rPr>
-              <a:t>. </a:t>
+              <a:t>(</a:t>
             </a:r>
             <a:r>
               <a:rPr lang="ja-JP" altLang="en-US" sz="4000" dirty="0">
-                <a:latin typeface="Meiryo" charset="-128"/>
-                <a:ea typeface="Meiryo" charset="-128"/>
+                <a:latin typeface="Yu Gothic" panose="020B0400000000000000" pitchFamily="34" charset="-128"/>
+                <a:ea typeface="Yu Gothic" panose="020B0400000000000000" pitchFamily="34" charset="-128"/>
                 <a:cs typeface="Meiryo" charset="-128"/>
               </a:rPr>
-              <a:t>学習</a:t>
+              <a:t>入力データのベクトル化</a:t>
             </a:r>
             <a:r>
               <a:rPr lang="en-US" altLang="ja-JP" sz="4000" dirty="0">
-                <a:latin typeface="Meiryo" charset="-128"/>
-                <a:ea typeface="Meiryo" charset="-128"/>
+                <a:latin typeface="Yu Gothic" panose="020B0400000000000000" pitchFamily="34" charset="-128"/>
+                <a:ea typeface="Yu Gothic" panose="020B0400000000000000" pitchFamily="34" charset="-128"/>
                 <a:cs typeface="Meiryo" charset="-128"/>
               </a:rPr>
-              <a:t>(</a:t>
-            </a:r>
-            <a:r>
-              <a:rPr lang="ja-JP" altLang="en-US" sz="4000" dirty="0">
-                <a:latin typeface="Meiryo" charset="-128"/>
-                <a:ea typeface="Meiryo" charset="-128"/>
-                <a:cs typeface="Meiryo" charset="-128"/>
-              </a:rPr>
-              <a:t>入力データのベクトル化</a:t>
-            </a:r>
-            <a:r>
-              <a:rPr lang="en-US" altLang="ja-JP" sz="4000" dirty="0">
-                <a:latin typeface="Meiryo" charset="-128"/>
-                <a:ea typeface="Meiryo" charset="-128"/>
-                <a:cs typeface="Meiryo" charset="-128"/>
-              </a:rPr>
               <a:t>)</a:t>
             </a:r>
             <a:endParaRPr lang="ja-JP" altLang="en-US" sz="4000" dirty="0">
-              <a:latin typeface="Meiryo" charset="-128"/>
-              <a:ea typeface="Meiryo" charset="-128"/>
+              <a:latin typeface="Yu Gothic" panose="020B0400000000000000" pitchFamily="34" charset="-128"/>
+              <a:ea typeface="Yu Gothic" panose="020B0400000000000000" pitchFamily="34" charset="-128"/>
               <a:cs typeface="Meiryo" charset="-128"/>
             </a:endParaRPr>
           </a:p>
@@ -4208,24 +4262,24 @@
           <a:lstStyle/>
           <a:p>
             <a:r>
-              <a:rPr kumimoji="1" lang="en-US" altLang="ja-JP" sz="2400" dirty="0" err="1" smtClean="0">
-                <a:latin typeface="Meiryo" charset="-128"/>
-                <a:ea typeface="Meiryo" charset="-128"/>
+              <a:rPr kumimoji="1" lang="en-US" altLang="ja-JP" sz="2400" dirty="0" err="1">
+                <a:latin typeface="Yu Gothic" panose="020B0400000000000000" pitchFamily="34" charset="-128"/>
+                <a:ea typeface="Yu Gothic" panose="020B0400000000000000" pitchFamily="34" charset="-128"/>
                 <a:cs typeface="Meiryo" charset="-128"/>
               </a:rPr>
               <a:t>NLP_test</a:t>
             </a:r>
             <a:r>
-              <a:rPr kumimoji="1" lang="ja-JP" altLang="en-US" sz="2400" dirty="0" smtClean="0">
-                <a:latin typeface="Meiryo" charset="-128"/>
-                <a:ea typeface="Meiryo" charset="-128"/>
+              <a:rPr kumimoji="1" lang="ja-JP" altLang="en-US" sz="2400" dirty="0">
+                <a:latin typeface="Yu Gothic" panose="020B0400000000000000" pitchFamily="34" charset="-128"/>
+                <a:ea typeface="Yu Gothic" panose="020B0400000000000000" pitchFamily="34" charset="-128"/>
                 <a:cs typeface="Meiryo" charset="-128"/>
               </a:rPr>
               <a:t>フォルダにてプログラムを実行する</a:t>
             </a:r>
             <a:endParaRPr lang="ja-JP" altLang="en-US" sz="2400" dirty="0">
-              <a:latin typeface="Meiryo" charset="-128"/>
-              <a:ea typeface="Meiryo" charset="-128"/>
+              <a:latin typeface="Yu Gothic" panose="020B0400000000000000" pitchFamily="34" charset="-128"/>
+              <a:ea typeface="Yu Gothic" panose="020B0400000000000000" pitchFamily="34" charset="-128"/>
               <a:cs typeface="Meiryo" charset="-128"/>
             </a:endParaRPr>
           </a:p>
@@ -4254,18 +4308,13 @@
           <a:lstStyle/>
           <a:p>
             <a:r>
-              <a:rPr kumimoji="1" lang="ja-JP" altLang="en-US" sz="2400" dirty="0" smtClean="0">
-                <a:latin typeface="Meiryo" charset="-128"/>
-                <a:ea typeface="Meiryo" charset="-128"/>
+              <a:rPr kumimoji="1" lang="ja-JP" altLang="en-US" sz="2400" dirty="0">
+                <a:latin typeface="Yu Gothic" panose="020B0400000000000000" pitchFamily="34" charset="-128"/>
+                <a:ea typeface="Yu Gothic" panose="020B0400000000000000" pitchFamily="34" charset="-128"/>
                 <a:cs typeface="Meiryo" charset="-128"/>
               </a:rPr>
               <a:t>以下のコマンドを実行する</a:t>
             </a:r>
-            <a:endParaRPr kumimoji="1" lang="ja-JP" altLang="en-US" sz="2400" dirty="0">
-              <a:latin typeface="Meiryo" charset="-128"/>
-              <a:ea typeface="Meiryo" charset="-128"/>
-              <a:cs typeface="Meiryo" charset="-128"/>
-            </a:endParaRPr>
           </a:p>
         </p:txBody>
       </p:sp>
@@ -4278,7 +4327,7 @@
         <p:spPr>
           <a:xfrm>
             <a:off x="1068513" y="3044858"/>
-            <a:ext cx="4451347" cy="369332"/>
+            <a:ext cx="5083443" cy="369332"/>
           </a:xfrm>
           <a:prstGeom prst="rect">
             <a:avLst/>
@@ -4292,30 +4341,44 @@
           <a:lstStyle/>
           <a:p>
             <a:r>
-              <a:rPr lang="en-US" altLang="ja-JP" dirty="0"/>
-              <a:t>p</a:t>
-            </a:r>
-            <a:r>
-              <a:rPr lang="en-US" altLang="ja-JP" dirty="0" smtClean="0"/>
-              <a:t>ython </a:t>
-            </a:r>
-            <a:r>
-              <a:rPr lang="en-US" altLang="ja-JP" dirty="0" err="1" smtClean="0"/>
+              <a:rPr lang="en-US" altLang="ja-JP" dirty="0">
+                <a:latin typeface="Yu Gothic" panose="020B0400000000000000" pitchFamily="34" charset="-128"/>
+                <a:ea typeface="Yu Gothic" panose="020B0400000000000000" pitchFamily="34" charset="-128"/>
+              </a:rPr>
+              <a:t>python </a:t>
+            </a:r>
+            <a:r>
+              <a:rPr lang="en-US" altLang="ja-JP" dirty="0" err="1">
+                <a:latin typeface="Yu Gothic" panose="020B0400000000000000" pitchFamily="34" charset="-128"/>
+                <a:ea typeface="Yu Gothic" panose="020B0400000000000000" pitchFamily="34" charset="-128"/>
+              </a:rPr>
               <a:t>src</a:t>
             </a:r>
             <a:r>
-              <a:rPr lang="en-US" altLang="ja-JP" dirty="0" smtClean="0"/>
+              <a:rPr lang="en-US" altLang="ja-JP" dirty="0">
+                <a:latin typeface="Yu Gothic" panose="020B0400000000000000" pitchFamily="34" charset="-128"/>
+                <a:ea typeface="Yu Gothic" panose="020B0400000000000000" pitchFamily="34" charset="-128"/>
+              </a:rPr>
               <a:t>/</a:t>
             </a:r>
             <a:r>
-              <a:rPr lang="en-US" altLang="ja-JP" dirty="0" err="1" smtClean="0"/>
+              <a:rPr lang="en-US" altLang="ja-JP" dirty="0" err="1">
+                <a:latin typeface="Yu Gothic" panose="020B0400000000000000" pitchFamily="34" charset="-128"/>
+                <a:ea typeface="Yu Gothic" panose="020B0400000000000000" pitchFamily="34" charset="-128"/>
+              </a:rPr>
               <a:t>nlp_with_gensim.py</a:t>
             </a:r>
             <a:r>
-              <a:rPr lang="en-US" altLang="ja-JP" dirty="0" smtClean="0"/>
+              <a:rPr lang="en-US" altLang="ja-JP" dirty="0">
+                <a:latin typeface="Yu Gothic" panose="020B0400000000000000" pitchFamily="34" charset="-128"/>
+                <a:ea typeface="Yu Gothic" panose="020B0400000000000000" pitchFamily="34" charset="-128"/>
+              </a:rPr>
               <a:t> train XXX YYY</a:t>
             </a:r>
-            <a:endParaRPr kumimoji="1" lang="ja-JP" altLang="en-US" dirty="0"/>
+            <a:endParaRPr kumimoji="1" lang="ja-JP" altLang="en-US" dirty="0">
+              <a:latin typeface="Yu Gothic" panose="020B0400000000000000" pitchFamily="34" charset="-128"/>
+              <a:ea typeface="Yu Gothic" panose="020B0400000000000000" pitchFamily="34" charset="-128"/>
+            </a:endParaRPr>
           </a:p>
         </p:txBody>
       </p:sp>
@@ -4328,7 +4391,7 @@
         <p:spPr>
           <a:xfrm>
             <a:off x="1068513" y="3867026"/>
-            <a:ext cx="5138971" cy="369332"/>
+            <a:ext cx="7237879" cy="369332"/>
           </a:xfrm>
           <a:prstGeom prst="rect">
             <a:avLst/>
@@ -4342,26 +4405,58 @@
           <a:lstStyle/>
           <a:p>
             <a:r>
-              <a:rPr kumimoji="1" lang="en-US" altLang="ja-JP" dirty="0" smtClean="0"/>
+              <a:rPr kumimoji="1" lang="en-US" altLang="ja-JP" dirty="0">
+                <a:latin typeface="Yu Gothic" panose="020B0400000000000000" pitchFamily="34" charset="-128"/>
+                <a:ea typeface="Yu Gothic" panose="020B0400000000000000" pitchFamily="34" charset="-128"/>
+              </a:rPr>
               <a:t>XXX: </a:t>
             </a:r>
             <a:r>
-              <a:rPr kumimoji="1" lang="ja-JP" altLang="en-US" dirty="0" smtClean="0"/>
+              <a:rPr kumimoji="1" lang="ja-JP" altLang="en-US" dirty="0">
+                <a:latin typeface="Yu Gothic" panose="020B0400000000000000" pitchFamily="34" charset="-128"/>
+                <a:ea typeface="Yu Gothic" panose="020B0400000000000000" pitchFamily="34" charset="-128"/>
+              </a:rPr>
               <a:t>各種アルゴリズム</a:t>
             </a:r>
             <a:r>
-              <a:rPr kumimoji="1" lang="en-US" altLang="ja-JP" dirty="0" smtClean="0"/>
+              <a:rPr kumimoji="1" lang="en-US" altLang="ja-JP" dirty="0">
+                <a:latin typeface="Yu Gothic" panose="020B0400000000000000" pitchFamily="34" charset="-128"/>
+                <a:ea typeface="Yu Gothic" panose="020B0400000000000000" pitchFamily="34" charset="-128"/>
+              </a:rPr>
               <a:t>(word2vec, doc2vec, </a:t>
             </a:r>
             <a:r>
-              <a:rPr kumimoji="1" lang="en-US" altLang="ja-JP" dirty="0" err="1" smtClean="0"/>
+              <a:rPr kumimoji="1" lang="en-US" altLang="ja-JP" dirty="0" err="1">
+                <a:latin typeface="Yu Gothic" panose="020B0400000000000000" pitchFamily="34" charset="-128"/>
+                <a:ea typeface="Yu Gothic" panose="020B0400000000000000" pitchFamily="34" charset="-128"/>
+              </a:rPr>
               <a:t>fasttext</a:t>
             </a:r>
             <a:r>
-              <a:rPr kumimoji="1" lang="en-US" altLang="ja-JP" dirty="0" smtClean="0"/>
-              <a:t>)</a:t>
-            </a:r>
-            <a:endParaRPr kumimoji="1" lang="ja-JP" altLang="en-US" dirty="0"/>
+              <a:rPr kumimoji="1" lang="en-US" altLang="ja-JP" dirty="0">
+                <a:latin typeface="Yu Gothic" panose="020B0400000000000000" pitchFamily="34" charset="-128"/>
+                <a:ea typeface="Yu Gothic" panose="020B0400000000000000" pitchFamily="34" charset="-128"/>
+              </a:rPr>
+              <a:t>, bow, </a:t>
+            </a:r>
+            <a:r>
+              <a:rPr kumimoji="1" lang="en-US" altLang="ja-JP" dirty="0" err="1">
+                <a:latin typeface="Yu Gothic" panose="020B0400000000000000" pitchFamily="34" charset="-128"/>
+                <a:ea typeface="Yu Gothic" panose="020B0400000000000000" pitchFamily="34" charset="-128"/>
+              </a:rPr>
+              <a:t>tfidf</a:t>
+            </a:r>
+            <a:r>
+              <a:rPr kumimoji="1" lang="en-US" altLang="ja-JP" dirty="0">
+                <a:latin typeface="Yu Gothic" panose="020B0400000000000000" pitchFamily="34" charset="-128"/>
+                <a:ea typeface="Yu Gothic" panose="020B0400000000000000" pitchFamily="34" charset="-128"/>
+              </a:rPr>
+              <a:t>, all)</a:t>
+            </a:r>
+            <a:endParaRPr kumimoji="1" lang="ja-JP" altLang="en-US" dirty="0">
+              <a:latin typeface="Yu Gothic" panose="020B0400000000000000" pitchFamily="34" charset="-128"/>
+              <a:ea typeface="Yu Gothic" panose="020B0400000000000000" pitchFamily="34" charset="-128"/>
+            </a:endParaRPr>
           </a:p>
         </p:txBody>
       </p:sp>
@@ -4374,7 +4469,7 @@
         <p:spPr>
           <a:xfrm>
             <a:off x="1068513" y="4500774"/>
-            <a:ext cx="3248325" cy="369332"/>
+            <a:ext cx="3533340" cy="369332"/>
           </a:xfrm>
           <a:prstGeom prst="rect">
             <a:avLst/>
@@ -4388,18 +4483,19 @@
           <a:lstStyle/>
           <a:p>
             <a:r>
-              <a:rPr kumimoji="1" lang="en-US" altLang="ja-JP" dirty="0" smtClean="0"/>
-              <a:t>YYY</a:t>
-            </a:r>
-            <a:r>
-              <a:rPr kumimoji="1" lang="en-US" altLang="ja-JP" dirty="0" smtClean="0"/>
-              <a:t>: </a:t>
-            </a:r>
-            <a:r>
-              <a:rPr kumimoji="1" lang="ja-JP" altLang="en-US" dirty="0" smtClean="0"/>
+              <a:rPr kumimoji="1" lang="en-US" altLang="ja-JP" dirty="0">
+                <a:latin typeface="Yu Gothic" panose="020B0400000000000000" pitchFamily="34" charset="-128"/>
+                <a:ea typeface="Yu Gothic" panose="020B0400000000000000" pitchFamily="34" charset="-128"/>
+              </a:rPr>
+              <a:t>YYY: </a:t>
+            </a:r>
+            <a:r>
+              <a:rPr kumimoji="1" lang="ja-JP" altLang="en-US" dirty="0">
+                <a:latin typeface="Yu Gothic" panose="020B0400000000000000" pitchFamily="34" charset="-128"/>
+                <a:ea typeface="Yu Gothic" panose="020B0400000000000000" pitchFamily="34" charset="-128"/>
+              </a:rPr>
               <a:t>学習結果の保存ファイル名</a:t>
             </a:r>
-            <a:endParaRPr kumimoji="1" lang="ja-JP" altLang="en-US" dirty="0"/>
           </a:p>
         </p:txBody>
       </p:sp>
@@ -4412,7 +4508,7 @@
         <p:spPr>
           <a:xfrm>
             <a:off x="1295369" y="5381805"/>
-            <a:ext cx="4568495" cy="369332"/>
+            <a:ext cx="5128327" cy="369332"/>
           </a:xfrm>
           <a:prstGeom prst="rect">
             <a:avLst/>
@@ -4426,38 +4522,58 @@
           <a:lstStyle/>
           <a:p>
             <a:r>
-              <a:rPr lang="en-US" altLang="ja-JP" dirty="0"/>
-              <a:t>p</a:t>
-            </a:r>
-            <a:r>
-              <a:rPr lang="en-US" altLang="ja-JP" dirty="0" smtClean="0"/>
-              <a:t>ython </a:t>
-            </a:r>
-            <a:r>
-              <a:rPr lang="en-US" altLang="ja-JP" dirty="0" err="1" smtClean="0"/>
+              <a:rPr lang="en-US" altLang="ja-JP" dirty="0">
+                <a:latin typeface="Yu Gothic" panose="020B0400000000000000" pitchFamily="34" charset="-128"/>
+                <a:ea typeface="Yu Gothic" panose="020B0400000000000000" pitchFamily="34" charset="-128"/>
+              </a:rPr>
+              <a:t>python </a:t>
+            </a:r>
+            <a:r>
+              <a:rPr lang="en-US" altLang="ja-JP" dirty="0" err="1">
+                <a:latin typeface="Yu Gothic" panose="020B0400000000000000" pitchFamily="34" charset="-128"/>
+                <a:ea typeface="Yu Gothic" panose="020B0400000000000000" pitchFamily="34" charset="-128"/>
+              </a:rPr>
               <a:t>src</a:t>
             </a:r>
             <a:r>
-              <a:rPr lang="en-US" altLang="ja-JP" dirty="0" smtClean="0"/>
+              <a:rPr lang="en-US" altLang="ja-JP" dirty="0">
+                <a:latin typeface="Yu Gothic" panose="020B0400000000000000" pitchFamily="34" charset="-128"/>
+                <a:ea typeface="Yu Gothic" panose="020B0400000000000000" pitchFamily="34" charset="-128"/>
+              </a:rPr>
               <a:t>/</a:t>
             </a:r>
             <a:r>
-              <a:rPr lang="en-US" altLang="ja-JP" dirty="0" err="1" smtClean="0"/>
+              <a:rPr lang="en-US" altLang="ja-JP" dirty="0" err="1">
+                <a:latin typeface="Yu Gothic" panose="020B0400000000000000" pitchFamily="34" charset="-128"/>
+                <a:ea typeface="Yu Gothic" panose="020B0400000000000000" pitchFamily="34" charset="-128"/>
+              </a:rPr>
               <a:t>nlp_with_gensim.py</a:t>
             </a:r>
             <a:r>
-              <a:rPr lang="en-US" altLang="ja-JP" dirty="0" smtClean="0"/>
+              <a:rPr lang="en-US" altLang="ja-JP" dirty="0">
+                <a:latin typeface="Yu Gothic" panose="020B0400000000000000" pitchFamily="34" charset="-128"/>
+                <a:ea typeface="Yu Gothic" panose="020B0400000000000000" pitchFamily="34" charset="-128"/>
+              </a:rPr>
               <a:t> train </a:t>
             </a:r>
             <a:r>
-              <a:rPr lang="en-US" altLang="ja-JP" dirty="0" err="1" smtClean="0"/>
+              <a:rPr lang="en-US" altLang="ja-JP" dirty="0" err="1">
+                <a:latin typeface="Yu Gothic" panose="020B0400000000000000" pitchFamily="34" charset="-128"/>
+                <a:ea typeface="Yu Gothic" panose="020B0400000000000000" pitchFamily="34" charset="-128"/>
+              </a:rPr>
               <a:t>fasttext</a:t>
             </a:r>
             <a:r>
-              <a:rPr lang="en-US" altLang="ja-JP" dirty="0" smtClean="0"/>
+              <a:rPr lang="en-US" altLang="ja-JP" dirty="0">
+                <a:latin typeface="Yu Gothic" panose="020B0400000000000000" pitchFamily="34" charset="-128"/>
+                <a:ea typeface="Yu Gothic" panose="020B0400000000000000" pitchFamily="34" charset="-128"/>
+              </a:rPr>
               <a:t> 1</a:t>
             </a:r>
-            <a:endParaRPr kumimoji="1" lang="ja-JP" altLang="en-US" dirty="0"/>
+            <a:endParaRPr kumimoji="1" lang="ja-JP" altLang="en-US" dirty="0">
+              <a:latin typeface="Yu Gothic" panose="020B0400000000000000" pitchFamily="34" charset="-128"/>
+              <a:ea typeface="Yu Gothic" panose="020B0400000000000000" pitchFamily="34" charset="-128"/>
+            </a:endParaRPr>
           </a:p>
         </p:txBody>
       </p:sp>
@@ -4470,7 +4586,7 @@
         <p:spPr>
           <a:xfrm>
             <a:off x="1068512" y="4977238"/>
-            <a:ext cx="453714" cy="369332"/>
+            <a:ext cx="484428" cy="369332"/>
           </a:xfrm>
           <a:prstGeom prst="rect">
             <a:avLst/>
@@ -4484,10 +4600,16 @@
           <a:lstStyle/>
           <a:p>
             <a:r>
-              <a:rPr kumimoji="1" lang="en-US" altLang="ja-JP" smtClean="0"/>
-              <a:t>Ex.</a:t>
-            </a:r>
-            <a:endParaRPr kumimoji="1" lang="ja-JP" altLang="en-US" dirty="0"/>
+              <a:rPr kumimoji="1" lang="en-US" altLang="ja-JP" dirty="0">
+                <a:latin typeface="Yu Gothic" panose="020B0400000000000000" pitchFamily="34" charset="-128"/>
+                <a:ea typeface="Yu Gothic" panose="020B0400000000000000" pitchFamily="34" charset="-128"/>
+              </a:rPr>
+              <a:t>ex.</a:t>
+            </a:r>
+            <a:endParaRPr kumimoji="1" lang="ja-JP" altLang="en-US" dirty="0">
+              <a:latin typeface="Yu Gothic" panose="020B0400000000000000" pitchFamily="34" charset="-128"/>
+              <a:ea typeface="Yu Gothic" panose="020B0400000000000000" pitchFamily="34" charset="-128"/>
+            </a:endParaRPr>
           </a:p>
         </p:txBody>
       </p:sp>
@@ -4527,7 +4649,10 @@
           <a:lstStyle/>
           <a:p>
             <a:pPr algn="ctr"/>
-            <a:endParaRPr kumimoji="1" lang="ja-JP" altLang="en-US"/>
+            <a:endParaRPr kumimoji="1" lang="ja-JP" altLang="en-US">
+              <a:latin typeface="Yu Gothic" panose="020B0400000000000000" pitchFamily="34" charset="-128"/>
+              <a:ea typeface="Yu Gothic" panose="020B0400000000000000" pitchFamily="34" charset="-128"/>
+            </a:endParaRPr>
           </a:p>
         </p:txBody>
       </p:sp>
@@ -4540,7 +4665,7 @@
         <p:spPr>
           <a:xfrm>
             <a:off x="3902697" y="6078170"/>
-            <a:ext cx="5719386" cy="369332"/>
+            <a:ext cx="6223178" cy="369332"/>
           </a:xfrm>
           <a:prstGeom prst="rect">
             <a:avLst/>
@@ -4554,26 +4679,40 @@
           <a:lstStyle/>
           <a:p>
             <a:r>
-              <a:rPr lang="en-US" altLang="ja-JP" dirty="0" err="1"/>
+              <a:rPr lang="en-US" altLang="ja-JP" dirty="0" err="1">
+                <a:latin typeface="Yu Gothic" panose="020B0400000000000000" pitchFamily="34" charset="-128"/>
+                <a:ea typeface="Yu Gothic" panose="020B0400000000000000" pitchFamily="34" charset="-128"/>
+              </a:rPr>
               <a:t>f</a:t>
             </a:r>
             <a:r>
-              <a:rPr kumimoji="1" lang="en-US" altLang="ja-JP" smtClean="0"/>
+              <a:rPr kumimoji="1" lang="en-US" altLang="ja-JP">
+                <a:latin typeface="Yu Gothic" panose="020B0400000000000000" pitchFamily="34" charset="-128"/>
+                <a:ea typeface="Yu Gothic" panose="020B0400000000000000" pitchFamily="34" charset="-128"/>
+              </a:rPr>
               <a:t>asttext</a:t>
             </a:r>
             <a:r>
-              <a:rPr kumimoji="1" lang="ja-JP" altLang="en-US" dirty="0" smtClean="0"/>
+              <a:rPr kumimoji="1" lang="ja-JP" altLang="en-US" dirty="0">
+                <a:latin typeface="Yu Gothic" panose="020B0400000000000000" pitchFamily="34" charset="-128"/>
+                <a:ea typeface="Yu Gothic" panose="020B0400000000000000" pitchFamily="34" charset="-128"/>
+              </a:rPr>
               <a:t>を用いて学習した結果</a:t>
             </a:r>
             <a:r>
-              <a:rPr kumimoji="1" lang="en-US" altLang="ja-JP" dirty="0" smtClean="0"/>
+              <a:rPr kumimoji="1" lang="en-US" altLang="ja-JP" dirty="0">
+                <a:latin typeface="Yu Gothic" panose="020B0400000000000000" pitchFamily="34" charset="-128"/>
+                <a:ea typeface="Yu Gothic" panose="020B0400000000000000" pitchFamily="34" charset="-128"/>
+              </a:rPr>
               <a:t>fasttext_1.model</a:t>
             </a:r>
             <a:r>
-              <a:rPr kumimoji="1" lang="ja-JP" altLang="en-US" dirty="0" smtClean="0"/>
+              <a:rPr kumimoji="1" lang="ja-JP" altLang="en-US" dirty="0">
+                <a:latin typeface="Yu Gothic" panose="020B0400000000000000" pitchFamily="34" charset="-128"/>
+                <a:ea typeface="Yu Gothic" panose="020B0400000000000000" pitchFamily="34" charset="-128"/>
+              </a:rPr>
               <a:t>を保存する</a:t>
             </a:r>
-            <a:endParaRPr kumimoji="1" lang="ja-JP" altLang="en-US" dirty="0"/>
           </a:p>
         </p:txBody>
       </p:sp>
@@ -4581,6 +4720,611 @@
     <p:extLst>
       <p:ext uri="{BB962C8B-B14F-4D97-AF65-F5344CB8AC3E}">
         <p14:creationId xmlns:p14="http://schemas.microsoft.com/office/powerpoint/2010/main" val="774897615"/>
+      </p:ext>
+    </p:extLst>
+  </p:cSld>
+  <p:clrMapOvr>
+    <a:masterClrMapping/>
+  </p:clrMapOvr>
+</p:sld>
+</file>
+
+<file path=ppt/slides/slide6.xml><?xml version="1.0" encoding="utf-8"?>
+<p:sld xmlns:a="http://schemas.openxmlformats.org/drawingml/2006/main" xmlns:r="http://schemas.openxmlformats.org/officeDocument/2006/relationships" xmlns:p="http://schemas.openxmlformats.org/presentationml/2006/main">
+  <p:cSld>
+    <p:spTree>
+      <p:nvGrpSpPr>
+        <p:cNvPr id="1" name=""/>
+        <p:cNvGrpSpPr/>
+        <p:nvPr/>
+      </p:nvGrpSpPr>
+      <p:grpSpPr>
+        <a:xfrm>
+          <a:off x="0" y="0"/>
+          <a:ext cx="0" cy="0"/>
+          <a:chOff x="0" y="0"/>
+          <a:chExt cx="0" cy="0"/>
+        </a:xfrm>
+      </p:grpSpPr>
+      <p:sp>
+        <p:nvSpPr>
+          <p:cNvPr id="2" name="テキスト ボックス 1"/>
+          <p:cNvSpPr txBox="1"/>
+          <p:nvPr/>
+        </p:nvSpPr>
+        <p:spPr>
+          <a:xfrm>
+            <a:off x="585627" y="575353"/>
+            <a:ext cx="5926622" cy="707886"/>
+          </a:xfrm>
+          <a:prstGeom prst="rect">
+            <a:avLst/>
+          </a:prstGeom>
+          <a:noFill/>
+        </p:spPr>
+        <p:txBody>
+          <a:bodyPr wrap="none" rtlCol="0">
+            <a:spAutoFit/>
+          </a:bodyPr>
+          <a:lstStyle/>
+          <a:p>
+            <a:r>
+              <a:rPr lang="en-US" altLang="ja-JP" sz="4000" dirty="0">
+                <a:latin typeface="Yu Gothic" panose="020B0400000000000000" pitchFamily="34" charset="-128"/>
+                <a:ea typeface="Yu Gothic" panose="020B0400000000000000" pitchFamily="34" charset="-128"/>
+                <a:cs typeface="Meiryo" charset="-128"/>
+              </a:rPr>
+              <a:t>4. </a:t>
+            </a:r>
+            <a:r>
+              <a:rPr lang="ja-JP" altLang="en-US" sz="4000">
+                <a:latin typeface="Yu Gothic" panose="020B0400000000000000" pitchFamily="34" charset="-128"/>
+                <a:ea typeface="Yu Gothic" panose="020B0400000000000000" pitchFamily="34" charset="-128"/>
+                <a:cs typeface="Meiryo" charset="-128"/>
+              </a:rPr>
+              <a:t>実行</a:t>
+            </a:r>
+            <a:r>
+              <a:rPr lang="en-US" altLang="ja-JP" sz="4000" dirty="0">
+                <a:latin typeface="Yu Gothic" panose="020B0400000000000000" pitchFamily="34" charset="-128"/>
+                <a:ea typeface="Yu Gothic" panose="020B0400000000000000" pitchFamily="34" charset="-128"/>
+                <a:cs typeface="Meiryo" charset="-128"/>
+              </a:rPr>
+              <a:t>(</a:t>
+            </a:r>
+            <a:r>
+              <a:rPr lang="ja-JP" altLang="en-US" sz="4000">
+                <a:latin typeface="Yu Gothic" panose="020B0400000000000000" pitchFamily="34" charset="-128"/>
+                <a:ea typeface="Yu Gothic" panose="020B0400000000000000" pitchFamily="34" charset="-128"/>
+                <a:cs typeface="Meiryo" charset="-128"/>
+              </a:rPr>
+              <a:t>ベクトルの保存</a:t>
+            </a:r>
+            <a:r>
+              <a:rPr lang="en-US" altLang="ja-JP" sz="4000" dirty="0">
+                <a:latin typeface="Yu Gothic" panose="020B0400000000000000" pitchFamily="34" charset="-128"/>
+                <a:ea typeface="Yu Gothic" panose="020B0400000000000000" pitchFamily="34" charset="-128"/>
+                <a:cs typeface="Meiryo" charset="-128"/>
+              </a:rPr>
+              <a:t>)</a:t>
+            </a:r>
+            <a:endParaRPr lang="ja-JP" altLang="en-US" sz="4000" dirty="0">
+              <a:latin typeface="Yu Gothic" panose="020B0400000000000000" pitchFamily="34" charset="-128"/>
+              <a:ea typeface="Yu Gothic" panose="020B0400000000000000" pitchFamily="34" charset="-128"/>
+              <a:cs typeface="Meiryo" charset="-128"/>
+            </a:endParaRPr>
+          </a:p>
+        </p:txBody>
+      </p:sp>
+      <p:sp>
+        <p:nvSpPr>
+          <p:cNvPr id="4" name="テキスト ボックス 3"/>
+          <p:cNvSpPr txBox="1"/>
+          <p:nvPr/>
+        </p:nvSpPr>
+        <p:spPr>
+          <a:xfrm>
+            <a:off x="1068513" y="1541124"/>
+            <a:ext cx="6447599" cy="461665"/>
+          </a:xfrm>
+          <a:prstGeom prst="rect">
+            <a:avLst/>
+          </a:prstGeom>
+          <a:noFill/>
+        </p:spPr>
+        <p:txBody>
+          <a:bodyPr wrap="none" rtlCol="0">
+            <a:spAutoFit/>
+          </a:bodyPr>
+          <a:lstStyle/>
+          <a:p>
+            <a:r>
+              <a:rPr kumimoji="1" lang="en-US" altLang="ja-JP" sz="2400" dirty="0" err="1">
+                <a:latin typeface="Yu Gothic" panose="020B0400000000000000" pitchFamily="34" charset="-128"/>
+                <a:ea typeface="Yu Gothic" panose="020B0400000000000000" pitchFamily="34" charset="-128"/>
+                <a:cs typeface="Meiryo" charset="-128"/>
+              </a:rPr>
+              <a:t>NLP_test</a:t>
+            </a:r>
+            <a:r>
+              <a:rPr kumimoji="1" lang="ja-JP" altLang="en-US" sz="2400" dirty="0">
+                <a:latin typeface="Yu Gothic" panose="020B0400000000000000" pitchFamily="34" charset="-128"/>
+                <a:ea typeface="Yu Gothic" panose="020B0400000000000000" pitchFamily="34" charset="-128"/>
+                <a:cs typeface="Meiryo" charset="-128"/>
+              </a:rPr>
+              <a:t>フォルダにてプログラムを実行する</a:t>
+            </a:r>
+            <a:endParaRPr lang="ja-JP" altLang="en-US" sz="2400" dirty="0">
+              <a:latin typeface="Yu Gothic" panose="020B0400000000000000" pitchFamily="34" charset="-128"/>
+              <a:ea typeface="Yu Gothic" panose="020B0400000000000000" pitchFamily="34" charset="-128"/>
+              <a:cs typeface="Meiryo" charset="-128"/>
+            </a:endParaRPr>
+          </a:p>
+        </p:txBody>
+      </p:sp>
+      <p:sp>
+        <p:nvSpPr>
+          <p:cNvPr id="9" name="テキスト ボックス 8"/>
+          <p:cNvSpPr txBox="1"/>
+          <p:nvPr/>
+        </p:nvSpPr>
+        <p:spPr>
+          <a:xfrm>
+            <a:off x="1068513" y="2130357"/>
+            <a:ext cx="3877985" cy="461665"/>
+          </a:xfrm>
+          <a:prstGeom prst="rect">
+            <a:avLst/>
+          </a:prstGeom>
+          <a:noFill/>
+        </p:spPr>
+        <p:txBody>
+          <a:bodyPr wrap="none" rtlCol="0">
+            <a:spAutoFit/>
+          </a:bodyPr>
+          <a:lstStyle/>
+          <a:p>
+            <a:r>
+              <a:rPr kumimoji="1" lang="ja-JP" altLang="en-US" sz="2400" dirty="0">
+                <a:latin typeface="Yu Gothic" panose="020B0400000000000000" pitchFamily="34" charset="-128"/>
+                <a:ea typeface="Yu Gothic" panose="020B0400000000000000" pitchFamily="34" charset="-128"/>
+                <a:cs typeface="Meiryo" charset="-128"/>
+              </a:rPr>
+              <a:t>以下のコマンドを実行する</a:t>
+            </a:r>
+          </a:p>
+        </p:txBody>
+      </p:sp>
+      <p:sp>
+        <p:nvSpPr>
+          <p:cNvPr id="10" name="テキスト ボックス 9"/>
+          <p:cNvSpPr txBox="1"/>
+          <p:nvPr/>
+        </p:nvSpPr>
+        <p:spPr>
+          <a:xfrm>
+            <a:off x="1068513" y="3044858"/>
+            <a:ext cx="5003293" cy="369332"/>
+          </a:xfrm>
+          <a:prstGeom prst="rect">
+            <a:avLst/>
+          </a:prstGeom>
+          <a:noFill/>
+        </p:spPr>
+        <p:txBody>
+          <a:bodyPr wrap="none" rtlCol="0">
+            <a:spAutoFit/>
+          </a:bodyPr>
+          <a:lstStyle/>
+          <a:p>
+            <a:r>
+              <a:rPr lang="en-US" altLang="ja-JP" dirty="0">
+                <a:latin typeface="Yu Gothic" panose="020B0400000000000000" pitchFamily="34" charset="-128"/>
+                <a:ea typeface="Yu Gothic" panose="020B0400000000000000" pitchFamily="34" charset="-128"/>
+              </a:rPr>
+              <a:t>python </a:t>
+            </a:r>
+            <a:r>
+              <a:rPr lang="en-US" altLang="ja-JP" dirty="0" err="1">
+                <a:latin typeface="Yu Gothic" panose="020B0400000000000000" pitchFamily="34" charset="-128"/>
+                <a:ea typeface="Yu Gothic" panose="020B0400000000000000" pitchFamily="34" charset="-128"/>
+              </a:rPr>
+              <a:t>src</a:t>
+            </a:r>
+            <a:r>
+              <a:rPr lang="en-US" altLang="ja-JP" dirty="0">
+                <a:latin typeface="Yu Gothic" panose="020B0400000000000000" pitchFamily="34" charset="-128"/>
+                <a:ea typeface="Yu Gothic" panose="020B0400000000000000" pitchFamily="34" charset="-128"/>
+              </a:rPr>
+              <a:t>/</a:t>
+            </a:r>
+            <a:r>
+              <a:rPr lang="en-US" altLang="ja-JP" dirty="0" err="1">
+                <a:latin typeface="Yu Gothic" panose="020B0400000000000000" pitchFamily="34" charset="-128"/>
+                <a:ea typeface="Yu Gothic" panose="020B0400000000000000" pitchFamily="34" charset="-128"/>
+              </a:rPr>
+              <a:t>nlp_with_gensim.py</a:t>
+            </a:r>
+            <a:r>
+              <a:rPr lang="en-US" altLang="ja-JP" dirty="0">
+                <a:latin typeface="Yu Gothic" panose="020B0400000000000000" pitchFamily="34" charset="-128"/>
+                <a:ea typeface="Yu Gothic" panose="020B0400000000000000" pitchFamily="34" charset="-128"/>
+              </a:rPr>
+              <a:t> test XXX YYY</a:t>
+            </a:r>
+            <a:endParaRPr kumimoji="1" lang="ja-JP" altLang="en-US" dirty="0">
+              <a:latin typeface="Yu Gothic" panose="020B0400000000000000" pitchFamily="34" charset="-128"/>
+              <a:ea typeface="Yu Gothic" panose="020B0400000000000000" pitchFamily="34" charset="-128"/>
+            </a:endParaRPr>
+          </a:p>
+        </p:txBody>
+      </p:sp>
+      <p:sp>
+        <p:nvSpPr>
+          <p:cNvPr id="5" name="テキスト ボックス 4"/>
+          <p:cNvSpPr txBox="1"/>
+          <p:nvPr/>
+        </p:nvSpPr>
+        <p:spPr>
+          <a:xfrm>
+            <a:off x="1068513" y="3867026"/>
+            <a:ext cx="7237879" cy="369332"/>
+          </a:xfrm>
+          <a:prstGeom prst="rect">
+            <a:avLst/>
+          </a:prstGeom>
+          <a:noFill/>
+        </p:spPr>
+        <p:txBody>
+          <a:bodyPr wrap="none" rtlCol="0">
+            <a:spAutoFit/>
+          </a:bodyPr>
+          <a:lstStyle/>
+          <a:p>
+            <a:r>
+              <a:rPr kumimoji="1" lang="en-US" altLang="ja-JP" dirty="0">
+                <a:latin typeface="Yu Gothic" panose="020B0400000000000000" pitchFamily="34" charset="-128"/>
+                <a:ea typeface="Yu Gothic" panose="020B0400000000000000" pitchFamily="34" charset="-128"/>
+              </a:rPr>
+              <a:t>XXX: </a:t>
+            </a:r>
+            <a:r>
+              <a:rPr kumimoji="1" lang="ja-JP" altLang="en-US" dirty="0">
+                <a:latin typeface="Yu Gothic" panose="020B0400000000000000" pitchFamily="34" charset="-128"/>
+                <a:ea typeface="Yu Gothic" panose="020B0400000000000000" pitchFamily="34" charset="-128"/>
+              </a:rPr>
+              <a:t>各種アルゴリズム</a:t>
+            </a:r>
+            <a:r>
+              <a:rPr kumimoji="1" lang="en-US" altLang="ja-JP" dirty="0">
+                <a:latin typeface="Yu Gothic" panose="020B0400000000000000" pitchFamily="34" charset="-128"/>
+                <a:ea typeface="Yu Gothic" panose="020B0400000000000000" pitchFamily="34" charset="-128"/>
+              </a:rPr>
+              <a:t>(word2vec, doc2vec, </a:t>
+            </a:r>
+            <a:r>
+              <a:rPr kumimoji="1" lang="en-US" altLang="ja-JP" dirty="0" err="1">
+                <a:latin typeface="Yu Gothic" panose="020B0400000000000000" pitchFamily="34" charset="-128"/>
+                <a:ea typeface="Yu Gothic" panose="020B0400000000000000" pitchFamily="34" charset="-128"/>
+              </a:rPr>
+              <a:t>fasttext</a:t>
+            </a:r>
+            <a:r>
+              <a:rPr kumimoji="1" lang="en-US" altLang="ja-JP" dirty="0">
+                <a:latin typeface="Yu Gothic" panose="020B0400000000000000" pitchFamily="34" charset="-128"/>
+                <a:ea typeface="Yu Gothic" panose="020B0400000000000000" pitchFamily="34" charset="-128"/>
+              </a:rPr>
+              <a:t>, bow, </a:t>
+            </a:r>
+            <a:r>
+              <a:rPr kumimoji="1" lang="en-US" altLang="ja-JP" dirty="0" err="1">
+                <a:latin typeface="Yu Gothic" panose="020B0400000000000000" pitchFamily="34" charset="-128"/>
+                <a:ea typeface="Yu Gothic" panose="020B0400000000000000" pitchFamily="34" charset="-128"/>
+              </a:rPr>
+              <a:t>tfidf</a:t>
+            </a:r>
+            <a:r>
+              <a:rPr kumimoji="1" lang="en-US" altLang="ja-JP" dirty="0">
+                <a:latin typeface="Yu Gothic" panose="020B0400000000000000" pitchFamily="34" charset="-128"/>
+                <a:ea typeface="Yu Gothic" panose="020B0400000000000000" pitchFamily="34" charset="-128"/>
+              </a:rPr>
+              <a:t>, all)</a:t>
+            </a:r>
+            <a:endParaRPr kumimoji="1" lang="ja-JP" altLang="en-US" dirty="0">
+              <a:latin typeface="Yu Gothic" panose="020B0400000000000000" pitchFamily="34" charset="-128"/>
+              <a:ea typeface="Yu Gothic" panose="020B0400000000000000" pitchFamily="34" charset="-128"/>
+            </a:endParaRPr>
+          </a:p>
+        </p:txBody>
+      </p:sp>
+      <p:sp>
+        <p:nvSpPr>
+          <p:cNvPr id="11" name="テキスト ボックス 10"/>
+          <p:cNvSpPr txBox="1"/>
+          <p:nvPr/>
+        </p:nvSpPr>
+        <p:spPr>
+          <a:xfrm>
+            <a:off x="1068513" y="4500774"/>
+            <a:ext cx="3533340" cy="369332"/>
+          </a:xfrm>
+          <a:prstGeom prst="rect">
+            <a:avLst/>
+          </a:prstGeom>
+          <a:noFill/>
+        </p:spPr>
+        <p:txBody>
+          <a:bodyPr wrap="none" rtlCol="0">
+            <a:spAutoFit/>
+          </a:bodyPr>
+          <a:lstStyle/>
+          <a:p>
+            <a:r>
+              <a:rPr kumimoji="1" lang="en-US" altLang="ja-JP" dirty="0">
+                <a:latin typeface="Yu Gothic" panose="020B0400000000000000" pitchFamily="34" charset="-128"/>
+                <a:ea typeface="Yu Gothic" panose="020B0400000000000000" pitchFamily="34" charset="-128"/>
+              </a:rPr>
+              <a:t>YYY: </a:t>
+            </a:r>
+            <a:r>
+              <a:rPr kumimoji="1" lang="ja-JP" altLang="en-US">
+                <a:latin typeface="Yu Gothic" panose="020B0400000000000000" pitchFamily="34" charset="-128"/>
+                <a:ea typeface="Yu Gothic" panose="020B0400000000000000" pitchFamily="34" charset="-128"/>
+              </a:rPr>
+              <a:t>ベクトルの</a:t>
+            </a:r>
+            <a:r>
+              <a:rPr kumimoji="1" lang="ja-JP" altLang="en-US" dirty="0">
+                <a:latin typeface="Yu Gothic" panose="020B0400000000000000" pitchFamily="34" charset="-128"/>
+                <a:ea typeface="Yu Gothic" panose="020B0400000000000000" pitchFamily="34" charset="-128"/>
+              </a:rPr>
+              <a:t>保存ファイル名</a:t>
+            </a:r>
+          </a:p>
+        </p:txBody>
+      </p:sp>
+      <p:sp>
+        <p:nvSpPr>
+          <p:cNvPr id="12" name="テキスト ボックス 11"/>
+          <p:cNvSpPr txBox="1"/>
+          <p:nvPr/>
+        </p:nvSpPr>
+        <p:spPr>
+          <a:xfrm>
+            <a:off x="1295369" y="5381805"/>
+            <a:ext cx="5048177" cy="369332"/>
+          </a:xfrm>
+          <a:prstGeom prst="rect">
+            <a:avLst/>
+          </a:prstGeom>
+          <a:noFill/>
+        </p:spPr>
+        <p:txBody>
+          <a:bodyPr wrap="none" rtlCol="0">
+            <a:spAutoFit/>
+          </a:bodyPr>
+          <a:lstStyle/>
+          <a:p>
+            <a:r>
+              <a:rPr lang="en-US" altLang="ja-JP" dirty="0">
+                <a:latin typeface="Yu Gothic" panose="020B0400000000000000" pitchFamily="34" charset="-128"/>
+                <a:ea typeface="Yu Gothic" panose="020B0400000000000000" pitchFamily="34" charset="-128"/>
+              </a:rPr>
+              <a:t>python </a:t>
+            </a:r>
+            <a:r>
+              <a:rPr lang="en-US" altLang="ja-JP" dirty="0" err="1">
+                <a:latin typeface="Yu Gothic" panose="020B0400000000000000" pitchFamily="34" charset="-128"/>
+                <a:ea typeface="Yu Gothic" panose="020B0400000000000000" pitchFamily="34" charset="-128"/>
+              </a:rPr>
+              <a:t>src</a:t>
+            </a:r>
+            <a:r>
+              <a:rPr lang="en-US" altLang="ja-JP" dirty="0">
+                <a:latin typeface="Yu Gothic" panose="020B0400000000000000" pitchFamily="34" charset="-128"/>
+                <a:ea typeface="Yu Gothic" panose="020B0400000000000000" pitchFamily="34" charset="-128"/>
+              </a:rPr>
+              <a:t>/</a:t>
+            </a:r>
+            <a:r>
+              <a:rPr lang="en-US" altLang="ja-JP" dirty="0" err="1">
+                <a:latin typeface="Yu Gothic" panose="020B0400000000000000" pitchFamily="34" charset="-128"/>
+                <a:ea typeface="Yu Gothic" panose="020B0400000000000000" pitchFamily="34" charset="-128"/>
+              </a:rPr>
+              <a:t>nlp_with_gensim.py</a:t>
+            </a:r>
+            <a:r>
+              <a:rPr lang="en-US" altLang="ja-JP" dirty="0">
+                <a:latin typeface="Yu Gothic" panose="020B0400000000000000" pitchFamily="34" charset="-128"/>
+                <a:ea typeface="Yu Gothic" panose="020B0400000000000000" pitchFamily="34" charset="-128"/>
+              </a:rPr>
+              <a:t> test </a:t>
+            </a:r>
+            <a:r>
+              <a:rPr lang="en-US" altLang="ja-JP" dirty="0" err="1">
+                <a:latin typeface="Yu Gothic" panose="020B0400000000000000" pitchFamily="34" charset="-128"/>
+                <a:ea typeface="Yu Gothic" panose="020B0400000000000000" pitchFamily="34" charset="-128"/>
+              </a:rPr>
+              <a:t>fasttext</a:t>
+            </a:r>
+            <a:r>
+              <a:rPr lang="en-US" altLang="ja-JP" dirty="0">
+                <a:latin typeface="Yu Gothic" panose="020B0400000000000000" pitchFamily="34" charset="-128"/>
+                <a:ea typeface="Yu Gothic" panose="020B0400000000000000" pitchFamily="34" charset="-128"/>
+              </a:rPr>
+              <a:t> 1</a:t>
+            </a:r>
+            <a:endParaRPr kumimoji="1" lang="ja-JP" altLang="en-US" dirty="0">
+              <a:latin typeface="Yu Gothic" panose="020B0400000000000000" pitchFamily="34" charset="-128"/>
+              <a:ea typeface="Yu Gothic" panose="020B0400000000000000" pitchFamily="34" charset="-128"/>
+            </a:endParaRPr>
+          </a:p>
+        </p:txBody>
+      </p:sp>
+      <p:sp>
+        <p:nvSpPr>
+          <p:cNvPr id="6" name="テキスト ボックス 5"/>
+          <p:cNvSpPr txBox="1"/>
+          <p:nvPr/>
+        </p:nvSpPr>
+        <p:spPr>
+          <a:xfrm>
+            <a:off x="1068512" y="4977238"/>
+            <a:ext cx="484428" cy="369332"/>
+          </a:xfrm>
+          <a:prstGeom prst="rect">
+            <a:avLst/>
+          </a:prstGeom>
+          <a:noFill/>
+        </p:spPr>
+        <p:txBody>
+          <a:bodyPr wrap="none" rtlCol="0">
+            <a:spAutoFit/>
+          </a:bodyPr>
+          <a:lstStyle/>
+          <a:p>
+            <a:r>
+              <a:rPr lang="en-US" altLang="ja-JP" dirty="0">
+                <a:latin typeface="Yu Gothic" panose="020B0400000000000000" pitchFamily="34" charset="-128"/>
+                <a:ea typeface="Yu Gothic" panose="020B0400000000000000" pitchFamily="34" charset="-128"/>
+              </a:rPr>
+              <a:t>e</a:t>
+            </a:r>
+            <a:r>
+              <a:rPr kumimoji="1" lang="en-US" altLang="ja-JP" dirty="0">
+                <a:latin typeface="Yu Gothic" panose="020B0400000000000000" pitchFamily="34" charset="-128"/>
+                <a:ea typeface="Yu Gothic" panose="020B0400000000000000" pitchFamily="34" charset="-128"/>
+              </a:rPr>
+              <a:t>x.</a:t>
+            </a:r>
+            <a:endParaRPr kumimoji="1" lang="ja-JP" altLang="en-US" dirty="0">
+              <a:latin typeface="Yu Gothic" panose="020B0400000000000000" pitchFamily="34" charset="-128"/>
+              <a:ea typeface="Yu Gothic" panose="020B0400000000000000" pitchFamily="34" charset="-128"/>
+            </a:endParaRPr>
+          </a:p>
+        </p:txBody>
+      </p:sp>
+      <p:sp>
+        <p:nvSpPr>
+          <p:cNvPr id="8" name="右矢印 7"/>
+          <p:cNvSpPr/>
+          <p:nvPr/>
+        </p:nvSpPr>
+        <p:spPr>
+          <a:xfrm>
+            <a:off x="2436701" y="6024809"/>
+            <a:ext cx="829559" cy="476054"/>
+          </a:xfrm>
+          <a:prstGeom prst="rightArrow">
+            <a:avLst/>
+          </a:prstGeom>
+        </p:spPr>
+        <p:style>
+          <a:lnRef idx="2">
+            <a:schemeClr val="accent1">
+              <a:shade val="50000"/>
+            </a:schemeClr>
+          </a:lnRef>
+          <a:fillRef idx="1">
+            <a:schemeClr val="accent1"/>
+          </a:fillRef>
+          <a:effectRef idx="0">
+            <a:schemeClr val="accent1"/>
+          </a:effectRef>
+          <a:fontRef idx="minor">
+            <a:schemeClr val="lt1"/>
+          </a:fontRef>
+        </p:style>
+        <p:txBody>
+          <a:bodyPr rtlCol="0" anchor="ctr"/>
+          <a:lstStyle/>
+          <a:p>
+            <a:pPr algn="ctr"/>
+            <a:endParaRPr kumimoji="1" lang="ja-JP" altLang="en-US">
+              <a:latin typeface="Yu Gothic" panose="020B0400000000000000" pitchFamily="34" charset="-128"/>
+              <a:ea typeface="Yu Gothic" panose="020B0400000000000000" pitchFamily="34" charset="-128"/>
+            </a:endParaRPr>
+          </a:p>
+        </p:txBody>
+      </p:sp>
+      <p:sp>
+        <p:nvSpPr>
+          <p:cNvPr id="13" name="テキスト ボックス 12"/>
+          <p:cNvSpPr txBox="1"/>
+          <p:nvPr/>
+        </p:nvSpPr>
+        <p:spPr>
+          <a:xfrm>
+            <a:off x="3902697" y="6078170"/>
+            <a:ext cx="5920210" cy="369332"/>
+          </a:xfrm>
+          <a:prstGeom prst="rect">
+            <a:avLst/>
+          </a:prstGeom>
+          <a:noFill/>
+        </p:spPr>
+        <p:txBody>
+          <a:bodyPr wrap="none" rtlCol="0">
+            <a:spAutoFit/>
+          </a:bodyPr>
+          <a:lstStyle/>
+          <a:p>
+            <a:r>
+              <a:rPr lang="en-US" altLang="ja-JP" dirty="0" err="1">
+                <a:latin typeface="Yu Gothic" panose="020B0400000000000000" pitchFamily="34" charset="-128"/>
+                <a:ea typeface="Yu Gothic" panose="020B0400000000000000" pitchFamily="34" charset="-128"/>
+              </a:rPr>
+              <a:t>f</a:t>
+            </a:r>
+            <a:r>
+              <a:rPr kumimoji="1" lang="en-US" altLang="ja-JP" dirty="0" err="1">
+                <a:latin typeface="Yu Gothic" panose="020B0400000000000000" pitchFamily="34" charset="-128"/>
+                <a:ea typeface="Yu Gothic" panose="020B0400000000000000" pitchFamily="34" charset="-128"/>
+              </a:rPr>
+              <a:t>asttext</a:t>
+            </a:r>
+            <a:r>
+              <a:rPr kumimoji="1" lang="ja-JP" altLang="en-US" dirty="0">
+                <a:latin typeface="Yu Gothic" panose="020B0400000000000000" pitchFamily="34" charset="-128"/>
+                <a:ea typeface="Yu Gothic" panose="020B0400000000000000" pitchFamily="34" charset="-128"/>
+              </a:rPr>
+              <a:t>を用いて学習した結果</a:t>
+            </a:r>
+            <a:r>
+              <a:rPr kumimoji="1" lang="en-US" altLang="ja-JP" dirty="0">
+                <a:latin typeface="Yu Gothic" panose="020B0400000000000000" pitchFamily="34" charset="-128"/>
+                <a:ea typeface="Yu Gothic" panose="020B0400000000000000" pitchFamily="34" charset="-128"/>
+              </a:rPr>
+              <a:t>fasttext_1</a:t>
+            </a:r>
+            <a:r>
+              <a:rPr lang="en-US" altLang="ja-JP" dirty="0">
+                <a:latin typeface="Yu Gothic" panose="020B0400000000000000" pitchFamily="34" charset="-128"/>
+                <a:ea typeface="Yu Gothic" panose="020B0400000000000000" pitchFamily="34" charset="-128"/>
+              </a:rPr>
+              <a:t>.csv</a:t>
+            </a:r>
+            <a:r>
+              <a:rPr kumimoji="1" lang="ja-JP" altLang="en-US">
+                <a:latin typeface="Yu Gothic" panose="020B0400000000000000" pitchFamily="34" charset="-128"/>
+                <a:ea typeface="Yu Gothic" panose="020B0400000000000000" pitchFamily="34" charset="-128"/>
+              </a:rPr>
+              <a:t>を</a:t>
+            </a:r>
+            <a:r>
+              <a:rPr kumimoji="1" lang="ja-JP" altLang="en-US" dirty="0">
+                <a:latin typeface="Yu Gothic" panose="020B0400000000000000" pitchFamily="34" charset="-128"/>
+                <a:ea typeface="Yu Gothic" panose="020B0400000000000000" pitchFamily="34" charset="-128"/>
+              </a:rPr>
+              <a:t>保存する</a:t>
+            </a:r>
+          </a:p>
+        </p:txBody>
+      </p:sp>
+    </p:spTree>
+    <p:extLst>
+      <p:ext uri="{BB962C8B-B14F-4D97-AF65-F5344CB8AC3E}">
+        <p14:creationId xmlns:p14="http://schemas.microsoft.com/office/powerpoint/2010/main" val="3465680204"/>
       </p:ext>
     </p:extLst>
   </p:cSld>

--- a/doc/Readme.pptx
+++ b/doc/Readme.pptx
@@ -9,8 +9,9 @@
     <p:sldId id="258" r:id="rId3"/>
     <p:sldId id="260" r:id="rId4"/>
     <p:sldId id="261" r:id="rId5"/>
-    <p:sldId id="262" r:id="rId6"/>
-    <p:sldId id="264" r:id="rId7"/>
+    <p:sldId id="265" r:id="rId6"/>
+    <p:sldId id="262" r:id="rId7"/>
+    <p:sldId id="264" r:id="rId8"/>
   </p:sldIdLst>
   <p:sldSz cx="12192000" cy="6858000"/>
   <p:notesSz cx="6858000" cy="9144000"/>
@@ -246,7 +247,7 @@
           <a:p>
             <a:fld id="{22383F7F-EE3A-9046-95E4-A78CB2DE9636}" type="datetimeFigureOut">
               <a:rPr kumimoji="1" lang="ja-JP" altLang="en-US" smtClean="0"/>
-              <a:t>2018/5/22</a:t>
+              <a:t>2018/5/23</a:t>
             </a:fld>
             <a:endParaRPr kumimoji="1" lang="ja-JP" altLang="en-US"/>
           </a:p>
@@ -446,7 +447,7 @@
           <a:p>
             <a:fld id="{22383F7F-EE3A-9046-95E4-A78CB2DE9636}" type="datetimeFigureOut">
               <a:rPr kumimoji="1" lang="ja-JP" altLang="en-US" smtClean="0"/>
-              <a:t>2018/5/22</a:t>
+              <a:t>2018/5/23</a:t>
             </a:fld>
             <a:endParaRPr kumimoji="1" lang="ja-JP" altLang="en-US"/>
           </a:p>
@@ -656,7 +657,7 @@
           <a:p>
             <a:fld id="{22383F7F-EE3A-9046-95E4-A78CB2DE9636}" type="datetimeFigureOut">
               <a:rPr kumimoji="1" lang="ja-JP" altLang="en-US" smtClean="0"/>
-              <a:t>2018/5/22</a:t>
+              <a:t>2018/5/23</a:t>
             </a:fld>
             <a:endParaRPr kumimoji="1" lang="ja-JP" altLang="en-US"/>
           </a:p>
@@ -856,7 +857,7 @@
           <a:p>
             <a:fld id="{22383F7F-EE3A-9046-95E4-A78CB2DE9636}" type="datetimeFigureOut">
               <a:rPr kumimoji="1" lang="ja-JP" altLang="en-US" smtClean="0"/>
-              <a:t>2018/5/22</a:t>
+              <a:t>2018/5/23</a:t>
             </a:fld>
             <a:endParaRPr kumimoji="1" lang="ja-JP" altLang="en-US"/>
           </a:p>
@@ -1101,7 +1102,7 @@
           <a:p>
             <a:fld id="{22383F7F-EE3A-9046-95E4-A78CB2DE9636}" type="datetimeFigureOut">
               <a:rPr kumimoji="1" lang="ja-JP" altLang="en-US" smtClean="0"/>
-              <a:t>2018/5/22</a:t>
+              <a:t>2018/5/23</a:t>
             </a:fld>
             <a:endParaRPr kumimoji="1" lang="ja-JP" altLang="en-US"/>
           </a:p>
@@ -1394,7 +1395,7 @@
           <a:p>
             <a:fld id="{22383F7F-EE3A-9046-95E4-A78CB2DE9636}" type="datetimeFigureOut">
               <a:rPr kumimoji="1" lang="ja-JP" altLang="en-US" smtClean="0"/>
-              <a:t>2018/5/22</a:t>
+              <a:t>2018/5/23</a:t>
             </a:fld>
             <a:endParaRPr kumimoji="1" lang="ja-JP" altLang="en-US"/>
           </a:p>
@@ -1822,7 +1823,7 @@
           <a:p>
             <a:fld id="{22383F7F-EE3A-9046-95E4-A78CB2DE9636}" type="datetimeFigureOut">
               <a:rPr kumimoji="1" lang="ja-JP" altLang="en-US" smtClean="0"/>
-              <a:t>2018/5/22</a:t>
+              <a:t>2018/5/23</a:t>
             </a:fld>
             <a:endParaRPr kumimoji="1" lang="ja-JP" altLang="en-US"/>
           </a:p>
@@ -1939,7 +1940,7 @@
           <a:p>
             <a:fld id="{22383F7F-EE3A-9046-95E4-A78CB2DE9636}" type="datetimeFigureOut">
               <a:rPr kumimoji="1" lang="ja-JP" altLang="en-US" smtClean="0"/>
-              <a:t>2018/5/22</a:t>
+              <a:t>2018/5/23</a:t>
             </a:fld>
             <a:endParaRPr kumimoji="1" lang="ja-JP" altLang="en-US"/>
           </a:p>
@@ -2034,7 +2035,7 @@
           <a:p>
             <a:fld id="{22383F7F-EE3A-9046-95E4-A78CB2DE9636}" type="datetimeFigureOut">
               <a:rPr kumimoji="1" lang="ja-JP" altLang="en-US" smtClean="0"/>
-              <a:t>2018/5/22</a:t>
+              <a:t>2018/5/23</a:t>
             </a:fld>
             <a:endParaRPr kumimoji="1" lang="ja-JP" altLang="en-US"/>
           </a:p>
@@ -2341,7 +2342,7 @@
           <a:p>
             <a:fld id="{22383F7F-EE3A-9046-95E4-A78CB2DE9636}" type="datetimeFigureOut">
               <a:rPr kumimoji="1" lang="ja-JP" altLang="en-US" smtClean="0"/>
-              <a:t>2018/5/22</a:t>
+              <a:t>2018/5/23</a:t>
             </a:fld>
             <a:endParaRPr kumimoji="1" lang="ja-JP" altLang="en-US"/>
           </a:p>
@@ -2593,7 +2594,7 @@
           <a:p>
             <a:fld id="{22383F7F-EE3A-9046-95E4-A78CB2DE9636}" type="datetimeFigureOut">
               <a:rPr kumimoji="1" lang="ja-JP" altLang="en-US" smtClean="0"/>
-              <a:t>2018/5/22</a:t>
+              <a:t>2018/5/23</a:t>
             </a:fld>
             <a:endParaRPr kumimoji="1" lang="ja-JP" altLang="en-US"/>
           </a:p>
@@ -2836,7 +2837,7 @@
           <a:p>
             <a:fld id="{22383F7F-EE3A-9046-95E4-A78CB2DE9636}" type="datetimeFigureOut">
               <a:rPr kumimoji="1" lang="ja-JP" altLang="en-US" smtClean="0"/>
-              <a:t>2018/5/22</a:t>
+              <a:t>2018/5/23</a:t>
             </a:fld>
             <a:endParaRPr kumimoji="1" lang="ja-JP" altLang="en-US"/>
           </a:p>
@@ -3445,8 +3446,8 @@
         </p:nvSpPr>
         <p:spPr>
           <a:xfrm>
-            <a:off x="1068513" y="2719590"/>
-            <a:ext cx="4857420" cy="461665"/>
+            <a:off x="1068513" y="3308823"/>
+            <a:ext cx="4762842" cy="461665"/>
           </a:xfrm>
           <a:prstGeom prst="rect">
             <a:avLst/>
@@ -3460,20 +3461,12 @@
           <a:lstStyle/>
           <a:p>
             <a:r>
-              <a:rPr lang="en-US" altLang="ja-JP" sz="2400" dirty="0">
+              <a:rPr kumimoji="1" lang="en-US" altLang="ja-JP" sz="2400" dirty="0">
                 <a:latin typeface="Yu Gothic" panose="020B0400000000000000" pitchFamily="34" charset="-128"/>
                 <a:ea typeface="Yu Gothic" panose="020B0400000000000000" pitchFamily="34" charset="-128"/>
                 <a:cs typeface="Meiryo" charset="-128"/>
               </a:rPr>
-              <a:t>3</a:t>
-            </a:r>
-            <a:r>
-              <a:rPr kumimoji="1" lang="en-US" altLang="ja-JP" sz="2400" dirty="0">
-                <a:latin typeface="Yu Gothic" panose="020B0400000000000000" pitchFamily="34" charset="-128"/>
-                <a:ea typeface="Yu Gothic" panose="020B0400000000000000" pitchFamily="34" charset="-128"/>
-                <a:cs typeface="Meiryo" charset="-128"/>
-              </a:rPr>
-              <a:t>. </a:t>
+              <a:t>4. </a:t>
             </a:r>
             <a:r>
               <a:rPr kumimoji="1" lang="ja-JP" altLang="en-US" sz="2400" dirty="0">
@@ -3529,8 +3522,8 @@
         </p:nvSpPr>
         <p:spPr>
           <a:xfrm>
-            <a:off x="1068513" y="3308823"/>
-            <a:ext cx="3626314" cy="461665"/>
+            <a:off x="1068513" y="3898056"/>
+            <a:ext cx="3531736" cy="461665"/>
           </a:xfrm>
           <a:prstGeom prst="rect">
             <a:avLst/>
@@ -3544,12 +3537,20 @@
           <a:lstStyle/>
           <a:p>
             <a:r>
+              <a:rPr lang="en-US" altLang="ja-JP" sz="2400" dirty="0">
+                <a:latin typeface="Yu Gothic" panose="020B0400000000000000" pitchFamily="34" charset="-128"/>
+                <a:ea typeface="Yu Gothic" panose="020B0400000000000000" pitchFamily="34" charset="-128"/>
+                <a:cs typeface="Meiryo" charset="-128"/>
+              </a:rPr>
+              <a:t>5</a:t>
+            </a:r>
+            <a:r>
               <a:rPr kumimoji="1" lang="en-US" altLang="ja-JP" sz="2400" dirty="0">
                 <a:latin typeface="Yu Gothic" panose="020B0400000000000000" pitchFamily="34" charset="-128"/>
                 <a:ea typeface="Yu Gothic" panose="020B0400000000000000" pitchFamily="34" charset="-128"/>
                 <a:cs typeface="Meiryo" charset="-128"/>
               </a:rPr>
-              <a:t>4. </a:t>
+              <a:t>. </a:t>
             </a:r>
             <a:r>
               <a:rPr lang="ja-JP" altLang="en-US" sz="2400">
@@ -3582,6 +3583,58 @@
                 <a:cs typeface="Meiryo" charset="-128"/>
               </a:rPr>
               <a:t>)</a:t>
+            </a:r>
+            <a:endParaRPr kumimoji="1" lang="ja-JP" altLang="en-US" sz="2400" dirty="0">
+              <a:latin typeface="Yu Gothic" panose="020B0400000000000000" pitchFamily="34" charset="-128"/>
+              <a:ea typeface="Yu Gothic" panose="020B0400000000000000" pitchFamily="34" charset="-128"/>
+              <a:cs typeface="Meiryo" charset="-128"/>
+            </a:endParaRPr>
+          </a:p>
+        </p:txBody>
+      </p:sp>
+      <p:sp>
+        <p:nvSpPr>
+          <p:cNvPr id="8" name="テキスト ボックス 7">
+            <a:extLst>
+              <a:ext uri="{FF2B5EF4-FFF2-40B4-BE49-F238E27FC236}">
+                <a16:creationId xmlns:a16="http://schemas.microsoft.com/office/drawing/2014/main" id="{8BC90C29-4F72-6F4B-848A-6FA20D252B9A}"/>
+              </a:ext>
+            </a:extLst>
+          </p:cNvPr>
+          <p:cNvSpPr txBox="1"/>
+          <p:nvPr/>
+        </p:nvSpPr>
+        <p:spPr>
+          <a:xfrm>
+            <a:off x="1068513" y="2719590"/>
+            <a:ext cx="3294492" cy="461665"/>
+          </a:xfrm>
+          <a:prstGeom prst="rect">
+            <a:avLst/>
+          </a:prstGeom>
+          <a:noFill/>
+        </p:spPr>
+        <p:txBody>
+          <a:bodyPr wrap="none" rtlCol="0">
+            <a:spAutoFit/>
+          </a:bodyPr>
+          <a:lstStyle/>
+          <a:p>
+            <a:r>
+              <a:rPr lang="en-US" altLang="ja-JP" sz="2400" dirty="0">
+                <a:latin typeface="Yu Gothic" panose="020B0400000000000000" pitchFamily="34" charset="-128"/>
+                <a:ea typeface="Yu Gothic" panose="020B0400000000000000" pitchFamily="34" charset="-128"/>
+                <a:cs typeface="Meiryo" charset="-128"/>
+              </a:rPr>
+              <a:t>3. </a:t>
+            </a:r>
+            <a:r>
+              <a:rPr lang="ja-JP" altLang="en-US" sz="2400">
+                <a:latin typeface="Yu Gothic" panose="020B0400000000000000" pitchFamily="34" charset="-128"/>
+                <a:ea typeface="Yu Gothic" panose="020B0400000000000000" pitchFamily="34" charset="-128"/>
+                <a:cs typeface="Meiryo" charset="-128"/>
+              </a:rPr>
+              <a:t>入力データの下処理</a:t>
             </a:r>
             <a:endParaRPr kumimoji="1" lang="ja-JP" altLang="en-US" sz="2400" dirty="0">
               <a:latin typeface="Yu Gothic" panose="020B0400000000000000" pitchFamily="34" charset="-128"/>
@@ -3965,7 +4018,7 @@
         <p:spPr>
           <a:xfrm>
             <a:off x="1068513" y="2130357"/>
-            <a:ext cx="3877985" cy="461665"/>
+            <a:ext cx="7164141" cy="461665"/>
           </a:xfrm>
           <a:prstGeom prst="rect">
             <a:avLst/>
@@ -3984,8 +4037,56 @@
                 <a:ea typeface="Yu Gothic" panose="020B0400000000000000" pitchFamily="34" charset="-128"/>
                 <a:cs typeface="Meiryo" charset="-128"/>
               </a:rPr>
-              <a:t>以下のコマンドを実行する</a:t>
-            </a:r>
+              <a:t>以下のコマンドを</a:t>
+            </a:r>
+            <a:r>
+              <a:rPr kumimoji="1" lang="ja-JP" altLang="en-US" sz="2400">
+                <a:latin typeface="Yu Gothic" panose="020B0400000000000000" pitchFamily="34" charset="-128"/>
+                <a:ea typeface="Yu Gothic" panose="020B0400000000000000" pitchFamily="34" charset="-128"/>
+                <a:cs typeface="Meiryo" charset="-128"/>
+              </a:rPr>
+              <a:t>実行する</a:t>
+            </a:r>
+            <a:r>
+              <a:rPr kumimoji="1" lang="en-US" altLang="ja-JP" sz="2400" dirty="0">
+                <a:latin typeface="Yu Gothic" panose="020B0400000000000000" pitchFamily="34" charset="-128"/>
+                <a:ea typeface="Yu Gothic" panose="020B0400000000000000" pitchFamily="34" charset="-128"/>
+                <a:cs typeface="Meiryo" charset="-128"/>
+              </a:rPr>
+              <a:t>(Mac or Ubuntu</a:t>
+            </a:r>
+            <a:r>
+              <a:rPr lang="ja-JP" altLang="en-US" sz="2400">
+                <a:latin typeface="Yu Gothic" panose="020B0400000000000000" pitchFamily="34" charset="-128"/>
+                <a:ea typeface="Yu Gothic" panose="020B0400000000000000" pitchFamily="34" charset="-128"/>
+                <a:cs typeface="Meiryo" charset="-128"/>
+              </a:rPr>
+              <a:t>は</a:t>
+            </a:r>
+            <a:r>
+              <a:rPr lang="ja-JP" altLang="en-US" sz="2400">
+                <a:solidFill>
+                  <a:srgbClr val="FF0000"/>
+                </a:solidFill>
+                <a:latin typeface="Yu Gothic" panose="020B0400000000000000" pitchFamily="34" charset="-128"/>
+                <a:ea typeface="Yu Gothic" panose="020B0400000000000000" pitchFamily="34" charset="-128"/>
+                <a:cs typeface="Meiryo" charset="-128"/>
+              </a:rPr>
+              <a:t>赤字</a:t>
+            </a:r>
+            <a:r>
+              <a:rPr kumimoji="1" lang="en-US" altLang="ja-JP" sz="2400" dirty="0">
+                <a:latin typeface="Yu Gothic" panose="020B0400000000000000" pitchFamily="34" charset="-128"/>
+                <a:ea typeface="Yu Gothic" panose="020B0400000000000000" pitchFamily="34" charset="-128"/>
+                <a:cs typeface="Meiryo" charset="-128"/>
+              </a:rPr>
+              <a:t>)</a:t>
+            </a:r>
+            <a:endParaRPr kumimoji="1" lang="ja-JP" altLang="en-US" sz="2400" dirty="0">
+              <a:latin typeface="Yu Gothic" panose="020B0400000000000000" pitchFamily="34" charset="-128"/>
+              <a:ea typeface="Yu Gothic" panose="020B0400000000000000" pitchFamily="34" charset="-128"/>
+              <a:cs typeface="Meiryo" charset="-128"/>
+            </a:endParaRPr>
           </a:p>
         </p:txBody>
       </p:sp>
@@ -4133,6 +4234,54 @@
               <a:t> </a:t>
             </a:r>
             <a:endParaRPr kumimoji="1" lang="ja-JP" altLang="en-US" dirty="0">
+              <a:latin typeface="Yu Gothic" panose="020B0400000000000000" pitchFamily="34" charset="-128"/>
+              <a:ea typeface="Yu Gothic" panose="020B0400000000000000" pitchFamily="34" charset="-128"/>
+            </a:endParaRPr>
+          </a:p>
+        </p:txBody>
+      </p:sp>
+      <p:sp>
+        <p:nvSpPr>
+          <p:cNvPr id="5" name="テキスト ボックス 4">
+            <a:extLst>
+              <a:ext uri="{FF2B5EF4-FFF2-40B4-BE49-F238E27FC236}">
+                <a16:creationId xmlns:a16="http://schemas.microsoft.com/office/drawing/2014/main" id="{C2059E10-BDB0-9A47-9846-9046B349C0E0}"/>
+              </a:ext>
+            </a:extLst>
+          </p:cNvPr>
+          <p:cNvSpPr txBox="1"/>
+          <p:nvPr/>
+        </p:nvSpPr>
+        <p:spPr>
+          <a:xfrm>
+            <a:off x="5876818" y="3028017"/>
+            <a:ext cx="3413114" cy="369332"/>
+          </a:xfrm>
+          <a:prstGeom prst="rect">
+            <a:avLst/>
+          </a:prstGeom>
+          <a:noFill/>
+        </p:spPr>
+        <p:txBody>
+          <a:bodyPr wrap="none" rtlCol="0">
+            <a:spAutoFit/>
+          </a:bodyPr>
+          <a:lstStyle/>
+          <a:p>
+            <a:r>
+              <a:rPr kumimoji="1" lang="en-US" altLang="ja-JP" dirty="0">
+                <a:solidFill>
+                  <a:srgbClr val="FF0000"/>
+                </a:solidFill>
+                <a:latin typeface="Yu Gothic" panose="020B0400000000000000" pitchFamily="34" charset="-128"/>
+                <a:ea typeface="Yu Gothic" panose="020B0400000000000000" pitchFamily="34" charset="-128"/>
+              </a:rPr>
+              <a:t>export PYTHONHASHSEED=1</a:t>
+            </a:r>
+            <a:endParaRPr kumimoji="1" lang="ja-JP" altLang="en-US">
+              <a:solidFill>
+                <a:srgbClr val="FF0000"/>
+              </a:solidFill>
               <a:latin typeface="Yu Gothic" panose="020B0400000000000000" pitchFamily="34" charset="-128"/>
               <a:ea typeface="Yu Gothic" panose="020B0400000000000000" pitchFamily="34" charset="-128"/>
             </a:endParaRPr>
@@ -4171,462 +4320,32 @@
       </p:grpSpPr>
       <p:sp>
         <p:nvSpPr>
-          <p:cNvPr id="2" name="テキスト ボックス 1"/>
-          <p:cNvSpPr txBox="1"/>
+          <p:cNvPr id="41" name="正方形/長方形 40">
+            <a:extLst>
+              <a:ext uri="{FF2B5EF4-FFF2-40B4-BE49-F238E27FC236}">
+                <a16:creationId xmlns:a16="http://schemas.microsoft.com/office/drawing/2014/main" id="{ED0EF2B9-FBCE-174A-91EA-F5B65DA28624}"/>
+              </a:ext>
+            </a:extLst>
+          </p:cNvPr>
+          <p:cNvSpPr/>
           <p:nvPr/>
         </p:nvSpPr>
         <p:spPr>
           <a:xfrm>
-            <a:off x="585627" y="575353"/>
-            <a:ext cx="7978466" cy="707886"/>
+            <a:off x="4840107" y="3807650"/>
+            <a:ext cx="3273256" cy="2732635"/>
           </a:xfrm>
           <a:prstGeom prst="rect">
             <a:avLst/>
           </a:prstGeom>
-          <a:noFill/>
-        </p:spPr>
-        <p:txBody>
-          <a:bodyPr wrap="none" rtlCol="0">
-            <a:spAutoFit/>
-          </a:bodyPr>
-          <a:lstStyle/>
-          <a:p>
-            <a:r>
-              <a:rPr lang="en-US" altLang="ja-JP" sz="4000" dirty="0">
-                <a:latin typeface="Yu Gothic" panose="020B0400000000000000" pitchFamily="34" charset="-128"/>
-                <a:ea typeface="Yu Gothic" panose="020B0400000000000000" pitchFamily="34" charset="-128"/>
-                <a:cs typeface="Meiryo" charset="-128"/>
-              </a:rPr>
-              <a:t>3. </a:t>
-            </a:r>
-            <a:r>
-              <a:rPr lang="ja-JP" altLang="en-US" sz="4000" dirty="0">
-                <a:latin typeface="Yu Gothic" panose="020B0400000000000000" pitchFamily="34" charset="-128"/>
-                <a:ea typeface="Yu Gothic" panose="020B0400000000000000" pitchFamily="34" charset="-128"/>
-                <a:cs typeface="Meiryo" charset="-128"/>
-              </a:rPr>
-              <a:t>学習</a:t>
-            </a:r>
-            <a:r>
-              <a:rPr lang="en-US" altLang="ja-JP" sz="4000" dirty="0">
-                <a:latin typeface="Yu Gothic" panose="020B0400000000000000" pitchFamily="34" charset="-128"/>
-                <a:ea typeface="Yu Gothic" panose="020B0400000000000000" pitchFamily="34" charset="-128"/>
-                <a:cs typeface="Meiryo" charset="-128"/>
-              </a:rPr>
-              <a:t>(</a:t>
-            </a:r>
-            <a:r>
-              <a:rPr lang="ja-JP" altLang="en-US" sz="4000" dirty="0">
-                <a:latin typeface="Yu Gothic" panose="020B0400000000000000" pitchFamily="34" charset="-128"/>
-                <a:ea typeface="Yu Gothic" panose="020B0400000000000000" pitchFamily="34" charset="-128"/>
-                <a:cs typeface="Meiryo" charset="-128"/>
-              </a:rPr>
-              <a:t>入力データのベクトル化</a:t>
-            </a:r>
-            <a:r>
-              <a:rPr lang="en-US" altLang="ja-JP" sz="4000" dirty="0">
-                <a:latin typeface="Yu Gothic" panose="020B0400000000000000" pitchFamily="34" charset="-128"/>
-                <a:ea typeface="Yu Gothic" panose="020B0400000000000000" pitchFamily="34" charset="-128"/>
-                <a:cs typeface="Meiryo" charset="-128"/>
-              </a:rPr>
-              <a:t>)</a:t>
-            </a:r>
-            <a:endParaRPr lang="ja-JP" altLang="en-US" sz="4000" dirty="0">
-              <a:latin typeface="Yu Gothic" panose="020B0400000000000000" pitchFamily="34" charset="-128"/>
-              <a:ea typeface="Yu Gothic" panose="020B0400000000000000" pitchFamily="34" charset="-128"/>
-              <a:cs typeface="Meiryo" charset="-128"/>
-            </a:endParaRPr>
-          </a:p>
-        </p:txBody>
-      </p:sp>
-      <p:sp>
-        <p:nvSpPr>
-          <p:cNvPr id="4" name="テキスト ボックス 3"/>
-          <p:cNvSpPr txBox="1"/>
-          <p:nvPr/>
-        </p:nvSpPr>
-        <p:spPr>
-          <a:xfrm>
-            <a:off x="1068513" y="1541124"/>
-            <a:ext cx="6447599" cy="461665"/>
-          </a:xfrm>
-          <a:prstGeom prst="rect">
-            <a:avLst/>
-          </a:prstGeom>
-          <a:noFill/>
-        </p:spPr>
-        <p:txBody>
-          <a:bodyPr wrap="none" rtlCol="0">
-            <a:spAutoFit/>
-          </a:bodyPr>
-          <a:lstStyle/>
-          <a:p>
-            <a:r>
-              <a:rPr kumimoji="1" lang="en-US" altLang="ja-JP" sz="2400" dirty="0" err="1">
-                <a:latin typeface="Yu Gothic" panose="020B0400000000000000" pitchFamily="34" charset="-128"/>
-                <a:ea typeface="Yu Gothic" panose="020B0400000000000000" pitchFamily="34" charset="-128"/>
-                <a:cs typeface="Meiryo" charset="-128"/>
-              </a:rPr>
-              <a:t>NLP_test</a:t>
-            </a:r>
-            <a:r>
-              <a:rPr kumimoji="1" lang="ja-JP" altLang="en-US" sz="2400" dirty="0">
-                <a:latin typeface="Yu Gothic" panose="020B0400000000000000" pitchFamily="34" charset="-128"/>
-                <a:ea typeface="Yu Gothic" panose="020B0400000000000000" pitchFamily="34" charset="-128"/>
-                <a:cs typeface="Meiryo" charset="-128"/>
-              </a:rPr>
-              <a:t>フォルダにてプログラムを実行する</a:t>
-            </a:r>
-            <a:endParaRPr lang="ja-JP" altLang="en-US" sz="2400" dirty="0">
-              <a:latin typeface="Yu Gothic" panose="020B0400000000000000" pitchFamily="34" charset="-128"/>
-              <a:ea typeface="Yu Gothic" panose="020B0400000000000000" pitchFamily="34" charset="-128"/>
-              <a:cs typeface="Meiryo" charset="-128"/>
-            </a:endParaRPr>
-          </a:p>
-        </p:txBody>
-      </p:sp>
-      <p:sp>
-        <p:nvSpPr>
-          <p:cNvPr id="9" name="テキスト ボックス 8"/>
-          <p:cNvSpPr txBox="1"/>
-          <p:nvPr/>
-        </p:nvSpPr>
-        <p:spPr>
-          <a:xfrm>
-            <a:off x="1068513" y="2130357"/>
-            <a:ext cx="3877985" cy="461665"/>
-          </a:xfrm>
-          <a:prstGeom prst="rect">
-            <a:avLst/>
-          </a:prstGeom>
-          <a:noFill/>
-        </p:spPr>
-        <p:txBody>
-          <a:bodyPr wrap="none" rtlCol="0">
-            <a:spAutoFit/>
-          </a:bodyPr>
-          <a:lstStyle/>
-          <a:p>
-            <a:r>
-              <a:rPr kumimoji="1" lang="ja-JP" altLang="en-US" sz="2400" dirty="0">
-                <a:latin typeface="Yu Gothic" panose="020B0400000000000000" pitchFamily="34" charset="-128"/>
-                <a:ea typeface="Yu Gothic" panose="020B0400000000000000" pitchFamily="34" charset="-128"/>
-                <a:cs typeface="Meiryo" charset="-128"/>
-              </a:rPr>
-              <a:t>以下のコマンドを実行する</a:t>
-            </a:r>
-          </a:p>
-        </p:txBody>
-      </p:sp>
-      <p:sp>
-        <p:nvSpPr>
-          <p:cNvPr id="10" name="テキスト ボックス 9"/>
-          <p:cNvSpPr txBox="1"/>
-          <p:nvPr/>
-        </p:nvSpPr>
-        <p:spPr>
-          <a:xfrm>
-            <a:off x="1068513" y="3044858"/>
-            <a:ext cx="5083443" cy="369332"/>
-          </a:xfrm>
-          <a:prstGeom prst="rect">
-            <a:avLst/>
-          </a:prstGeom>
-          <a:noFill/>
-        </p:spPr>
-        <p:txBody>
-          <a:bodyPr wrap="none" rtlCol="0">
-            <a:spAutoFit/>
-          </a:bodyPr>
-          <a:lstStyle/>
-          <a:p>
-            <a:r>
-              <a:rPr lang="en-US" altLang="ja-JP" dirty="0">
-                <a:latin typeface="Yu Gothic" panose="020B0400000000000000" pitchFamily="34" charset="-128"/>
-                <a:ea typeface="Yu Gothic" panose="020B0400000000000000" pitchFamily="34" charset="-128"/>
-              </a:rPr>
-              <a:t>python </a:t>
-            </a:r>
-            <a:r>
-              <a:rPr lang="en-US" altLang="ja-JP" dirty="0" err="1">
-                <a:latin typeface="Yu Gothic" panose="020B0400000000000000" pitchFamily="34" charset="-128"/>
-                <a:ea typeface="Yu Gothic" panose="020B0400000000000000" pitchFamily="34" charset="-128"/>
-              </a:rPr>
-              <a:t>src</a:t>
-            </a:r>
-            <a:r>
-              <a:rPr lang="en-US" altLang="ja-JP" dirty="0">
-                <a:latin typeface="Yu Gothic" panose="020B0400000000000000" pitchFamily="34" charset="-128"/>
-                <a:ea typeface="Yu Gothic" panose="020B0400000000000000" pitchFamily="34" charset="-128"/>
-              </a:rPr>
-              <a:t>/</a:t>
-            </a:r>
-            <a:r>
-              <a:rPr lang="en-US" altLang="ja-JP" dirty="0" err="1">
-                <a:latin typeface="Yu Gothic" panose="020B0400000000000000" pitchFamily="34" charset="-128"/>
-                <a:ea typeface="Yu Gothic" panose="020B0400000000000000" pitchFamily="34" charset="-128"/>
-              </a:rPr>
-              <a:t>nlp_with_gensim.py</a:t>
-            </a:r>
-            <a:r>
-              <a:rPr lang="en-US" altLang="ja-JP" dirty="0">
-                <a:latin typeface="Yu Gothic" panose="020B0400000000000000" pitchFamily="34" charset="-128"/>
-                <a:ea typeface="Yu Gothic" panose="020B0400000000000000" pitchFamily="34" charset="-128"/>
-              </a:rPr>
-              <a:t> train XXX YYY</a:t>
-            </a:r>
-            <a:endParaRPr kumimoji="1" lang="ja-JP" altLang="en-US" dirty="0">
-              <a:latin typeface="Yu Gothic" panose="020B0400000000000000" pitchFamily="34" charset="-128"/>
-              <a:ea typeface="Yu Gothic" panose="020B0400000000000000" pitchFamily="34" charset="-128"/>
-            </a:endParaRPr>
-          </a:p>
-        </p:txBody>
-      </p:sp>
-      <p:sp>
-        <p:nvSpPr>
-          <p:cNvPr id="5" name="テキスト ボックス 4"/>
-          <p:cNvSpPr txBox="1"/>
-          <p:nvPr/>
-        </p:nvSpPr>
-        <p:spPr>
-          <a:xfrm>
-            <a:off x="1068513" y="3867026"/>
-            <a:ext cx="7237879" cy="369332"/>
-          </a:xfrm>
-          <a:prstGeom prst="rect">
-            <a:avLst/>
-          </a:prstGeom>
-          <a:noFill/>
-        </p:spPr>
-        <p:txBody>
-          <a:bodyPr wrap="none" rtlCol="0">
-            <a:spAutoFit/>
-          </a:bodyPr>
-          <a:lstStyle/>
-          <a:p>
-            <a:r>
-              <a:rPr kumimoji="1" lang="en-US" altLang="ja-JP" dirty="0">
-                <a:latin typeface="Yu Gothic" panose="020B0400000000000000" pitchFamily="34" charset="-128"/>
-                <a:ea typeface="Yu Gothic" panose="020B0400000000000000" pitchFamily="34" charset="-128"/>
-              </a:rPr>
-              <a:t>XXX: </a:t>
-            </a:r>
-            <a:r>
-              <a:rPr kumimoji="1" lang="ja-JP" altLang="en-US" dirty="0">
-                <a:latin typeface="Yu Gothic" panose="020B0400000000000000" pitchFamily="34" charset="-128"/>
-                <a:ea typeface="Yu Gothic" panose="020B0400000000000000" pitchFamily="34" charset="-128"/>
-              </a:rPr>
-              <a:t>各種アルゴリズム</a:t>
-            </a:r>
-            <a:r>
-              <a:rPr kumimoji="1" lang="en-US" altLang="ja-JP" dirty="0">
-                <a:latin typeface="Yu Gothic" panose="020B0400000000000000" pitchFamily="34" charset="-128"/>
-                <a:ea typeface="Yu Gothic" panose="020B0400000000000000" pitchFamily="34" charset="-128"/>
-              </a:rPr>
-              <a:t>(word2vec, doc2vec, </a:t>
-            </a:r>
-            <a:r>
-              <a:rPr kumimoji="1" lang="en-US" altLang="ja-JP" dirty="0" err="1">
-                <a:latin typeface="Yu Gothic" panose="020B0400000000000000" pitchFamily="34" charset="-128"/>
-                <a:ea typeface="Yu Gothic" panose="020B0400000000000000" pitchFamily="34" charset="-128"/>
-              </a:rPr>
-              <a:t>fasttext</a:t>
-            </a:r>
-            <a:r>
-              <a:rPr kumimoji="1" lang="en-US" altLang="ja-JP" dirty="0">
-                <a:latin typeface="Yu Gothic" panose="020B0400000000000000" pitchFamily="34" charset="-128"/>
-                <a:ea typeface="Yu Gothic" panose="020B0400000000000000" pitchFamily="34" charset="-128"/>
-              </a:rPr>
-              <a:t>, bow, </a:t>
-            </a:r>
-            <a:r>
-              <a:rPr kumimoji="1" lang="en-US" altLang="ja-JP" dirty="0" err="1">
-                <a:latin typeface="Yu Gothic" panose="020B0400000000000000" pitchFamily="34" charset="-128"/>
-                <a:ea typeface="Yu Gothic" panose="020B0400000000000000" pitchFamily="34" charset="-128"/>
-              </a:rPr>
-              <a:t>tfidf</a:t>
-            </a:r>
-            <a:r>
-              <a:rPr kumimoji="1" lang="en-US" altLang="ja-JP" dirty="0">
-                <a:latin typeface="Yu Gothic" panose="020B0400000000000000" pitchFamily="34" charset="-128"/>
-                <a:ea typeface="Yu Gothic" panose="020B0400000000000000" pitchFamily="34" charset="-128"/>
-              </a:rPr>
-              <a:t>, all)</a:t>
-            </a:r>
-            <a:endParaRPr kumimoji="1" lang="ja-JP" altLang="en-US" dirty="0">
-              <a:latin typeface="Yu Gothic" panose="020B0400000000000000" pitchFamily="34" charset="-128"/>
-              <a:ea typeface="Yu Gothic" panose="020B0400000000000000" pitchFamily="34" charset="-128"/>
-            </a:endParaRPr>
-          </a:p>
-        </p:txBody>
-      </p:sp>
-      <p:sp>
-        <p:nvSpPr>
-          <p:cNvPr id="11" name="テキスト ボックス 10"/>
-          <p:cNvSpPr txBox="1"/>
-          <p:nvPr/>
-        </p:nvSpPr>
-        <p:spPr>
-          <a:xfrm>
-            <a:off x="1068513" y="4500774"/>
-            <a:ext cx="3533340" cy="369332"/>
-          </a:xfrm>
-          <a:prstGeom prst="rect">
-            <a:avLst/>
-          </a:prstGeom>
-          <a:noFill/>
-        </p:spPr>
-        <p:txBody>
-          <a:bodyPr wrap="none" rtlCol="0">
-            <a:spAutoFit/>
-          </a:bodyPr>
-          <a:lstStyle/>
-          <a:p>
-            <a:r>
-              <a:rPr kumimoji="1" lang="en-US" altLang="ja-JP" dirty="0">
-                <a:latin typeface="Yu Gothic" panose="020B0400000000000000" pitchFamily="34" charset="-128"/>
-                <a:ea typeface="Yu Gothic" panose="020B0400000000000000" pitchFamily="34" charset="-128"/>
-              </a:rPr>
-              <a:t>YYY: </a:t>
-            </a:r>
-            <a:r>
-              <a:rPr kumimoji="1" lang="ja-JP" altLang="en-US" dirty="0">
-                <a:latin typeface="Yu Gothic" panose="020B0400000000000000" pitchFamily="34" charset="-128"/>
-                <a:ea typeface="Yu Gothic" panose="020B0400000000000000" pitchFamily="34" charset="-128"/>
-              </a:rPr>
-              <a:t>学習結果の保存ファイル名</a:t>
-            </a:r>
-          </a:p>
-        </p:txBody>
-      </p:sp>
-      <p:sp>
-        <p:nvSpPr>
-          <p:cNvPr id="12" name="テキスト ボックス 11"/>
-          <p:cNvSpPr txBox="1"/>
-          <p:nvPr/>
-        </p:nvSpPr>
-        <p:spPr>
-          <a:xfrm>
-            <a:off x="1295369" y="5381805"/>
-            <a:ext cx="5128327" cy="369332"/>
-          </a:xfrm>
-          <a:prstGeom prst="rect">
-            <a:avLst/>
-          </a:prstGeom>
-          <a:noFill/>
-        </p:spPr>
-        <p:txBody>
-          <a:bodyPr wrap="none" rtlCol="0">
-            <a:spAutoFit/>
-          </a:bodyPr>
-          <a:lstStyle/>
-          <a:p>
-            <a:r>
-              <a:rPr lang="en-US" altLang="ja-JP" dirty="0">
-                <a:latin typeface="Yu Gothic" panose="020B0400000000000000" pitchFamily="34" charset="-128"/>
-                <a:ea typeface="Yu Gothic" panose="020B0400000000000000" pitchFamily="34" charset="-128"/>
-              </a:rPr>
-              <a:t>python </a:t>
-            </a:r>
-            <a:r>
-              <a:rPr lang="en-US" altLang="ja-JP" dirty="0" err="1">
-                <a:latin typeface="Yu Gothic" panose="020B0400000000000000" pitchFamily="34" charset="-128"/>
-                <a:ea typeface="Yu Gothic" panose="020B0400000000000000" pitchFamily="34" charset="-128"/>
-              </a:rPr>
-              <a:t>src</a:t>
-            </a:r>
-            <a:r>
-              <a:rPr lang="en-US" altLang="ja-JP" dirty="0">
-                <a:latin typeface="Yu Gothic" panose="020B0400000000000000" pitchFamily="34" charset="-128"/>
-                <a:ea typeface="Yu Gothic" panose="020B0400000000000000" pitchFamily="34" charset="-128"/>
-              </a:rPr>
-              <a:t>/</a:t>
-            </a:r>
-            <a:r>
-              <a:rPr lang="en-US" altLang="ja-JP" dirty="0" err="1">
-                <a:latin typeface="Yu Gothic" panose="020B0400000000000000" pitchFamily="34" charset="-128"/>
-                <a:ea typeface="Yu Gothic" panose="020B0400000000000000" pitchFamily="34" charset="-128"/>
-              </a:rPr>
-              <a:t>nlp_with_gensim.py</a:t>
-            </a:r>
-            <a:r>
-              <a:rPr lang="en-US" altLang="ja-JP" dirty="0">
-                <a:latin typeface="Yu Gothic" panose="020B0400000000000000" pitchFamily="34" charset="-128"/>
-                <a:ea typeface="Yu Gothic" panose="020B0400000000000000" pitchFamily="34" charset="-128"/>
-              </a:rPr>
-              <a:t> train </a:t>
-            </a:r>
-            <a:r>
-              <a:rPr lang="en-US" altLang="ja-JP" dirty="0" err="1">
-                <a:latin typeface="Yu Gothic" panose="020B0400000000000000" pitchFamily="34" charset="-128"/>
-                <a:ea typeface="Yu Gothic" panose="020B0400000000000000" pitchFamily="34" charset="-128"/>
-              </a:rPr>
-              <a:t>fasttext</a:t>
-            </a:r>
-            <a:r>
-              <a:rPr lang="en-US" altLang="ja-JP" dirty="0">
-                <a:latin typeface="Yu Gothic" panose="020B0400000000000000" pitchFamily="34" charset="-128"/>
-                <a:ea typeface="Yu Gothic" panose="020B0400000000000000" pitchFamily="34" charset="-128"/>
-              </a:rPr>
-              <a:t> 1</a:t>
-            </a:r>
-            <a:endParaRPr kumimoji="1" lang="ja-JP" altLang="en-US" dirty="0">
-              <a:latin typeface="Yu Gothic" panose="020B0400000000000000" pitchFamily="34" charset="-128"/>
-              <a:ea typeface="Yu Gothic" panose="020B0400000000000000" pitchFamily="34" charset="-128"/>
-            </a:endParaRPr>
-          </a:p>
-        </p:txBody>
-      </p:sp>
-      <p:sp>
-        <p:nvSpPr>
-          <p:cNvPr id="6" name="テキスト ボックス 5"/>
-          <p:cNvSpPr txBox="1"/>
-          <p:nvPr/>
-        </p:nvSpPr>
-        <p:spPr>
-          <a:xfrm>
-            <a:off x="1068512" y="4977238"/>
-            <a:ext cx="484428" cy="369332"/>
-          </a:xfrm>
-          <a:prstGeom prst="rect">
-            <a:avLst/>
-          </a:prstGeom>
-          <a:noFill/>
-        </p:spPr>
-        <p:txBody>
-          <a:bodyPr wrap="none" rtlCol="0">
-            <a:spAutoFit/>
-          </a:bodyPr>
-          <a:lstStyle/>
-          <a:p>
-            <a:r>
-              <a:rPr kumimoji="1" lang="en-US" altLang="ja-JP" dirty="0">
-                <a:latin typeface="Yu Gothic" panose="020B0400000000000000" pitchFamily="34" charset="-128"/>
-                <a:ea typeface="Yu Gothic" panose="020B0400000000000000" pitchFamily="34" charset="-128"/>
-              </a:rPr>
-              <a:t>ex.</a:t>
-            </a:r>
-            <a:endParaRPr kumimoji="1" lang="ja-JP" altLang="en-US" dirty="0">
-              <a:latin typeface="Yu Gothic" panose="020B0400000000000000" pitchFamily="34" charset="-128"/>
-              <a:ea typeface="Yu Gothic" panose="020B0400000000000000" pitchFamily="34" charset="-128"/>
-            </a:endParaRPr>
-          </a:p>
-        </p:txBody>
-      </p:sp>
-      <p:sp>
-        <p:nvSpPr>
-          <p:cNvPr id="8" name="右矢印 7"/>
-          <p:cNvSpPr/>
-          <p:nvPr/>
-        </p:nvSpPr>
-        <p:spPr>
-          <a:xfrm>
-            <a:off x="2436701" y="6024809"/>
-            <a:ext cx="829559" cy="476054"/>
-          </a:xfrm>
-          <a:prstGeom prst="rightArrow">
-            <a:avLst/>
-          </a:prstGeom>
+          <a:solidFill>
+            <a:schemeClr val="accent2">
+              <a:alpha val="45000"/>
+            </a:schemeClr>
+          </a:solidFill>
+          <a:ln>
+            <a:noFill/>
+          </a:ln>
         </p:spPr>
         <p:style>
           <a:lnRef idx="2">
@@ -4649,6 +4368,318 @@
           <a:lstStyle/>
           <a:p>
             <a:pPr algn="ctr"/>
+            <a:endParaRPr kumimoji="1" lang="ja-JP" altLang="en-US"/>
+          </a:p>
+        </p:txBody>
+      </p:sp>
+      <p:sp>
+        <p:nvSpPr>
+          <p:cNvPr id="2" name="テキスト ボックス 1"/>
+          <p:cNvSpPr txBox="1"/>
+          <p:nvPr/>
+        </p:nvSpPr>
+        <p:spPr>
+          <a:xfrm>
+            <a:off x="585627" y="575353"/>
+            <a:ext cx="4448654" cy="707886"/>
+          </a:xfrm>
+          <a:prstGeom prst="rect">
+            <a:avLst/>
+          </a:prstGeom>
+          <a:noFill/>
+        </p:spPr>
+        <p:txBody>
+          <a:bodyPr wrap="none" rtlCol="0">
+            <a:spAutoFit/>
+          </a:bodyPr>
+          <a:lstStyle/>
+          <a:p>
+            <a:r>
+              <a:rPr lang="en-US" altLang="ja-JP" sz="4000" dirty="0">
+                <a:latin typeface="Yu Gothic" panose="020B0400000000000000" pitchFamily="34" charset="-128"/>
+                <a:ea typeface="Yu Gothic" panose="020B0400000000000000" pitchFamily="34" charset="-128"/>
+                <a:cs typeface="Meiryo" charset="-128"/>
+              </a:rPr>
+              <a:t>2. </a:t>
+            </a:r>
+            <a:r>
+              <a:rPr lang="ja-JP" altLang="en-US" sz="4000" dirty="0">
+                <a:latin typeface="Yu Gothic" panose="020B0400000000000000" pitchFamily="34" charset="-128"/>
+                <a:ea typeface="Yu Gothic" panose="020B0400000000000000" pitchFamily="34" charset="-128"/>
+                <a:cs typeface="Meiryo" charset="-128"/>
+              </a:rPr>
+              <a:t>環境変数の設定</a:t>
+            </a:r>
+          </a:p>
+        </p:txBody>
+      </p:sp>
+      <p:sp>
+        <p:nvSpPr>
+          <p:cNvPr id="4" name="テキスト ボックス 3"/>
+          <p:cNvSpPr txBox="1"/>
+          <p:nvPr/>
+        </p:nvSpPr>
+        <p:spPr>
+          <a:xfrm>
+            <a:off x="1068513" y="2141288"/>
+            <a:ext cx="10746853" cy="461665"/>
+          </a:xfrm>
+          <a:prstGeom prst="rect">
+            <a:avLst/>
+          </a:prstGeom>
+          <a:noFill/>
+        </p:spPr>
+        <p:txBody>
+          <a:bodyPr wrap="none" rtlCol="0">
+            <a:spAutoFit/>
+          </a:bodyPr>
+          <a:lstStyle/>
+          <a:p>
+            <a:r>
+              <a:rPr kumimoji="1" lang="ja-JP" altLang="en-US" sz="2400">
+                <a:latin typeface="Yu Gothic" panose="020B0400000000000000" pitchFamily="34" charset="-128"/>
+                <a:ea typeface="Yu Gothic" panose="020B0400000000000000" pitchFamily="34" charset="-128"/>
+                <a:cs typeface="Meiryo" charset="-128"/>
+              </a:rPr>
+              <a:t>文章</a:t>
+            </a:r>
+            <a:r>
+              <a:rPr kumimoji="1" lang="en-US" altLang="ja-JP" sz="2400" dirty="0">
+                <a:latin typeface="Yu Gothic" panose="020B0400000000000000" pitchFamily="34" charset="-128"/>
+                <a:ea typeface="Yu Gothic" panose="020B0400000000000000" pitchFamily="34" charset="-128"/>
+                <a:cs typeface="Meiryo" charset="-128"/>
+              </a:rPr>
+              <a:t>, </a:t>
+            </a:r>
+            <a:r>
+              <a:rPr kumimoji="1" lang="ja-JP" altLang="en-US" sz="2400">
+                <a:latin typeface="Yu Gothic" panose="020B0400000000000000" pitchFamily="34" charset="-128"/>
+                <a:ea typeface="Yu Gothic" panose="020B0400000000000000" pitchFamily="34" charset="-128"/>
+                <a:cs typeface="Meiryo" charset="-128"/>
+              </a:rPr>
+              <a:t>単語をベクトル化するためにデータに下処理を行う</a:t>
+            </a:r>
+            <a:r>
+              <a:rPr kumimoji="1" lang="en-US" altLang="ja-JP" sz="2400" dirty="0">
+                <a:latin typeface="Yu Gothic" panose="020B0400000000000000" pitchFamily="34" charset="-128"/>
+                <a:ea typeface="Yu Gothic" panose="020B0400000000000000" pitchFamily="34" charset="-128"/>
+                <a:cs typeface="Meiryo" charset="-128"/>
+              </a:rPr>
+              <a:t>(</a:t>
+            </a:r>
+            <a:r>
+              <a:rPr kumimoji="1" lang="ja-JP" altLang="en-US" sz="2400">
+                <a:latin typeface="Yu Gothic" panose="020B0400000000000000" pitchFamily="34" charset="-128"/>
+                <a:ea typeface="Yu Gothic" panose="020B0400000000000000" pitchFamily="34" charset="-128"/>
+                <a:cs typeface="Meiryo" charset="-128"/>
+              </a:rPr>
+              <a:t>対象は以下を参照</a:t>
+            </a:r>
+            <a:r>
+              <a:rPr kumimoji="1" lang="en-US" altLang="ja-JP" sz="2400" dirty="0">
+                <a:latin typeface="Yu Gothic" panose="020B0400000000000000" pitchFamily="34" charset="-128"/>
+                <a:ea typeface="Yu Gothic" panose="020B0400000000000000" pitchFamily="34" charset="-128"/>
+                <a:cs typeface="Meiryo" charset="-128"/>
+              </a:rPr>
+              <a:t>)</a:t>
+            </a:r>
+            <a:endParaRPr lang="ja-JP" altLang="en-US" sz="2400" dirty="0">
+              <a:latin typeface="Yu Gothic" panose="020B0400000000000000" pitchFamily="34" charset="-128"/>
+              <a:ea typeface="Yu Gothic" panose="020B0400000000000000" pitchFamily="34" charset="-128"/>
+              <a:cs typeface="Meiryo" charset="-128"/>
+            </a:endParaRPr>
+          </a:p>
+        </p:txBody>
+      </p:sp>
+      <p:sp>
+        <p:nvSpPr>
+          <p:cNvPr id="13" name="テキスト ボックス 12">
+            <a:extLst>
+              <a:ext uri="{FF2B5EF4-FFF2-40B4-BE49-F238E27FC236}">
+                <a16:creationId xmlns:a16="http://schemas.microsoft.com/office/drawing/2014/main" id="{C24BA771-EFAF-E44E-B15F-F251BB82B863}"/>
+              </a:ext>
+            </a:extLst>
+          </p:cNvPr>
+          <p:cNvSpPr txBox="1"/>
+          <p:nvPr/>
+        </p:nvSpPr>
+        <p:spPr>
+          <a:xfrm>
+            <a:off x="1068513" y="1541124"/>
+            <a:ext cx="6447599" cy="461665"/>
+          </a:xfrm>
+          <a:prstGeom prst="rect">
+            <a:avLst/>
+          </a:prstGeom>
+          <a:noFill/>
+        </p:spPr>
+        <p:txBody>
+          <a:bodyPr wrap="none" rtlCol="0">
+            <a:spAutoFit/>
+          </a:bodyPr>
+          <a:lstStyle/>
+          <a:p>
+            <a:r>
+              <a:rPr kumimoji="1" lang="en-US" altLang="ja-JP" sz="2400" dirty="0" err="1">
+                <a:latin typeface="Yu Gothic" panose="020B0400000000000000" pitchFamily="34" charset="-128"/>
+                <a:ea typeface="Yu Gothic" panose="020B0400000000000000" pitchFamily="34" charset="-128"/>
+                <a:cs typeface="Meiryo" charset="-128"/>
+              </a:rPr>
+              <a:t>NLP_test</a:t>
+            </a:r>
+            <a:r>
+              <a:rPr kumimoji="1" lang="ja-JP" altLang="en-US" sz="2400" dirty="0">
+                <a:latin typeface="Yu Gothic" panose="020B0400000000000000" pitchFamily="34" charset="-128"/>
+                <a:ea typeface="Yu Gothic" panose="020B0400000000000000" pitchFamily="34" charset="-128"/>
+                <a:cs typeface="Meiryo" charset="-128"/>
+              </a:rPr>
+              <a:t>フォルダにてプログラムを実行する</a:t>
+            </a:r>
+            <a:endParaRPr lang="ja-JP" altLang="en-US" sz="2400" dirty="0">
+              <a:latin typeface="Yu Gothic" panose="020B0400000000000000" pitchFamily="34" charset="-128"/>
+              <a:ea typeface="Yu Gothic" panose="020B0400000000000000" pitchFamily="34" charset="-128"/>
+              <a:cs typeface="Meiryo" charset="-128"/>
+            </a:endParaRPr>
+          </a:p>
+        </p:txBody>
+      </p:sp>
+      <p:sp>
+        <p:nvSpPr>
+          <p:cNvPr id="14" name="テキスト ボックス 13">
+            <a:extLst>
+              <a:ext uri="{FF2B5EF4-FFF2-40B4-BE49-F238E27FC236}">
+                <a16:creationId xmlns:a16="http://schemas.microsoft.com/office/drawing/2014/main" id="{3E2977B5-CCF9-7A44-BD03-90C3E385F15D}"/>
+              </a:ext>
+            </a:extLst>
+          </p:cNvPr>
+          <p:cNvSpPr txBox="1"/>
+          <p:nvPr/>
+        </p:nvSpPr>
+        <p:spPr>
+          <a:xfrm>
+            <a:off x="1068513" y="2766720"/>
+            <a:ext cx="3877985" cy="461665"/>
+          </a:xfrm>
+          <a:prstGeom prst="rect">
+            <a:avLst/>
+          </a:prstGeom>
+          <a:noFill/>
+        </p:spPr>
+        <p:txBody>
+          <a:bodyPr wrap="none" rtlCol="0">
+            <a:spAutoFit/>
+          </a:bodyPr>
+          <a:lstStyle/>
+          <a:p>
+            <a:r>
+              <a:rPr kumimoji="1" lang="ja-JP" altLang="en-US" sz="2400" dirty="0">
+                <a:latin typeface="Yu Gothic" panose="020B0400000000000000" pitchFamily="34" charset="-128"/>
+                <a:ea typeface="Yu Gothic" panose="020B0400000000000000" pitchFamily="34" charset="-128"/>
+                <a:cs typeface="Meiryo" charset="-128"/>
+              </a:rPr>
+              <a:t>以下のコマンドを実行する</a:t>
+            </a:r>
+          </a:p>
+        </p:txBody>
+      </p:sp>
+      <p:sp>
+        <p:nvSpPr>
+          <p:cNvPr id="15" name="テキスト ボックス 14">
+            <a:extLst>
+              <a:ext uri="{FF2B5EF4-FFF2-40B4-BE49-F238E27FC236}">
+                <a16:creationId xmlns:a16="http://schemas.microsoft.com/office/drawing/2014/main" id="{3DD2ED62-17DC-7E48-9013-08EFB6FDE498}"/>
+              </a:ext>
+            </a:extLst>
+          </p:cNvPr>
+          <p:cNvSpPr txBox="1"/>
+          <p:nvPr/>
+        </p:nvSpPr>
+        <p:spPr>
+          <a:xfrm>
+            <a:off x="1068513" y="3622984"/>
+            <a:ext cx="2392001" cy="369332"/>
+          </a:xfrm>
+          <a:prstGeom prst="rect">
+            <a:avLst/>
+          </a:prstGeom>
+          <a:noFill/>
+        </p:spPr>
+        <p:txBody>
+          <a:bodyPr wrap="none" rtlCol="0">
+            <a:spAutoFit/>
+          </a:bodyPr>
+          <a:lstStyle/>
+          <a:p>
+            <a:r>
+              <a:rPr lang="en-US" altLang="ja-JP" dirty="0">
+                <a:latin typeface="Yu Gothic" panose="020B0400000000000000" pitchFamily="34" charset="-128"/>
+                <a:ea typeface="Yu Gothic" panose="020B0400000000000000" pitchFamily="34" charset="-128"/>
+              </a:rPr>
+              <a:t>python </a:t>
+            </a:r>
+            <a:r>
+              <a:rPr lang="en-US" altLang="ja-JP" dirty="0" err="1">
+                <a:latin typeface="Yu Gothic" panose="020B0400000000000000" pitchFamily="34" charset="-128"/>
+                <a:ea typeface="Yu Gothic" panose="020B0400000000000000" pitchFamily="34" charset="-128"/>
+              </a:rPr>
+              <a:t>src</a:t>
+            </a:r>
+            <a:r>
+              <a:rPr lang="en-US" altLang="ja-JP" dirty="0">
+                <a:latin typeface="Yu Gothic" panose="020B0400000000000000" pitchFamily="34" charset="-128"/>
+                <a:ea typeface="Yu Gothic" panose="020B0400000000000000" pitchFamily="34" charset="-128"/>
+              </a:rPr>
+              <a:t>/</a:t>
+            </a:r>
+            <a:r>
+              <a:rPr lang="en-US" altLang="ja-JP" dirty="0" err="1">
+                <a:latin typeface="Yu Gothic" panose="020B0400000000000000" pitchFamily="34" charset="-128"/>
+                <a:ea typeface="Yu Gothic" panose="020B0400000000000000" pitchFamily="34" charset="-128"/>
+              </a:rPr>
+              <a:t>preset.py</a:t>
+            </a:r>
+            <a:endParaRPr kumimoji="1" lang="ja-JP" altLang="en-US" dirty="0">
+              <a:latin typeface="Yu Gothic" panose="020B0400000000000000" pitchFamily="34" charset="-128"/>
+              <a:ea typeface="Yu Gothic" panose="020B0400000000000000" pitchFamily="34" charset="-128"/>
+            </a:endParaRPr>
+          </a:p>
+        </p:txBody>
+      </p:sp>
+      <p:sp>
+        <p:nvSpPr>
+          <p:cNvPr id="6" name="テキスト ボックス 5">
+            <a:extLst>
+              <a:ext uri="{FF2B5EF4-FFF2-40B4-BE49-F238E27FC236}">
+                <a16:creationId xmlns:a16="http://schemas.microsoft.com/office/drawing/2014/main" id="{BBB531BD-0B09-AF43-AD16-5E4C879F357C}"/>
+              </a:ext>
+            </a:extLst>
+          </p:cNvPr>
+          <p:cNvSpPr txBox="1"/>
+          <p:nvPr/>
+        </p:nvSpPr>
+        <p:spPr>
+          <a:xfrm>
+            <a:off x="2679530" y="4951875"/>
+            <a:ext cx="655949" cy="369332"/>
+          </a:xfrm>
+          <a:prstGeom prst="rect">
+            <a:avLst/>
+          </a:prstGeom>
+          <a:noFill/>
+        </p:spPr>
+        <p:txBody>
+          <a:bodyPr wrap="none" rtlCol="0">
+            <a:spAutoFit/>
+          </a:bodyPr>
+          <a:lstStyle/>
+          <a:p>
+            <a:r>
+              <a:rPr kumimoji="1" lang="en-US" altLang="ja-JP" dirty="0">
+                <a:latin typeface="Yu Gothic" panose="020B0400000000000000" pitchFamily="34" charset="-128"/>
+                <a:ea typeface="Yu Gothic" panose="020B0400000000000000" pitchFamily="34" charset="-128"/>
+              </a:rPr>
+              <a:t>data</a:t>
+            </a:r>
             <a:endParaRPr kumimoji="1" lang="ja-JP" altLang="en-US">
               <a:latin typeface="Yu Gothic" panose="020B0400000000000000" pitchFamily="34" charset="-128"/>
               <a:ea typeface="Yu Gothic" panose="020B0400000000000000" pitchFamily="34" charset="-128"/>
@@ -4658,14 +4689,20 @@
       </p:sp>
       <p:sp>
         <p:nvSpPr>
-          <p:cNvPr id="13" name="テキスト ボックス 12"/>
+          <p:cNvPr id="8" name="テキスト ボックス 7">
+            <a:extLst>
+              <a:ext uri="{FF2B5EF4-FFF2-40B4-BE49-F238E27FC236}">
+                <a16:creationId xmlns:a16="http://schemas.microsoft.com/office/drawing/2014/main" id="{9894F572-2395-2D41-A74B-F6472737F5D0}"/>
+              </a:ext>
+            </a:extLst>
+          </p:cNvPr>
           <p:cNvSpPr txBox="1"/>
           <p:nvPr/>
         </p:nvSpPr>
         <p:spPr>
           <a:xfrm>
-            <a:off x="3902697" y="6078170"/>
-            <a:ext cx="6223178" cy="369332"/>
+            <a:off x="3938689" y="4582543"/>
+            <a:ext cx="707245" cy="369332"/>
           </a:xfrm>
           <a:prstGeom prst="rect">
             <a:avLst/>
@@ -4679,39 +4716,745 @@
           <a:lstStyle/>
           <a:p>
             <a:r>
+              <a:rPr kumimoji="1" lang="en-US" altLang="ja-JP" dirty="0">
+                <a:latin typeface="Yu Gothic" panose="020B0400000000000000" pitchFamily="34" charset="-128"/>
+                <a:ea typeface="Yu Gothic" panose="020B0400000000000000" pitchFamily="34" charset="-128"/>
+              </a:rPr>
+              <a:t>main</a:t>
+            </a:r>
+            <a:endParaRPr kumimoji="1" lang="ja-JP" altLang="en-US">
+              <a:latin typeface="Yu Gothic" panose="020B0400000000000000" pitchFamily="34" charset="-128"/>
+              <a:ea typeface="Yu Gothic" panose="020B0400000000000000" pitchFamily="34" charset="-128"/>
+            </a:endParaRPr>
+          </a:p>
+        </p:txBody>
+      </p:sp>
+      <p:sp>
+        <p:nvSpPr>
+          <p:cNvPr id="16" name="テキスト ボックス 15">
+            <a:extLst>
+              <a:ext uri="{FF2B5EF4-FFF2-40B4-BE49-F238E27FC236}">
+                <a16:creationId xmlns:a16="http://schemas.microsoft.com/office/drawing/2014/main" id="{C55141CE-F94E-8B44-861E-F28B26ACF7AB}"/>
+              </a:ext>
+            </a:extLst>
+          </p:cNvPr>
+          <p:cNvSpPr txBox="1"/>
+          <p:nvPr/>
+        </p:nvSpPr>
+        <p:spPr>
+          <a:xfrm>
+            <a:off x="3938689" y="5316063"/>
+            <a:ext cx="814647" cy="369332"/>
+          </a:xfrm>
+          <a:prstGeom prst="rect">
+            <a:avLst/>
+          </a:prstGeom>
+          <a:noFill/>
+        </p:spPr>
+        <p:txBody>
+          <a:bodyPr wrap="none" rtlCol="0">
+            <a:spAutoFit/>
+          </a:bodyPr>
+          <a:lstStyle/>
+          <a:p>
+            <a:r>
+              <a:rPr kumimoji="1" lang="en-US" altLang="ja-JP" dirty="0">
+                <a:latin typeface="Yu Gothic" panose="020B0400000000000000" pitchFamily="34" charset="-128"/>
+                <a:ea typeface="Yu Gothic" panose="020B0400000000000000" pitchFamily="34" charset="-128"/>
+              </a:rPr>
+              <a:t>target</a:t>
+            </a:r>
+            <a:endParaRPr kumimoji="1" lang="ja-JP" altLang="en-US">
+              <a:latin typeface="Yu Gothic" panose="020B0400000000000000" pitchFamily="34" charset="-128"/>
+              <a:ea typeface="Yu Gothic" panose="020B0400000000000000" pitchFamily="34" charset="-128"/>
+            </a:endParaRPr>
+          </a:p>
+        </p:txBody>
+      </p:sp>
+      <p:sp>
+        <p:nvSpPr>
+          <p:cNvPr id="18" name="テキスト ボックス 17">
+            <a:extLst>
+              <a:ext uri="{FF2B5EF4-FFF2-40B4-BE49-F238E27FC236}">
+                <a16:creationId xmlns:a16="http://schemas.microsoft.com/office/drawing/2014/main" id="{4B035FC1-D63D-2D4E-9FD0-F57FADAD98E9}"/>
+              </a:ext>
+            </a:extLst>
+          </p:cNvPr>
+          <p:cNvSpPr txBox="1"/>
+          <p:nvPr/>
+        </p:nvSpPr>
+        <p:spPr>
+          <a:xfrm>
+            <a:off x="1068513" y="4951875"/>
+            <a:ext cx="1172116" cy="369332"/>
+          </a:xfrm>
+          <a:prstGeom prst="rect">
+            <a:avLst/>
+          </a:prstGeom>
+          <a:noFill/>
+        </p:spPr>
+        <p:txBody>
+          <a:bodyPr wrap="none" rtlCol="0">
+            <a:spAutoFit/>
+          </a:bodyPr>
+          <a:lstStyle/>
+          <a:p>
+            <a:r>
+              <a:rPr kumimoji="1" lang="en-US" altLang="ja-JP" dirty="0" err="1">
+                <a:latin typeface="Yu Gothic" panose="020B0400000000000000" pitchFamily="34" charset="-128"/>
+                <a:ea typeface="Yu Gothic" panose="020B0400000000000000" pitchFamily="34" charset="-128"/>
+              </a:rPr>
+              <a:t>NLP_test</a:t>
+            </a:r>
+            <a:endParaRPr kumimoji="1" lang="ja-JP" altLang="en-US">
+              <a:latin typeface="Yu Gothic" panose="020B0400000000000000" pitchFamily="34" charset="-128"/>
+              <a:ea typeface="Yu Gothic" panose="020B0400000000000000" pitchFamily="34" charset="-128"/>
+            </a:endParaRPr>
+          </a:p>
+        </p:txBody>
+      </p:sp>
+      <p:sp>
+        <p:nvSpPr>
+          <p:cNvPr id="19" name="テキスト ボックス 18">
+            <a:extLst>
+              <a:ext uri="{FF2B5EF4-FFF2-40B4-BE49-F238E27FC236}">
+                <a16:creationId xmlns:a16="http://schemas.microsoft.com/office/drawing/2014/main" id="{5C32B4D0-B097-DD4C-813D-3664DD776165}"/>
+              </a:ext>
+            </a:extLst>
+          </p:cNvPr>
+          <p:cNvSpPr txBox="1"/>
+          <p:nvPr/>
+        </p:nvSpPr>
+        <p:spPr>
+          <a:xfrm>
+            <a:off x="5034281" y="4065225"/>
+            <a:ext cx="333746" cy="369332"/>
+          </a:xfrm>
+          <a:prstGeom prst="rect">
+            <a:avLst/>
+          </a:prstGeom>
+          <a:noFill/>
+        </p:spPr>
+        <p:txBody>
+          <a:bodyPr wrap="none" rtlCol="0">
+            <a:spAutoFit/>
+          </a:bodyPr>
+          <a:lstStyle/>
+          <a:p>
+            <a:r>
+              <a:rPr kumimoji="1" lang="en-US" altLang="ja-JP" dirty="0">
+                <a:latin typeface="Yu Gothic" panose="020B0400000000000000" pitchFamily="34" charset="-128"/>
+                <a:ea typeface="Yu Gothic" panose="020B0400000000000000" pitchFamily="34" charset="-128"/>
+              </a:rPr>
+              <a:t>A</a:t>
+            </a:r>
+            <a:endParaRPr kumimoji="1" lang="ja-JP" altLang="en-US">
+              <a:latin typeface="Yu Gothic" panose="020B0400000000000000" pitchFamily="34" charset="-128"/>
+              <a:ea typeface="Yu Gothic" panose="020B0400000000000000" pitchFamily="34" charset="-128"/>
+            </a:endParaRPr>
+          </a:p>
+        </p:txBody>
+      </p:sp>
+      <p:sp>
+        <p:nvSpPr>
+          <p:cNvPr id="20" name="テキスト ボックス 19">
+            <a:extLst>
+              <a:ext uri="{FF2B5EF4-FFF2-40B4-BE49-F238E27FC236}">
+                <a16:creationId xmlns:a16="http://schemas.microsoft.com/office/drawing/2014/main" id="{D4E67E5F-20F1-3F4C-AE05-11E03F2A561A}"/>
+              </a:ext>
+            </a:extLst>
+          </p:cNvPr>
+          <p:cNvSpPr txBox="1"/>
+          <p:nvPr/>
+        </p:nvSpPr>
+        <p:spPr>
+          <a:xfrm>
+            <a:off x="5034281" y="5486938"/>
+            <a:ext cx="312906" cy="369332"/>
+          </a:xfrm>
+          <a:prstGeom prst="rect">
+            <a:avLst/>
+          </a:prstGeom>
+          <a:noFill/>
+        </p:spPr>
+        <p:txBody>
+          <a:bodyPr wrap="none" rtlCol="0">
+            <a:spAutoFit/>
+          </a:bodyPr>
+          <a:lstStyle/>
+          <a:p>
+            <a:r>
+              <a:rPr kumimoji="1" lang="en-US" altLang="ja-JP" dirty="0">
+                <a:latin typeface="Yu Gothic" panose="020B0400000000000000" pitchFamily="34" charset="-128"/>
+                <a:ea typeface="Yu Gothic" panose="020B0400000000000000" pitchFamily="34" charset="-128"/>
+              </a:rPr>
+              <a:t>a</a:t>
+            </a:r>
+            <a:endParaRPr kumimoji="1" lang="ja-JP" altLang="en-US">
+              <a:latin typeface="Yu Gothic" panose="020B0400000000000000" pitchFamily="34" charset="-128"/>
+              <a:ea typeface="Yu Gothic" panose="020B0400000000000000" pitchFamily="34" charset="-128"/>
+            </a:endParaRPr>
+          </a:p>
+        </p:txBody>
+      </p:sp>
+      <p:sp>
+        <p:nvSpPr>
+          <p:cNvPr id="21" name="テキスト ボックス 20">
+            <a:extLst>
+              <a:ext uri="{FF2B5EF4-FFF2-40B4-BE49-F238E27FC236}">
+                <a16:creationId xmlns:a16="http://schemas.microsoft.com/office/drawing/2014/main" id="{03908EC2-B869-194E-9275-560CEE5B6005}"/>
+              </a:ext>
+            </a:extLst>
+          </p:cNvPr>
+          <p:cNvSpPr txBox="1"/>
+          <p:nvPr/>
+        </p:nvSpPr>
+        <p:spPr>
+          <a:xfrm>
+            <a:off x="6013776" y="4065225"/>
+            <a:ext cx="856325" cy="369332"/>
+          </a:xfrm>
+          <a:prstGeom prst="rect">
+            <a:avLst/>
+          </a:prstGeom>
+          <a:noFill/>
+        </p:spPr>
+        <p:txBody>
+          <a:bodyPr wrap="none" rtlCol="0">
+            <a:spAutoFit/>
+          </a:bodyPr>
+          <a:lstStyle/>
+          <a:p>
+            <a:r>
               <a:rPr lang="en-US" altLang="ja-JP" dirty="0" err="1">
                 <a:latin typeface="Yu Gothic" panose="020B0400000000000000" pitchFamily="34" charset="-128"/>
                 <a:ea typeface="Yu Gothic" panose="020B0400000000000000" pitchFamily="34" charset="-128"/>
               </a:rPr>
-              <a:t>f</a:t>
-            </a:r>
-            <a:r>
-              <a:rPr kumimoji="1" lang="en-US" altLang="ja-JP">
-                <a:latin typeface="Yu Gothic" panose="020B0400000000000000" pitchFamily="34" charset="-128"/>
-                <a:ea typeface="Yu Gothic" panose="020B0400000000000000" pitchFamily="34" charset="-128"/>
-              </a:rPr>
-              <a:t>asttext</a:t>
-            </a:r>
-            <a:r>
-              <a:rPr kumimoji="1" lang="ja-JP" altLang="en-US" dirty="0">
-                <a:latin typeface="Yu Gothic" panose="020B0400000000000000" pitchFamily="34" charset="-128"/>
-                <a:ea typeface="Yu Gothic" panose="020B0400000000000000" pitchFamily="34" charset="-128"/>
-              </a:rPr>
-              <a:t>を用いて学習した結果</a:t>
-            </a:r>
+              <a:t>xxx.txt</a:t>
+            </a:r>
+            <a:endParaRPr kumimoji="1" lang="ja-JP" altLang="en-US">
+              <a:latin typeface="Yu Gothic" panose="020B0400000000000000" pitchFamily="34" charset="-128"/>
+              <a:ea typeface="Yu Gothic" panose="020B0400000000000000" pitchFamily="34" charset="-128"/>
+            </a:endParaRPr>
+          </a:p>
+        </p:txBody>
+      </p:sp>
+      <p:sp>
+        <p:nvSpPr>
+          <p:cNvPr id="22" name="テキスト ボックス 21">
+            <a:extLst>
+              <a:ext uri="{FF2B5EF4-FFF2-40B4-BE49-F238E27FC236}">
+                <a16:creationId xmlns:a16="http://schemas.microsoft.com/office/drawing/2014/main" id="{9D0C0EAB-BB89-D74E-A70A-AAC21909A7B7}"/>
+              </a:ext>
+            </a:extLst>
+          </p:cNvPr>
+          <p:cNvSpPr txBox="1"/>
+          <p:nvPr/>
+        </p:nvSpPr>
+        <p:spPr>
+          <a:xfrm>
+            <a:off x="6008968" y="5486938"/>
+            <a:ext cx="861133" cy="369332"/>
+          </a:xfrm>
+          <a:prstGeom prst="rect">
+            <a:avLst/>
+          </a:prstGeom>
+          <a:noFill/>
+        </p:spPr>
+        <p:txBody>
+          <a:bodyPr wrap="none" rtlCol="0">
+            <a:spAutoFit/>
+          </a:bodyPr>
+          <a:lstStyle/>
+          <a:p>
+            <a:r>
+              <a:rPr kumimoji="1" lang="en-US" altLang="ja-JP" dirty="0" err="1">
+                <a:latin typeface="Yu Gothic" panose="020B0400000000000000" pitchFamily="34" charset="-128"/>
+                <a:ea typeface="Yu Gothic" panose="020B0400000000000000" pitchFamily="34" charset="-128"/>
+              </a:rPr>
+              <a:t>yyy.txt</a:t>
+            </a:r>
+            <a:endParaRPr kumimoji="1" lang="ja-JP" altLang="en-US">
+              <a:latin typeface="Yu Gothic" panose="020B0400000000000000" pitchFamily="34" charset="-128"/>
+              <a:ea typeface="Yu Gothic" panose="020B0400000000000000" pitchFamily="34" charset="-128"/>
+            </a:endParaRPr>
+          </a:p>
+        </p:txBody>
+      </p:sp>
+      <p:cxnSp>
+        <p:nvCxnSpPr>
+          <p:cNvPr id="24" name="直線コネクタ 23">
+            <a:extLst>
+              <a:ext uri="{FF2B5EF4-FFF2-40B4-BE49-F238E27FC236}">
+                <a16:creationId xmlns:a16="http://schemas.microsoft.com/office/drawing/2014/main" id="{B0A2A25C-EF6B-374B-A461-6493FCE4B6FF}"/>
+              </a:ext>
+            </a:extLst>
+          </p:cNvPr>
+          <p:cNvCxnSpPr>
+            <a:stCxn id="18" idx="3"/>
+            <a:endCxn id="6" idx="1"/>
+          </p:cNvCxnSpPr>
+          <p:nvPr/>
+        </p:nvCxnSpPr>
+        <p:spPr>
+          <a:xfrm>
+            <a:off x="2240629" y="5136541"/>
+            <a:ext cx="438901" cy="0"/>
+          </a:xfrm>
+          <a:prstGeom prst="line">
+            <a:avLst/>
+          </a:prstGeom>
+        </p:spPr>
+        <p:style>
+          <a:lnRef idx="1">
+            <a:schemeClr val="accent1"/>
+          </a:lnRef>
+          <a:fillRef idx="0">
+            <a:schemeClr val="accent1"/>
+          </a:fillRef>
+          <a:effectRef idx="0">
+            <a:schemeClr val="accent1"/>
+          </a:effectRef>
+          <a:fontRef idx="minor">
+            <a:schemeClr val="tx1"/>
+          </a:fontRef>
+        </p:style>
+      </p:cxnSp>
+      <p:cxnSp>
+        <p:nvCxnSpPr>
+          <p:cNvPr id="26" name="直線コネクタ 25">
+            <a:extLst>
+              <a:ext uri="{FF2B5EF4-FFF2-40B4-BE49-F238E27FC236}">
+                <a16:creationId xmlns:a16="http://schemas.microsoft.com/office/drawing/2014/main" id="{6960A2D9-9358-1144-9350-C466B2F668BE}"/>
+              </a:ext>
+            </a:extLst>
+          </p:cNvPr>
+          <p:cNvCxnSpPr>
+            <a:stCxn id="6" idx="3"/>
+            <a:endCxn id="8" idx="1"/>
+          </p:cNvCxnSpPr>
+          <p:nvPr/>
+        </p:nvCxnSpPr>
+        <p:spPr>
+          <a:xfrm flipV="1">
+            <a:off x="3335479" y="4767209"/>
+            <a:ext cx="603210" cy="369332"/>
+          </a:xfrm>
+          <a:prstGeom prst="line">
+            <a:avLst/>
+          </a:prstGeom>
+        </p:spPr>
+        <p:style>
+          <a:lnRef idx="1">
+            <a:schemeClr val="accent1"/>
+          </a:lnRef>
+          <a:fillRef idx="0">
+            <a:schemeClr val="accent1"/>
+          </a:fillRef>
+          <a:effectRef idx="0">
+            <a:schemeClr val="accent1"/>
+          </a:effectRef>
+          <a:fontRef idx="minor">
+            <a:schemeClr val="tx1"/>
+          </a:fontRef>
+        </p:style>
+      </p:cxnSp>
+      <p:cxnSp>
+        <p:nvCxnSpPr>
+          <p:cNvPr id="28" name="直線コネクタ 27">
+            <a:extLst>
+              <a:ext uri="{FF2B5EF4-FFF2-40B4-BE49-F238E27FC236}">
+                <a16:creationId xmlns:a16="http://schemas.microsoft.com/office/drawing/2014/main" id="{E293F13F-F917-2744-ABBE-D070EBA9C43D}"/>
+              </a:ext>
+            </a:extLst>
+          </p:cNvPr>
+          <p:cNvCxnSpPr>
+            <a:stCxn id="6" idx="3"/>
+            <a:endCxn id="16" idx="1"/>
+          </p:cNvCxnSpPr>
+          <p:nvPr/>
+        </p:nvCxnSpPr>
+        <p:spPr>
+          <a:xfrm>
+            <a:off x="3335479" y="5136541"/>
+            <a:ext cx="603210" cy="364188"/>
+          </a:xfrm>
+          <a:prstGeom prst="line">
+            <a:avLst/>
+          </a:prstGeom>
+        </p:spPr>
+        <p:style>
+          <a:lnRef idx="1">
+            <a:schemeClr val="accent1"/>
+          </a:lnRef>
+          <a:fillRef idx="0">
+            <a:schemeClr val="accent1"/>
+          </a:fillRef>
+          <a:effectRef idx="0">
+            <a:schemeClr val="accent1"/>
+          </a:effectRef>
+          <a:fontRef idx="minor">
+            <a:schemeClr val="tx1"/>
+          </a:fontRef>
+        </p:style>
+      </p:cxnSp>
+      <p:cxnSp>
+        <p:nvCxnSpPr>
+          <p:cNvPr id="30" name="直線コネクタ 29">
+            <a:extLst>
+              <a:ext uri="{FF2B5EF4-FFF2-40B4-BE49-F238E27FC236}">
+                <a16:creationId xmlns:a16="http://schemas.microsoft.com/office/drawing/2014/main" id="{2D9BBC02-7746-4144-B874-47AE095B39E4}"/>
+              </a:ext>
+            </a:extLst>
+          </p:cNvPr>
+          <p:cNvCxnSpPr>
+            <a:stCxn id="8" idx="3"/>
+            <a:endCxn id="19" idx="1"/>
+          </p:cNvCxnSpPr>
+          <p:nvPr/>
+        </p:nvCxnSpPr>
+        <p:spPr>
+          <a:xfrm flipV="1">
+            <a:off x="4645934" y="4249891"/>
+            <a:ext cx="388347" cy="517318"/>
+          </a:xfrm>
+          <a:prstGeom prst="line">
+            <a:avLst/>
+          </a:prstGeom>
+        </p:spPr>
+        <p:style>
+          <a:lnRef idx="1">
+            <a:schemeClr val="accent1"/>
+          </a:lnRef>
+          <a:fillRef idx="0">
+            <a:schemeClr val="accent1"/>
+          </a:fillRef>
+          <a:effectRef idx="0">
+            <a:schemeClr val="accent1"/>
+          </a:effectRef>
+          <a:fontRef idx="minor">
+            <a:schemeClr val="tx1"/>
+          </a:fontRef>
+        </p:style>
+      </p:cxnSp>
+      <p:cxnSp>
+        <p:nvCxnSpPr>
+          <p:cNvPr id="32" name="直線コネクタ 31">
+            <a:extLst>
+              <a:ext uri="{FF2B5EF4-FFF2-40B4-BE49-F238E27FC236}">
+                <a16:creationId xmlns:a16="http://schemas.microsoft.com/office/drawing/2014/main" id="{2196E981-F144-B340-9AB4-DF9EC19EB402}"/>
+              </a:ext>
+            </a:extLst>
+          </p:cNvPr>
+          <p:cNvCxnSpPr>
+            <a:stCxn id="16" idx="3"/>
+            <a:endCxn id="20" idx="1"/>
+          </p:cNvCxnSpPr>
+          <p:nvPr/>
+        </p:nvCxnSpPr>
+        <p:spPr>
+          <a:xfrm>
+            <a:off x="4753336" y="5500729"/>
+            <a:ext cx="280945" cy="170875"/>
+          </a:xfrm>
+          <a:prstGeom prst="line">
+            <a:avLst/>
+          </a:prstGeom>
+        </p:spPr>
+        <p:style>
+          <a:lnRef idx="1">
+            <a:schemeClr val="accent1"/>
+          </a:lnRef>
+          <a:fillRef idx="0">
+            <a:schemeClr val="accent1"/>
+          </a:fillRef>
+          <a:effectRef idx="0">
+            <a:schemeClr val="accent1"/>
+          </a:effectRef>
+          <a:fontRef idx="minor">
+            <a:schemeClr val="tx1"/>
+          </a:fontRef>
+        </p:style>
+      </p:cxnSp>
+      <p:cxnSp>
+        <p:nvCxnSpPr>
+          <p:cNvPr id="34" name="直線コネクタ 33">
+            <a:extLst>
+              <a:ext uri="{FF2B5EF4-FFF2-40B4-BE49-F238E27FC236}">
+                <a16:creationId xmlns:a16="http://schemas.microsoft.com/office/drawing/2014/main" id="{D0CBFFB8-8239-3742-A52B-E7463BB1B172}"/>
+              </a:ext>
+            </a:extLst>
+          </p:cNvPr>
+          <p:cNvCxnSpPr>
+            <a:stCxn id="19" idx="3"/>
+            <a:endCxn id="21" idx="1"/>
+          </p:cNvCxnSpPr>
+          <p:nvPr/>
+        </p:nvCxnSpPr>
+        <p:spPr>
+          <a:xfrm>
+            <a:off x="5368027" y="4249891"/>
+            <a:ext cx="645749" cy="0"/>
+          </a:xfrm>
+          <a:prstGeom prst="line">
+            <a:avLst/>
+          </a:prstGeom>
+        </p:spPr>
+        <p:style>
+          <a:lnRef idx="1">
+            <a:schemeClr val="accent1"/>
+          </a:lnRef>
+          <a:fillRef idx="0">
+            <a:schemeClr val="accent1"/>
+          </a:fillRef>
+          <a:effectRef idx="0">
+            <a:schemeClr val="accent1"/>
+          </a:effectRef>
+          <a:fontRef idx="minor">
+            <a:schemeClr val="tx1"/>
+          </a:fontRef>
+        </p:style>
+      </p:cxnSp>
+      <p:cxnSp>
+        <p:nvCxnSpPr>
+          <p:cNvPr id="36" name="直線コネクタ 35">
+            <a:extLst>
+              <a:ext uri="{FF2B5EF4-FFF2-40B4-BE49-F238E27FC236}">
+                <a16:creationId xmlns:a16="http://schemas.microsoft.com/office/drawing/2014/main" id="{05AA5B19-1875-144B-A418-4D636C6267FF}"/>
+              </a:ext>
+            </a:extLst>
+          </p:cNvPr>
+          <p:cNvCxnSpPr>
+            <a:endCxn id="22" idx="1"/>
+          </p:cNvCxnSpPr>
+          <p:nvPr/>
+        </p:nvCxnSpPr>
+        <p:spPr>
+          <a:xfrm>
+            <a:off x="5368027" y="5671604"/>
+            <a:ext cx="640941" cy="0"/>
+          </a:xfrm>
+          <a:prstGeom prst="line">
+            <a:avLst/>
+          </a:prstGeom>
+        </p:spPr>
+        <p:style>
+          <a:lnRef idx="1">
+            <a:schemeClr val="accent1"/>
+          </a:lnRef>
+          <a:fillRef idx="0">
+            <a:schemeClr val="accent1"/>
+          </a:fillRef>
+          <a:effectRef idx="0">
+            <a:schemeClr val="accent1"/>
+          </a:effectRef>
+          <a:fontRef idx="minor">
+            <a:schemeClr val="tx1"/>
+          </a:fontRef>
+        </p:style>
+      </p:cxnSp>
+      <p:sp>
+        <p:nvSpPr>
+          <p:cNvPr id="37" name="テキスト ボックス 36">
+            <a:extLst>
+              <a:ext uri="{FF2B5EF4-FFF2-40B4-BE49-F238E27FC236}">
+                <a16:creationId xmlns:a16="http://schemas.microsoft.com/office/drawing/2014/main" id="{1A25783A-DE8D-794E-9080-FC5BC830B417}"/>
+              </a:ext>
+            </a:extLst>
+          </p:cNvPr>
+          <p:cNvSpPr txBox="1"/>
+          <p:nvPr/>
+        </p:nvSpPr>
+        <p:spPr>
+          <a:xfrm>
+            <a:off x="5029472" y="4524318"/>
+            <a:ext cx="415498" cy="369332"/>
+          </a:xfrm>
+          <a:prstGeom prst="rect">
+            <a:avLst/>
+          </a:prstGeom>
+          <a:noFill/>
+        </p:spPr>
+        <p:txBody>
+          <a:bodyPr wrap="none" rtlCol="0">
+            <a:spAutoFit/>
+          </a:bodyPr>
+          <a:lstStyle/>
+          <a:p>
             <a:r>
               <a:rPr kumimoji="1" lang="en-US" altLang="ja-JP" dirty="0">
                 <a:latin typeface="Yu Gothic" panose="020B0400000000000000" pitchFamily="34" charset="-128"/>
                 <a:ea typeface="Yu Gothic" panose="020B0400000000000000" pitchFamily="34" charset="-128"/>
               </a:rPr>
-              <a:t>fasttext_1.model</a:t>
-            </a:r>
-            <a:r>
-              <a:rPr kumimoji="1" lang="ja-JP" altLang="en-US" dirty="0">
-                <a:latin typeface="Yu Gothic" panose="020B0400000000000000" pitchFamily="34" charset="-128"/>
-                <a:ea typeface="Yu Gothic" panose="020B0400000000000000" pitchFamily="34" charset="-128"/>
-              </a:rPr>
-              <a:t>を保存する</a:t>
+              <a:t>…</a:t>
+            </a:r>
+            <a:endParaRPr kumimoji="1" lang="ja-JP" altLang="en-US">
+              <a:latin typeface="Yu Gothic" panose="020B0400000000000000" pitchFamily="34" charset="-128"/>
+              <a:ea typeface="Yu Gothic" panose="020B0400000000000000" pitchFamily="34" charset="-128"/>
+            </a:endParaRPr>
+          </a:p>
+        </p:txBody>
+      </p:sp>
+      <p:sp>
+        <p:nvSpPr>
+          <p:cNvPr id="38" name="テキスト ボックス 37">
+            <a:extLst>
+              <a:ext uri="{FF2B5EF4-FFF2-40B4-BE49-F238E27FC236}">
+                <a16:creationId xmlns:a16="http://schemas.microsoft.com/office/drawing/2014/main" id="{C20D87D3-9376-FE47-B17C-D13E2D5F59CD}"/>
+              </a:ext>
+            </a:extLst>
+          </p:cNvPr>
+          <p:cNvSpPr txBox="1"/>
+          <p:nvPr/>
+        </p:nvSpPr>
+        <p:spPr>
+          <a:xfrm>
+            <a:off x="6008968" y="4524318"/>
+            <a:ext cx="415498" cy="369332"/>
+          </a:xfrm>
+          <a:prstGeom prst="rect">
+            <a:avLst/>
+          </a:prstGeom>
+          <a:noFill/>
+        </p:spPr>
+        <p:txBody>
+          <a:bodyPr wrap="none" rtlCol="0">
+            <a:spAutoFit/>
+          </a:bodyPr>
+          <a:lstStyle/>
+          <a:p>
+            <a:r>
+              <a:rPr kumimoji="1" lang="en-US" altLang="ja-JP" dirty="0">
+                <a:latin typeface="Yu Gothic" panose="020B0400000000000000" pitchFamily="34" charset="-128"/>
+                <a:ea typeface="Yu Gothic" panose="020B0400000000000000" pitchFamily="34" charset="-128"/>
+              </a:rPr>
+              <a:t>…</a:t>
+            </a:r>
+            <a:endParaRPr kumimoji="1" lang="ja-JP" altLang="en-US">
+              <a:latin typeface="Yu Gothic" panose="020B0400000000000000" pitchFamily="34" charset="-128"/>
+              <a:ea typeface="Yu Gothic" panose="020B0400000000000000" pitchFamily="34" charset="-128"/>
+            </a:endParaRPr>
+          </a:p>
+        </p:txBody>
+      </p:sp>
+      <p:sp>
+        <p:nvSpPr>
+          <p:cNvPr id="39" name="テキスト ボックス 38">
+            <a:extLst>
+              <a:ext uri="{FF2B5EF4-FFF2-40B4-BE49-F238E27FC236}">
+                <a16:creationId xmlns:a16="http://schemas.microsoft.com/office/drawing/2014/main" id="{6E6FCAD1-6674-964E-A8C4-2023760B1BD5}"/>
+              </a:ext>
+            </a:extLst>
+          </p:cNvPr>
+          <p:cNvSpPr txBox="1"/>
+          <p:nvPr/>
+        </p:nvSpPr>
+        <p:spPr>
+          <a:xfrm>
+            <a:off x="5029472" y="5946031"/>
+            <a:ext cx="415498" cy="369332"/>
+          </a:xfrm>
+          <a:prstGeom prst="rect">
+            <a:avLst/>
+          </a:prstGeom>
+          <a:noFill/>
+        </p:spPr>
+        <p:txBody>
+          <a:bodyPr wrap="none" rtlCol="0">
+            <a:spAutoFit/>
+          </a:bodyPr>
+          <a:lstStyle/>
+          <a:p>
+            <a:r>
+              <a:rPr kumimoji="1" lang="en-US" altLang="ja-JP" dirty="0">
+                <a:latin typeface="Yu Gothic" panose="020B0400000000000000" pitchFamily="34" charset="-128"/>
+                <a:ea typeface="Yu Gothic" panose="020B0400000000000000" pitchFamily="34" charset="-128"/>
+              </a:rPr>
+              <a:t>…</a:t>
+            </a:r>
+            <a:endParaRPr kumimoji="1" lang="ja-JP" altLang="en-US">
+              <a:latin typeface="Yu Gothic" panose="020B0400000000000000" pitchFamily="34" charset="-128"/>
+              <a:ea typeface="Yu Gothic" panose="020B0400000000000000" pitchFamily="34" charset="-128"/>
+            </a:endParaRPr>
+          </a:p>
+        </p:txBody>
+      </p:sp>
+      <p:sp>
+        <p:nvSpPr>
+          <p:cNvPr id="40" name="テキスト ボックス 39">
+            <a:extLst>
+              <a:ext uri="{FF2B5EF4-FFF2-40B4-BE49-F238E27FC236}">
+                <a16:creationId xmlns:a16="http://schemas.microsoft.com/office/drawing/2014/main" id="{18485F37-CE6A-1742-AF40-60A73B92B599}"/>
+              </a:ext>
+            </a:extLst>
+          </p:cNvPr>
+          <p:cNvSpPr txBox="1"/>
+          <p:nvPr/>
+        </p:nvSpPr>
+        <p:spPr>
+          <a:xfrm>
+            <a:off x="6008968" y="5946031"/>
+            <a:ext cx="415498" cy="369332"/>
+          </a:xfrm>
+          <a:prstGeom prst="rect">
+            <a:avLst/>
+          </a:prstGeom>
+          <a:noFill/>
+        </p:spPr>
+        <p:txBody>
+          <a:bodyPr wrap="none" rtlCol="0">
+            <a:spAutoFit/>
+          </a:bodyPr>
+          <a:lstStyle/>
+          <a:p>
+            <a:r>
+              <a:rPr kumimoji="1" lang="en-US" altLang="ja-JP" dirty="0">
+                <a:latin typeface="Yu Gothic" panose="020B0400000000000000" pitchFamily="34" charset="-128"/>
+                <a:ea typeface="Yu Gothic" panose="020B0400000000000000" pitchFamily="34" charset="-128"/>
+              </a:rPr>
+              <a:t>…</a:t>
+            </a:r>
+            <a:endParaRPr kumimoji="1" lang="ja-JP" altLang="en-US">
+              <a:latin typeface="Yu Gothic" panose="020B0400000000000000" pitchFamily="34" charset="-128"/>
+              <a:ea typeface="Yu Gothic" panose="020B0400000000000000" pitchFamily="34" charset="-128"/>
+            </a:endParaRPr>
+          </a:p>
+        </p:txBody>
+      </p:sp>
+      <p:sp>
+        <p:nvSpPr>
+          <p:cNvPr id="42" name="テキスト ボックス 41">
+            <a:extLst>
+              <a:ext uri="{FF2B5EF4-FFF2-40B4-BE49-F238E27FC236}">
+                <a16:creationId xmlns:a16="http://schemas.microsoft.com/office/drawing/2014/main" id="{3F17FD65-F09E-7249-9957-AFA2867B59F7}"/>
+              </a:ext>
+            </a:extLst>
+          </p:cNvPr>
+          <p:cNvSpPr txBox="1"/>
+          <p:nvPr/>
+        </p:nvSpPr>
+        <p:spPr>
+          <a:xfrm>
+            <a:off x="8575376" y="4989301"/>
+            <a:ext cx="3416320" cy="369332"/>
+          </a:xfrm>
+          <a:prstGeom prst="rect">
+            <a:avLst/>
+          </a:prstGeom>
+          <a:noFill/>
+        </p:spPr>
+        <p:txBody>
+          <a:bodyPr wrap="none" rtlCol="0">
+            <a:spAutoFit/>
+          </a:bodyPr>
+          <a:lstStyle/>
+          <a:p>
+            <a:r>
+              <a:rPr kumimoji="1" lang="ja-JP" altLang="en-US">
+                <a:latin typeface="Yu Gothic" panose="020B0400000000000000" pitchFamily="34" charset="-128"/>
+                <a:ea typeface="Yu Gothic" panose="020B0400000000000000" pitchFamily="34" charset="-128"/>
+              </a:rPr>
+              <a:t>色付き部分は任意のファイル名</a:t>
             </a:r>
           </a:p>
         </p:txBody>
@@ -4719,7 +5462,7 @@
     </p:spTree>
     <p:extLst>
       <p:ext uri="{BB962C8B-B14F-4D97-AF65-F5344CB8AC3E}">
-        <p14:creationId xmlns:p14="http://schemas.microsoft.com/office/powerpoint/2010/main" val="774897615"/>
+        <p14:creationId xmlns:p14="http://schemas.microsoft.com/office/powerpoint/2010/main" val="242883997"/>
       </p:ext>
     </p:extLst>
   </p:cSld>
@@ -4755,7 +5498,7 @@
         <p:spPr>
           <a:xfrm>
             <a:off x="585627" y="575353"/>
-            <a:ext cx="5926622" cy="707886"/>
+            <a:ext cx="7814960" cy="707886"/>
           </a:xfrm>
           <a:prstGeom prst="rect">
             <a:avLst/>
@@ -4777,12 +5520,12 @@
               <a:t>4. </a:t>
             </a:r>
             <a:r>
-              <a:rPr lang="ja-JP" altLang="en-US" sz="4000">
+              <a:rPr lang="ja-JP" altLang="en-US" sz="4000" dirty="0">
                 <a:latin typeface="Yu Gothic" panose="020B0400000000000000" pitchFamily="34" charset="-128"/>
                 <a:ea typeface="Yu Gothic" panose="020B0400000000000000" pitchFamily="34" charset="-128"/>
                 <a:cs typeface="Meiryo" charset="-128"/>
               </a:rPr>
-              <a:t>実行</a:t>
+              <a:t>学習</a:t>
             </a:r>
             <a:r>
               <a:rPr lang="en-US" altLang="ja-JP" sz="4000" dirty="0">
@@ -4793,12 +5536,12 @@
               <a:t>(</a:t>
             </a:r>
             <a:r>
-              <a:rPr lang="ja-JP" altLang="en-US" sz="4000">
+              <a:rPr lang="ja-JP" altLang="en-US" sz="4000" dirty="0">
                 <a:latin typeface="Yu Gothic" panose="020B0400000000000000" pitchFamily="34" charset="-128"/>
                 <a:ea typeface="Yu Gothic" panose="020B0400000000000000" pitchFamily="34" charset="-128"/>
                 <a:cs typeface="Meiryo" charset="-128"/>
               </a:rPr>
-              <a:t>ベクトルの保存</a:t>
+              <a:t>入力データのベクトル化</a:t>
             </a:r>
             <a:r>
               <a:rPr lang="en-US" altLang="ja-JP" sz="4000" dirty="0">
@@ -4904,7 +5647,7 @@
         <p:spPr>
           <a:xfrm>
             <a:off x="1068513" y="3044858"/>
-            <a:ext cx="5003293" cy="369332"/>
+            <a:ext cx="5083443" cy="369332"/>
           </a:xfrm>
           <a:prstGeom prst="rect">
             <a:avLst/>
@@ -4950,7 +5693,7 @@
                 <a:latin typeface="Yu Gothic" panose="020B0400000000000000" pitchFamily="34" charset="-128"/>
                 <a:ea typeface="Yu Gothic" panose="020B0400000000000000" pitchFamily="34" charset="-128"/>
               </a:rPr>
-              <a:t> test XXX YYY</a:t>
+              <a:t> train XXX YYY</a:t>
             </a:r>
             <a:endParaRPr kumimoji="1" lang="ja-JP" altLang="en-US" dirty="0">
               <a:latin typeface="Yu Gothic" panose="020B0400000000000000" pitchFamily="34" charset="-128"/>
@@ -5067,18 +5810,11 @@
               <a:t>YYY: </a:t>
             </a:r>
             <a:r>
-              <a:rPr kumimoji="1" lang="ja-JP" altLang="en-US">
-                <a:latin typeface="Yu Gothic" panose="020B0400000000000000" pitchFamily="34" charset="-128"/>
-                <a:ea typeface="Yu Gothic" panose="020B0400000000000000" pitchFamily="34" charset="-128"/>
-              </a:rPr>
-              <a:t>ベクトルの</a:t>
-            </a:r>
-            <a:r>
               <a:rPr kumimoji="1" lang="ja-JP" altLang="en-US" dirty="0">
                 <a:latin typeface="Yu Gothic" panose="020B0400000000000000" pitchFamily="34" charset="-128"/>
                 <a:ea typeface="Yu Gothic" panose="020B0400000000000000" pitchFamily="34" charset="-128"/>
               </a:rPr>
-              <a:t>保存ファイル名</a:t>
+              <a:t>学習結果の保存ファイル名</a:t>
             </a:r>
           </a:p>
         </p:txBody>
@@ -5092,7 +5828,7 @@
         <p:spPr>
           <a:xfrm>
             <a:off x="1295369" y="5381805"/>
-            <a:ext cx="5048177" cy="369332"/>
+            <a:ext cx="5128327" cy="369332"/>
           </a:xfrm>
           <a:prstGeom prst="rect">
             <a:avLst/>
@@ -5138,7 +5874,7 @@
                 <a:latin typeface="Yu Gothic" panose="020B0400000000000000" pitchFamily="34" charset="-128"/>
                 <a:ea typeface="Yu Gothic" panose="020B0400000000000000" pitchFamily="34" charset="-128"/>
               </a:rPr>
-              <a:t> test </a:t>
+              <a:t> train </a:t>
             </a:r>
             <a:r>
               <a:rPr lang="en-US" altLang="ja-JP" dirty="0" err="1">
@@ -5184,18 +5920,11 @@
           <a:lstStyle/>
           <a:p>
             <a:r>
-              <a:rPr lang="en-US" altLang="ja-JP" dirty="0">
-                <a:latin typeface="Yu Gothic" panose="020B0400000000000000" pitchFamily="34" charset="-128"/>
-                <a:ea typeface="Yu Gothic" panose="020B0400000000000000" pitchFamily="34" charset="-128"/>
-              </a:rPr>
-              <a:t>e</a:t>
-            </a:r>
-            <a:r>
               <a:rPr kumimoji="1" lang="en-US" altLang="ja-JP" dirty="0">
                 <a:latin typeface="Yu Gothic" panose="020B0400000000000000" pitchFamily="34" charset="-128"/>
                 <a:ea typeface="Yu Gothic" panose="020B0400000000000000" pitchFamily="34" charset="-128"/>
               </a:rPr>
-              <a:t>x.</a:t>
+              <a:t>ex.</a:t>
             </a:r>
             <a:endParaRPr kumimoji="1" lang="ja-JP" altLang="en-US" dirty="0">
               <a:latin typeface="Yu Gothic" panose="020B0400000000000000" pitchFamily="34" charset="-128"/>
@@ -5212,7 +5941,7 @@
         </p:nvSpPr>
         <p:spPr>
           <a:xfrm>
-            <a:off x="2436701" y="6024809"/>
+            <a:off x="1398476" y="6024809"/>
             <a:ext cx="829559" cy="476054"/>
           </a:xfrm>
           <a:prstGeom prst="rightArrow">
@@ -5255,8 +5984,8 @@
         </p:nvSpPr>
         <p:spPr>
           <a:xfrm>
-            <a:off x="3902697" y="6078170"/>
-            <a:ext cx="5920210" cy="369332"/>
+            <a:off x="2864472" y="6078170"/>
+            <a:ext cx="7217040" cy="369332"/>
           </a:xfrm>
           <a:prstGeom prst="rect">
             <a:avLst/>
@@ -5288,35 +6017,668 @@
                 <a:latin typeface="Yu Gothic" panose="020B0400000000000000" pitchFamily="34" charset="-128"/>
                 <a:ea typeface="Yu Gothic" panose="020B0400000000000000" pitchFamily="34" charset="-128"/>
               </a:rPr>
-              <a:t>を用いて学習した結果</a:t>
+              <a:t>を用いて学習</a:t>
+            </a:r>
+            <a:r>
+              <a:rPr kumimoji="1" lang="ja-JP" altLang="en-US">
+                <a:latin typeface="Yu Gothic" panose="020B0400000000000000" pitchFamily="34" charset="-128"/>
+                <a:ea typeface="Yu Gothic" panose="020B0400000000000000" pitchFamily="34" charset="-128"/>
+              </a:rPr>
+              <a:t>した結果を</a:t>
             </a:r>
             <a:r>
               <a:rPr kumimoji="1" lang="en-US" altLang="ja-JP" dirty="0">
                 <a:latin typeface="Yu Gothic" panose="020B0400000000000000" pitchFamily="34" charset="-128"/>
                 <a:ea typeface="Yu Gothic" panose="020B0400000000000000" pitchFamily="34" charset="-128"/>
               </a:rPr>
-              <a:t>fasttext_1</a:t>
+              <a:t>model</a:t>
             </a:r>
             <a:r>
               <a:rPr lang="en-US" altLang="ja-JP" dirty="0">
                 <a:latin typeface="Yu Gothic" panose="020B0400000000000000" pitchFamily="34" charset="-128"/>
                 <a:ea typeface="Yu Gothic" panose="020B0400000000000000" pitchFamily="34" charset="-128"/>
               </a:rPr>
+              <a:t>/</a:t>
+            </a:r>
+            <a:r>
+              <a:rPr kumimoji="1" lang="en-US" altLang="ja-JP" dirty="0">
+                <a:latin typeface="Yu Gothic" panose="020B0400000000000000" pitchFamily="34" charset="-128"/>
+                <a:ea typeface="Yu Gothic" panose="020B0400000000000000" pitchFamily="34" charset="-128"/>
+              </a:rPr>
+              <a:t>fasttext_1.model</a:t>
+            </a:r>
+            <a:r>
+              <a:rPr kumimoji="1" lang="ja-JP" altLang="en-US">
+                <a:latin typeface="Yu Gothic" panose="020B0400000000000000" pitchFamily="34" charset="-128"/>
+                <a:ea typeface="Yu Gothic" panose="020B0400000000000000" pitchFamily="34" charset="-128"/>
+              </a:rPr>
+              <a:t>に保存</a:t>
+            </a:r>
+            <a:r>
+              <a:rPr kumimoji="1" lang="ja-JP" altLang="en-US" dirty="0">
+                <a:latin typeface="Yu Gothic" panose="020B0400000000000000" pitchFamily="34" charset="-128"/>
+                <a:ea typeface="Yu Gothic" panose="020B0400000000000000" pitchFamily="34" charset="-128"/>
+              </a:rPr>
+              <a:t>する</a:t>
+            </a:r>
+          </a:p>
+        </p:txBody>
+      </p:sp>
+    </p:spTree>
+    <p:extLst>
+      <p:ext uri="{BB962C8B-B14F-4D97-AF65-F5344CB8AC3E}">
+        <p14:creationId xmlns:p14="http://schemas.microsoft.com/office/powerpoint/2010/main" val="774897615"/>
+      </p:ext>
+    </p:extLst>
+  </p:cSld>
+  <p:clrMapOvr>
+    <a:masterClrMapping/>
+  </p:clrMapOvr>
+</p:sld>
+</file>
+
+<file path=ppt/slides/slide7.xml><?xml version="1.0" encoding="utf-8"?>
+<p:sld xmlns:a="http://schemas.openxmlformats.org/drawingml/2006/main" xmlns:r="http://schemas.openxmlformats.org/officeDocument/2006/relationships" xmlns:p="http://schemas.openxmlformats.org/presentationml/2006/main">
+  <p:cSld>
+    <p:spTree>
+      <p:nvGrpSpPr>
+        <p:cNvPr id="1" name=""/>
+        <p:cNvGrpSpPr/>
+        <p:nvPr/>
+      </p:nvGrpSpPr>
+      <p:grpSpPr>
+        <a:xfrm>
+          <a:off x="0" y="0"/>
+          <a:ext cx="0" cy="0"/>
+          <a:chOff x="0" y="0"/>
+          <a:chExt cx="0" cy="0"/>
+        </a:xfrm>
+      </p:grpSpPr>
+      <p:sp>
+        <p:nvSpPr>
+          <p:cNvPr id="2" name="テキスト ボックス 1"/>
+          <p:cNvSpPr txBox="1"/>
+          <p:nvPr/>
+        </p:nvSpPr>
+        <p:spPr>
+          <a:xfrm>
+            <a:off x="585627" y="575353"/>
+            <a:ext cx="5763116" cy="707886"/>
+          </a:xfrm>
+          <a:prstGeom prst="rect">
+            <a:avLst/>
+          </a:prstGeom>
+          <a:noFill/>
+        </p:spPr>
+        <p:txBody>
+          <a:bodyPr wrap="none" rtlCol="0">
+            <a:spAutoFit/>
+          </a:bodyPr>
+          <a:lstStyle/>
+          <a:p>
+            <a:r>
+              <a:rPr lang="en-US" altLang="ja-JP" sz="4000" dirty="0">
+                <a:latin typeface="Yu Gothic" panose="020B0400000000000000" pitchFamily="34" charset="-128"/>
+                <a:ea typeface="Yu Gothic" panose="020B0400000000000000" pitchFamily="34" charset="-128"/>
+                <a:cs typeface="Meiryo" charset="-128"/>
+              </a:rPr>
+              <a:t>5. </a:t>
+            </a:r>
+            <a:r>
+              <a:rPr lang="ja-JP" altLang="en-US" sz="4000">
+                <a:latin typeface="Yu Gothic" panose="020B0400000000000000" pitchFamily="34" charset="-128"/>
+                <a:ea typeface="Yu Gothic" panose="020B0400000000000000" pitchFamily="34" charset="-128"/>
+                <a:cs typeface="Meiryo" charset="-128"/>
+              </a:rPr>
+              <a:t>実行</a:t>
+            </a:r>
+            <a:r>
+              <a:rPr lang="en-US" altLang="ja-JP" sz="4000" dirty="0">
+                <a:latin typeface="Yu Gothic" panose="020B0400000000000000" pitchFamily="34" charset="-128"/>
+                <a:ea typeface="Yu Gothic" panose="020B0400000000000000" pitchFamily="34" charset="-128"/>
+                <a:cs typeface="Meiryo" charset="-128"/>
+              </a:rPr>
+              <a:t>(</a:t>
+            </a:r>
+            <a:r>
+              <a:rPr lang="ja-JP" altLang="en-US" sz="4000">
+                <a:latin typeface="Yu Gothic" panose="020B0400000000000000" pitchFamily="34" charset="-128"/>
+                <a:ea typeface="Yu Gothic" panose="020B0400000000000000" pitchFamily="34" charset="-128"/>
+                <a:cs typeface="Meiryo" charset="-128"/>
+              </a:rPr>
+              <a:t>ベクトルの保存</a:t>
+            </a:r>
+            <a:r>
+              <a:rPr lang="en-US" altLang="ja-JP" sz="4000" dirty="0">
+                <a:latin typeface="Yu Gothic" panose="020B0400000000000000" pitchFamily="34" charset="-128"/>
+                <a:ea typeface="Yu Gothic" panose="020B0400000000000000" pitchFamily="34" charset="-128"/>
+                <a:cs typeface="Meiryo" charset="-128"/>
+              </a:rPr>
+              <a:t>)</a:t>
+            </a:r>
+            <a:endParaRPr lang="ja-JP" altLang="en-US" sz="4000" dirty="0">
+              <a:latin typeface="Yu Gothic" panose="020B0400000000000000" pitchFamily="34" charset="-128"/>
+              <a:ea typeface="Yu Gothic" panose="020B0400000000000000" pitchFamily="34" charset="-128"/>
+              <a:cs typeface="Meiryo" charset="-128"/>
+            </a:endParaRPr>
+          </a:p>
+        </p:txBody>
+      </p:sp>
+      <p:sp>
+        <p:nvSpPr>
+          <p:cNvPr id="4" name="テキスト ボックス 3"/>
+          <p:cNvSpPr txBox="1"/>
+          <p:nvPr/>
+        </p:nvSpPr>
+        <p:spPr>
+          <a:xfrm>
+            <a:off x="1068513" y="1541124"/>
+            <a:ext cx="6447599" cy="461665"/>
+          </a:xfrm>
+          <a:prstGeom prst="rect">
+            <a:avLst/>
+          </a:prstGeom>
+          <a:noFill/>
+        </p:spPr>
+        <p:txBody>
+          <a:bodyPr wrap="none" rtlCol="0">
+            <a:spAutoFit/>
+          </a:bodyPr>
+          <a:lstStyle/>
+          <a:p>
+            <a:r>
+              <a:rPr kumimoji="1" lang="en-US" altLang="ja-JP" sz="2400" dirty="0" err="1">
+                <a:latin typeface="Yu Gothic" panose="020B0400000000000000" pitchFamily="34" charset="-128"/>
+                <a:ea typeface="Yu Gothic" panose="020B0400000000000000" pitchFamily="34" charset="-128"/>
+                <a:cs typeface="Meiryo" charset="-128"/>
+              </a:rPr>
+              <a:t>NLP_test</a:t>
+            </a:r>
+            <a:r>
+              <a:rPr kumimoji="1" lang="ja-JP" altLang="en-US" sz="2400" dirty="0">
+                <a:latin typeface="Yu Gothic" panose="020B0400000000000000" pitchFamily="34" charset="-128"/>
+                <a:ea typeface="Yu Gothic" panose="020B0400000000000000" pitchFamily="34" charset="-128"/>
+                <a:cs typeface="Meiryo" charset="-128"/>
+              </a:rPr>
+              <a:t>フォルダにてプログラムを実行する</a:t>
+            </a:r>
+            <a:endParaRPr lang="ja-JP" altLang="en-US" sz="2400" dirty="0">
+              <a:latin typeface="Yu Gothic" panose="020B0400000000000000" pitchFamily="34" charset="-128"/>
+              <a:ea typeface="Yu Gothic" panose="020B0400000000000000" pitchFamily="34" charset="-128"/>
+              <a:cs typeface="Meiryo" charset="-128"/>
+            </a:endParaRPr>
+          </a:p>
+        </p:txBody>
+      </p:sp>
+      <p:sp>
+        <p:nvSpPr>
+          <p:cNvPr id="9" name="テキスト ボックス 8"/>
+          <p:cNvSpPr txBox="1"/>
+          <p:nvPr/>
+        </p:nvSpPr>
+        <p:spPr>
+          <a:xfrm>
+            <a:off x="1068513" y="2130357"/>
+            <a:ext cx="3877985" cy="461665"/>
+          </a:xfrm>
+          <a:prstGeom prst="rect">
+            <a:avLst/>
+          </a:prstGeom>
+          <a:noFill/>
+        </p:spPr>
+        <p:txBody>
+          <a:bodyPr wrap="none" rtlCol="0">
+            <a:spAutoFit/>
+          </a:bodyPr>
+          <a:lstStyle/>
+          <a:p>
+            <a:r>
+              <a:rPr kumimoji="1" lang="ja-JP" altLang="en-US" sz="2400" dirty="0">
+                <a:latin typeface="Yu Gothic" panose="020B0400000000000000" pitchFamily="34" charset="-128"/>
+                <a:ea typeface="Yu Gothic" panose="020B0400000000000000" pitchFamily="34" charset="-128"/>
+                <a:cs typeface="Meiryo" charset="-128"/>
+              </a:rPr>
+              <a:t>以下のコマンドを実行する</a:t>
+            </a:r>
+          </a:p>
+        </p:txBody>
+      </p:sp>
+      <p:sp>
+        <p:nvSpPr>
+          <p:cNvPr id="10" name="テキスト ボックス 9"/>
+          <p:cNvSpPr txBox="1"/>
+          <p:nvPr/>
+        </p:nvSpPr>
+        <p:spPr>
+          <a:xfrm>
+            <a:off x="1068513" y="3044858"/>
+            <a:ext cx="5003293" cy="369332"/>
+          </a:xfrm>
+          <a:prstGeom prst="rect">
+            <a:avLst/>
+          </a:prstGeom>
+          <a:noFill/>
+        </p:spPr>
+        <p:txBody>
+          <a:bodyPr wrap="none" rtlCol="0">
+            <a:spAutoFit/>
+          </a:bodyPr>
+          <a:lstStyle/>
+          <a:p>
+            <a:r>
+              <a:rPr lang="en-US" altLang="ja-JP" dirty="0">
+                <a:latin typeface="Yu Gothic" panose="020B0400000000000000" pitchFamily="34" charset="-128"/>
+                <a:ea typeface="Yu Gothic" panose="020B0400000000000000" pitchFamily="34" charset="-128"/>
+              </a:rPr>
+              <a:t>python </a:t>
+            </a:r>
+            <a:r>
+              <a:rPr lang="en-US" altLang="ja-JP" dirty="0" err="1">
+                <a:latin typeface="Yu Gothic" panose="020B0400000000000000" pitchFamily="34" charset="-128"/>
+                <a:ea typeface="Yu Gothic" panose="020B0400000000000000" pitchFamily="34" charset="-128"/>
+              </a:rPr>
+              <a:t>src</a:t>
+            </a:r>
+            <a:r>
+              <a:rPr lang="en-US" altLang="ja-JP" dirty="0">
+                <a:latin typeface="Yu Gothic" panose="020B0400000000000000" pitchFamily="34" charset="-128"/>
+                <a:ea typeface="Yu Gothic" panose="020B0400000000000000" pitchFamily="34" charset="-128"/>
+              </a:rPr>
+              <a:t>/</a:t>
+            </a:r>
+            <a:r>
+              <a:rPr lang="en-US" altLang="ja-JP" dirty="0" err="1">
+                <a:latin typeface="Yu Gothic" panose="020B0400000000000000" pitchFamily="34" charset="-128"/>
+                <a:ea typeface="Yu Gothic" panose="020B0400000000000000" pitchFamily="34" charset="-128"/>
+              </a:rPr>
+              <a:t>nlp_with_gensim.py</a:t>
+            </a:r>
+            <a:r>
+              <a:rPr lang="en-US" altLang="ja-JP" dirty="0">
+                <a:latin typeface="Yu Gothic" panose="020B0400000000000000" pitchFamily="34" charset="-128"/>
+                <a:ea typeface="Yu Gothic" panose="020B0400000000000000" pitchFamily="34" charset="-128"/>
+              </a:rPr>
+              <a:t> test XXX YYY</a:t>
+            </a:r>
+            <a:endParaRPr kumimoji="1" lang="ja-JP" altLang="en-US" dirty="0">
+              <a:latin typeface="Yu Gothic" panose="020B0400000000000000" pitchFamily="34" charset="-128"/>
+              <a:ea typeface="Yu Gothic" panose="020B0400000000000000" pitchFamily="34" charset="-128"/>
+            </a:endParaRPr>
+          </a:p>
+        </p:txBody>
+      </p:sp>
+      <p:sp>
+        <p:nvSpPr>
+          <p:cNvPr id="5" name="テキスト ボックス 4"/>
+          <p:cNvSpPr txBox="1"/>
+          <p:nvPr/>
+        </p:nvSpPr>
+        <p:spPr>
+          <a:xfrm>
+            <a:off x="1068513" y="3867026"/>
+            <a:ext cx="7237879" cy="369332"/>
+          </a:xfrm>
+          <a:prstGeom prst="rect">
+            <a:avLst/>
+          </a:prstGeom>
+          <a:noFill/>
+        </p:spPr>
+        <p:txBody>
+          <a:bodyPr wrap="none" rtlCol="0">
+            <a:spAutoFit/>
+          </a:bodyPr>
+          <a:lstStyle/>
+          <a:p>
+            <a:r>
+              <a:rPr kumimoji="1" lang="en-US" altLang="ja-JP" dirty="0">
+                <a:latin typeface="Yu Gothic" panose="020B0400000000000000" pitchFamily="34" charset="-128"/>
+                <a:ea typeface="Yu Gothic" panose="020B0400000000000000" pitchFamily="34" charset="-128"/>
+              </a:rPr>
+              <a:t>XXX: </a:t>
+            </a:r>
+            <a:r>
+              <a:rPr kumimoji="1" lang="ja-JP" altLang="en-US" dirty="0">
+                <a:latin typeface="Yu Gothic" panose="020B0400000000000000" pitchFamily="34" charset="-128"/>
+                <a:ea typeface="Yu Gothic" panose="020B0400000000000000" pitchFamily="34" charset="-128"/>
+              </a:rPr>
+              <a:t>各種アルゴリズム</a:t>
+            </a:r>
+            <a:r>
+              <a:rPr kumimoji="1" lang="en-US" altLang="ja-JP" dirty="0">
+                <a:latin typeface="Yu Gothic" panose="020B0400000000000000" pitchFamily="34" charset="-128"/>
+                <a:ea typeface="Yu Gothic" panose="020B0400000000000000" pitchFamily="34" charset="-128"/>
+              </a:rPr>
+              <a:t>(word2vec, doc2vec, </a:t>
+            </a:r>
+            <a:r>
+              <a:rPr kumimoji="1" lang="en-US" altLang="ja-JP" dirty="0" err="1">
+                <a:latin typeface="Yu Gothic" panose="020B0400000000000000" pitchFamily="34" charset="-128"/>
+                <a:ea typeface="Yu Gothic" panose="020B0400000000000000" pitchFamily="34" charset="-128"/>
+              </a:rPr>
+              <a:t>fasttext</a:t>
+            </a:r>
+            <a:r>
+              <a:rPr kumimoji="1" lang="en-US" altLang="ja-JP" dirty="0">
+                <a:latin typeface="Yu Gothic" panose="020B0400000000000000" pitchFamily="34" charset="-128"/>
+                <a:ea typeface="Yu Gothic" panose="020B0400000000000000" pitchFamily="34" charset="-128"/>
+              </a:rPr>
+              <a:t>, bow, </a:t>
+            </a:r>
+            <a:r>
+              <a:rPr kumimoji="1" lang="en-US" altLang="ja-JP" dirty="0" err="1">
+                <a:latin typeface="Yu Gothic" panose="020B0400000000000000" pitchFamily="34" charset="-128"/>
+                <a:ea typeface="Yu Gothic" panose="020B0400000000000000" pitchFamily="34" charset="-128"/>
+              </a:rPr>
+              <a:t>tfidf</a:t>
+            </a:r>
+            <a:r>
+              <a:rPr kumimoji="1" lang="en-US" altLang="ja-JP" dirty="0">
+                <a:latin typeface="Yu Gothic" panose="020B0400000000000000" pitchFamily="34" charset="-128"/>
+                <a:ea typeface="Yu Gothic" panose="020B0400000000000000" pitchFamily="34" charset="-128"/>
+              </a:rPr>
+              <a:t>, all)</a:t>
+            </a:r>
+            <a:endParaRPr kumimoji="1" lang="ja-JP" altLang="en-US" dirty="0">
+              <a:latin typeface="Yu Gothic" panose="020B0400000000000000" pitchFamily="34" charset="-128"/>
+              <a:ea typeface="Yu Gothic" panose="020B0400000000000000" pitchFamily="34" charset="-128"/>
+            </a:endParaRPr>
+          </a:p>
+        </p:txBody>
+      </p:sp>
+      <p:sp>
+        <p:nvSpPr>
+          <p:cNvPr id="11" name="テキスト ボックス 10"/>
+          <p:cNvSpPr txBox="1"/>
+          <p:nvPr/>
+        </p:nvSpPr>
+        <p:spPr>
+          <a:xfrm>
+            <a:off x="1068513" y="4500774"/>
+            <a:ext cx="3533340" cy="369332"/>
+          </a:xfrm>
+          <a:prstGeom prst="rect">
+            <a:avLst/>
+          </a:prstGeom>
+          <a:noFill/>
+        </p:spPr>
+        <p:txBody>
+          <a:bodyPr wrap="none" rtlCol="0">
+            <a:spAutoFit/>
+          </a:bodyPr>
+          <a:lstStyle/>
+          <a:p>
+            <a:r>
+              <a:rPr kumimoji="1" lang="en-US" altLang="ja-JP" dirty="0">
+                <a:latin typeface="Yu Gothic" panose="020B0400000000000000" pitchFamily="34" charset="-128"/>
+                <a:ea typeface="Yu Gothic" panose="020B0400000000000000" pitchFamily="34" charset="-128"/>
+              </a:rPr>
+              <a:t>YYY: </a:t>
+            </a:r>
+            <a:r>
+              <a:rPr kumimoji="1" lang="ja-JP" altLang="en-US">
+                <a:latin typeface="Yu Gothic" panose="020B0400000000000000" pitchFamily="34" charset="-128"/>
+                <a:ea typeface="Yu Gothic" panose="020B0400000000000000" pitchFamily="34" charset="-128"/>
+              </a:rPr>
+              <a:t>ベクトルの</a:t>
+            </a:r>
+            <a:r>
+              <a:rPr kumimoji="1" lang="ja-JP" altLang="en-US" dirty="0">
+                <a:latin typeface="Yu Gothic" panose="020B0400000000000000" pitchFamily="34" charset="-128"/>
+                <a:ea typeface="Yu Gothic" panose="020B0400000000000000" pitchFamily="34" charset="-128"/>
+              </a:rPr>
+              <a:t>保存ファイル名</a:t>
+            </a:r>
+          </a:p>
+        </p:txBody>
+      </p:sp>
+      <p:sp>
+        <p:nvSpPr>
+          <p:cNvPr id="12" name="テキスト ボックス 11"/>
+          <p:cNvSpPr txBox="1"/>
+          <p:nvPr/>
+        </p:nvSpPr>
+        <p:spPr>
+          <a:xfrm>
+            <a:off x="1295369" y="5381805"/>
+            <a:ext cx="5048177" cy="369332"/>
+          </a:xfrm>
+          <a:prstGeom prst="rect">
+            <a:avLst/>
+          </a:prstGeom>
+          <a:noFill/>
+        </p:spPr>
+        <p:txBody>
+          <a:bodyPr wrap="none" rtlCol="0">
+            <a:spAutoFit/>
+          </a:bodyPr>
+          <a:lstStyle/>
+          <a:p>
+            <a:r>
+              <a:rPr lang="en-US" altLang="ja-JP" dirty="0">
+                <a:latin typeface="Yu Gothic" panose="020B0400000000000000" pitchFamily="34" charset="-128"/>
+                <a:ea typeface="Yu Gothic" panose="020B0400000000000000" pitchFamily="34" charset="-128"/>
+              </a:rPr>
+              <a:t>python </a:t>
+            </a:r>
+            <a:r>
+              <a:rPr lang="en-US" altLang="ja-JP" dirty="0" err="1">
+                <a:latin typeface="Yu Gothic" panose="020B0400000000000000" pitchFamily="34" charset="-128"/>
+                <a:ea typeface="Yu Gothic" panose="020B0400000000000000" pitchFamily="34" charset="-128"/>
+              </a:rPr>
+              <a:t>src</a:t>
+            </a:r>
+            <a:r>
+              <a:rPr lang="en-US" altLang="ja-JP" dirty="0">
+                <a:latin typeface="Yu Gothic" panose="020B0400000000000000" pitchFamily="34" charset="-128"/>
+                <a:ea typeface="Yu Gothic" panose="020B0400000000000000" pitchFamily="34" charset="-128"/>
+              </a:rPr>
+              <a:t>/</a:t>
+            </a:r>
+            <a:r>
+              <a:rPr lang="en-US" altLang="ja-JP" dirty="0" err="1">
+                <a:latin typeface="Yu Gothic" panose="020B0400000000000000" pitchFamily="34" charset="-128"/>
+                <a:ea typeface="Yu Gothic" panose="020B0400000000000000" pitchFamily="34" charset="-128"/>
+              </a:rPr>
+              <a:t>nlp_with_gensim.py</a:t>
+            </a:r>
+            <a:r>
+              <a:rPr lang="en-US" altLang="ja-JP" dirty="0">
+                <a:latin typeface="Yu Gothic" panose="020B0400000000000000" pitchFamily="34" charset="-128"/>
+                <a:ea typeface="Yu Gothic" panose="020B0400000000000000" pitchFamily="34" charset="-128"/>
+              </a:rPr>
+              <a:t> test </a:t>
+            </a:r>
+            <a:r>
+              <a:rPr lang="en-US" altLang="ja-JP" dirty="0" err="1">
+                <a:latin typeface="Yu Gothic" panose="020B0400000000000000" pitchFamily="34" charset="-128"/>
+                <a:ea typeface="Yu Gothic" panose="020B0400000000000000" pitchFamily="34" charset="-128"/>
+              </a:rPr>
+              <a:t>fasttext</a:t>
+            </a:r>
+            <a:r>
+              <a:rPr lang="en-US" altLang="ja-JP" dirty="0">
+                <a:latin typeface="Yu Gothic" panose="020B0400000000000000" pitchFamily="34" charset="-128"/>
+                <a:ea typeface="Yu Gothic" panose="020B0400000000000000" pitchFamily="34" charset="-128"/>
+              </a:rPr>
+              <a:t> 1</a:t>
+            </a:r>
+            <a:endParaRPr kumimoji="1" lang="ja-JP" altLang="en-US" dirty="0">
+              <a:latin typeface="Yu Gothic" panose="020B0400000000000000" pitchFamily="34" charset="-128"/>
+              <a:ea typeface="Yu Gothic" panose="020B0400000000000000" pitchFamily="34" charset="-128"/>
+            </a:endParaRPr>
+          </a:p>
+        </p:txBody>
+      </p:sp>
+      <p:sp>
+        <p:nvSpPr>
+          <p:cNvPr id="6" name="テキスト ボックス 5"/>
+          <p:cNvSpPr txBox="1"/>
+          <p:nvPr/>
+        </p:nvSpPr>
+        <p:spPr>
+          <a:xfrm>
+            <a:off x="1068512" y="4977238"/>
+            <a:ext cx="484428" cy="369332"/>
+          </a:xfrm>
+          <a:prstGeom prst="rect">
+            <a:avLst/>
+          </a:prstGeom>
+          <a:noFill/>
+        </p:spPr>
+        <p:txBody>
+          <a:bodyPr wrap="none" rtlCol="0">
+            <a:spAutoFit/>
+          </a:bodyPr>
+          <a:lstStyle/>
+          <a:p>
+            <a:r>
+              <a:rPr lang="en-US" altLang="ja-JP" dirty="0">
+                <a:latin typeface="Yu Gothic" panose="020B0400000000000000" pitchFamily="34" charset="-128"/>
+                <a:ea typeface="Yu Gothic" panose="020B0400000000000000" pitchFamily="34" charset="-128"/>
+              </a:rPr>
+              <a:t>e</a:t>
+            </a:r>
+            <a:r>
+              <a:rPr kumimoji="1" lang="en-US" altLang="ja-JP" dirty="0">
+                <a:latin typeface="Yu Gothic" panose="020B0400000000000000" pitchFamily="34" charset="-128"/>
+                <a:ea typeface="Yu Gothic" panose="020B0400000000000000" pitchFamily="34" charset="-128"/>
+              </a:rPr>
+              <a:t>x.</a:t>
+            </a:r>
+            <a:endParaRPr kumimoji="1" lang="ja-JP" altLang="en-US" dirty="0">
+              <a:latin typeface="Yu Gothic" panose="020B0400000000000000" pitchFamily="34" charset="-128"/>
+              <a:ea typeface="Yu Gothic" panose="020B0400000000000000" pitchFamily="34" charset="-128"/>
+            </a:endParaRPr>
+          </a:p>
+        </p:txBody>
+      </p:sp>
+      <p:sp>
+        <p:nvSpPr>
+          <p:cNvPr id="8" name="右矢印 7"/>
+          <p:cNvSpPr/>
+          <p:nvPr/>
+        </p:nvSpPr>
+        <p:spPr>
+          <a:xfrm>
+            <a:off x="1068512" y="6024809"/>
+            <a:ext cx="829559" cy="476054"/>
+          </a:xfrm>
+          <a:prstGeom prst="rightArrow">
+            <a:avLst/>
+          </a:prstGeom>
+        </p:spPr>
+        <p:style>
+          <a:lnRef idx="2">
+            <a:schemeClr val="accent1">
+              <a:shade val="50000"/>
+            </a:schemeClr>
+          </a:lnRef>
+          <a:fillRef idx="1">
+            <a:schemeClr val="accent1"/>
+          </a:fillRef>
+          <a:effectRef idx="0">
+            <a:schemeClr val="accent1"/>
+          </a:effectRef>
+          <a:fontRef idx="minor">
+            <a:schemeClr val="lt1"/>
+          </a:fontRef>
+        </p:style>
+        <p:txBody>
+          <a:bodyPr rtlCol="0" anchor="ctr"/>
+          <a:lstStyle/>
+          <a:p>
+            <a:pPr algn="ctr"/>
+            <a:endParaRPr kumimoji="1" lang="ja-JP" altLang="en-US">
+              <a:latin typeface="Yu Gothic" panose="020B0400000000000000" pitchFamily="34" charset="-128"/>
+              <a:ea typeface="Yu Gothic" panose="020B0400000000000000" pitchFamily="34" charset="-128"/>
+            </a:endParaRPr>
+          </a:p>
+        </p:txBody>
+      </p:sp>
+      <p:sp>
+        <p:nvSpPr>
+          <p:cNvPr id="13" name="テキスト ボックス 12"/>
+          <p:cNvSpPr txBox="1"/>
+          <p:nvPr/>
+        </p:nvSpPr>
+        <p:spPr>
+          <a:xfrm>
+            <a:off x="2534508" y="6078170"/>
+            <a:ext cx="7832593" cy="369332"/>
+          </a:xfrm>
+          <a:prstGeom prst="rect">
+            <a:avLst/>
+          </a:prstGeom>
+          <a:noFill/>
+        </p:spPr>
+        <p:txBody>
+          <a:bodyPr wrap="none" rtlCol="0">
+            <a:spAutoFit/>
+          </a:bodyPr>
+          <a:lstStyle/>
+          <a:p>
+            <a:r>
+              <a:rPr lang="en-US" altLang="ja-JP" dirty="0" err="1">
+                <a:latin typeface="Yu Gothic" panose="020B0400000000000000" pitchFamily="34" charset="-128"/>
+                <a:ea typeface="Yu Gothic" panose="020B0400000000000000" pitchFamily="34" charset="-128"/>
+              </a:rPr>
+              <a:t>f</a:t>
+            </a:r>
+            <a:r>
+              <a:rPr kumimoji="1" lang="en-US" altLang="ja-JP" dirty="0" err="1">
+                <a:latin typeface="Yu Gothic" panose="020B0400000000000000" pitchFamily="34" charset="-128"/>
+                <a:ea typeface="Yu Gothic" panose="020B0400000000000000" pitchFamily="34" charset="-128"/>
+              </a:rPr>
+              <a:t>asttext</a:t>
+            </a:r>
+            <a:r>
+              <a:rPr kumimoji="1" lang="ja-JP" altLang="en-US" dirty="0">
+                <a:latin typeface="Yu Gothic" panose="020B0400000000000000" pitchFamily="34" charset="-128"/>
+                <a:ea typeface="Yu Gothic" panose="020B0400000000000000" pitchFamily="34" charset="-128"/>
+              </a:rPr>
+              <a:t>を用いて学習</a:t>
+            </a:r>
+            <a:r>
+              <a:rPr kumimoji="1" lang="ja-JP" altLang="en-US">
+                <a:latin typeface="Yu Gothic" panose="020B0400000000000000" pitchFamily="34" charset="-128"/>
+                <a:ea typeface="Yu Gothic" panose="020B0400000000000000" pitchFamily="34" charset="-128"/>
+              </a:rPr>
+              <a:t>した結果を</a:t>
+            </a:r>
+            <a:r>
+              <a:rPr kumimoji="1" lang="en-US" altLang="ja-JP" dirty="0">
+                <a:latin typeface="Yu Gothic" panose="020B0400000000000000" pitchFamily="34" charset="-128"/>
+                <a:ea typeface="Yu Gothic" panose="020B0400000000000000" pitchFamily="34" charset="-128"/>
+              </a:rPr>
+              <a:t>data/csv/word/fasttext_1</a:t>
+            </a:r>
+            <a:r>
+              <a:rPr lang="en-US" altLang="ja-JP" dirty="0">
+                <a:latin typeface="Yu Gothic" panose="020B0400000000000000" pitchFamily="34" charset="-128"/>
+                <a:ea typeface="Yu Gothic" panose="020B0400000000000000" pitchFamily="34" charset="-128"/>
+              </a:rPr>
               <a:t>.csv</a:t>
             </a:r>
             <a:r>
+              <a:rPr lang="ja-JP" altLang="en-US">
+                <a:latin typeface="Yu Gothic" panose="020B0400000000000000" pitchFamily="34" charset="-128"/>
+                <a:ea typeface="Yu Gothic" panose="020B0400000000000000" pitchFamily="34" charset="-128"/>
+              </a:rPr>
+              <a:t>に</a:t>
+            </a:r>
+            <a:r>
               <a:rPr kumimoji="1" lang="ja-JP" altLang="en-US">
                 <a:latin typeface="Yu Gothic" panose="020B0400000000000000" pitchFamily="34" charset="-128"/>
                 <a:ea typeface="Yu Gothic" panose="020B0400000000000000" pitchFamily="34" charset="-128"/>
               </a:rPr>
-              <a:t>を</a:t>
+              <a:t>保存</a:t>
             </a:r>
             <a:r>
               <a:rPr kumimoji="1" lang="ja-JP" altLang="en-US" dirty="0">
                 <a:latin typeface="Yu Gothic" panose="020B0400000000000000" pitchFamily="34" charset="-128"/>
                 <a:ea typeface="Yu Gothic" panose="020B0400000000000000" pitchFamily="34" charset="-128"/>
               </a:rPr>
-              <a:t>保存する</a:t>
+              <a:t>する</a:t>
             </a:r>
           </a:p>
         </p:txBody>

--- a/doc/Readme.pptx
+++ b/doc/Readme.pptx
@@ -12,6 +12,7 @@
     <p:sldId id="265" r:id="rId6"/>
     <p:sldId id="262" r:id="rId7"/>
     <p:sldId id="264" r:id="rId8"/>
+    <p:sldId id="266" r:id="rId9"/>
   </p:sldIdLst>
   <p:sldSz cx="12192000" cy="6858000"/>
   <p:notesSz cx="6858000" cy="9144000"/>
@@ -3513,7 +3514,7 @@
           <p:cNvPr id="7" name="テキスト ボックス 6">
             <a:extLst>
               <a:ext uri="{FF2B5EF4-FFF2-40B4-BE49-F238E27FC236}">
-                <a16:creationId xmlns:a16="http://schemas.microsoft.com/office/drawing/2014/main" id="{6CB8445B-67A3-4645-A95D-95313B6998EC}"/>
+                <a16:creationId xmlns="" xmlns:a16="http://schemas.microsoft.com/office/drawing/2014/main" id="{6CB8445B-67A3-4645-A95D-95313B6998EC}"/>
               </a:ext>
             </a:extLst>
           </p:cNvPr>
@@ -3553,7 +3554,7 @@
               <a:t>. </a:t>
             </a:r>
             <a:r>
-              <a:rPr lang="ja-JP" altLang="en-US" sz="2400">
+              <a:rPr lang="ja-JP" altLang="en-US" sz="2400" dirty="0">
                 <a:latin typeface="Yu Gothic" panose="020B0400000000000000" pitchFamily="34" charset="-128"/>
                 <a:ea typeface="Yu Gothic" panose="020B0400000000000000" pitchFamily="34" charset="-128"/>
                 <a:cs typeface="Meiryo" charset="-128"/>
@@ -3569,7 +3570,7 @@
               <a:t>(</a:t>
             </a:r>
             <a:r>
-              <a:rPr kumimoji="1" lang="ja-JP" altLang="en-US" sz="2400">
+              <a:rPr kumimoji="1" lang="ja-JP" altLang="en-US" sz="2400" dirty="0">
                 <a:latin typeface="Yu Gothic" panose="020B0400000000000000" pitchFamily="34" charset="-128"/>
                 <a:ea typeface="Yu Gothic" panose="020B0400000000000000" pitchFamily="34" charset="-128"/>
                 <a:cs typeface="Meiryo" charset="-128"/>
@@ -3597,7 +3598,7 @@
           <p:cNvPr id="8" name="テキスト ボックス 7">
             <a:extLst>
               <a:ext uri="{FF2B5EF4-FFF2-40B4-BE49-F238E27FC236}">
-                <a16:creationId xmlns:a16="http://schemas.microsoft.com/office/drawing/2014/main" id="{8BC90C29-4F72-6F4B-848A-6FA20D252B9A}"/>
+                <a16:creationId xmlns="" xmlns:a16="http://schemas.microsoft.com/office/drawing/2014/main" id="{8BC90C29-4F72-6F4B-848A-6FA20D252B9A}"/>
               </a:ext>
             </a:extLst>
           </p:cNvPr>
@@ -3635,6 +3636,50 @@
                 <a:cs typeface="Meiryo" charset="-128"/>
               </a:rPr>
               <a:t>入力データの下処理</a:t>
+            </a:r>
+            <a:endParaRPr kumimoji="1" lang="ja-JP" altLang="en-US" sz="2400" dirty="0">
+              <a:latin typeface="Yu Gothic" panose="020B0400000000000000" pitchFamily="34" charset="-128"/>
+              <a:ea typeface="Yu Gothic" panose="020B0400000000000000" pitchFamily="34" charset="-128"/>
+              <a:cs typeface="Meiryo" charset="-128"/>
+            </a:endParaRPr>
+          </a:p>
+        </p:txBody>
+      </p:sp>
+      <p:sp>
+        <p:nvSpPr>
+          <p:cNvPr id="9" name="テキスト ボックス 8">
+            <a:extLst>
+              <a:ext uri="{FF2B5EF4-FFF2-40B4-BE49-F238E27FC236}">
+                <a16:creationId xmlns="" xmlns:a16="http://schemas.microsoft.com/office/drawing/2014/main" id="{6CB8445B-67A3-4645-A95D-95313B6998EC}"/>
+              </a:ext>
+            </a:extLst>
+          </p:cNvPr>
+          <p:cNvSpPr txBox="1"/>
+          <p:nvPr/>
+        </p:nvSpPr>
+        <p:spPr>
+          <a:xfrm>
+            <a:off x="1068513" y="4487289"/>
+            <a:ext cx="2954655" cy="461665"/>
+          </a:xfrm>
+          <a:prstGeom prst="rect">
+            <a:avLst/>
+          </a:prstGeom>
+          <a:noFill/>
+        </p:spPr>
+        <p:txBody>
+          <a:bodyPr wrap="none" rtlCol="0">
+            <a:spAutoFit/>
+          </a:bodyPr>
+          <a:lstStyle/>
+          <a:p>
+            <a:r>
+              <a:rPr lang="ja-JP" altLang="en-US" sz="2400" dirty="0" smtClean="0">
+                <a:latin typeface="Yu Gothic" panose="020B0400000000000000" pitchFamily="34" charset="-128"/>
+                <a:ea typeface="Yu Gothic" panose="020B0400000000000000" pitchFamily="34" charset="-128"/>
+                <a:cs typeface="Meiryo" charset="-128"/>
+              </a:rPr>
+              <a:t>過去実装分との違い</a:t>
             </a:r>
             <a:endParaRPr kumimoji="1" lang="ja-JP" altLang="en-US" sz="2400" dirty="0">
               <a:latin typeface="Yu Gothic" panose="020B0400000000000000" pitchFamily="34" charset="-128"/>
@@ -3770,7 +3815,7 @@
         <p:spPr>
           <a:xfrm>
             <a:off x="1068513" y="2130357"/>
-            <a:ext cx="7571303" cy="461665"/>
+            <a:ext cx="10794943" cy="461665"/>
           </a:xfrm>
           <a:prstGeom prst="rect">
             <a:avLst/>
@@ -3789,8 +3834,45 @@
                 <a:ea typeface="Yu Gothic" panose="020B0400000000000000" pitchFamily="34" charset="-128"/>
                 <a:cs typeface="Meiryo" charset="-128"/>
               </a:rPr>
-              <a:t>コマンドプロンプトを開き以下のコマンドを実行する</a:t>
-            </a:r>
+              <a:t>コマンドプロンプトを開き以下のコマンドを実行</a:t>
+            </a:r>
+            <a:r>
+              <a:rPr kumimoji="1" lang="ja-JP" altLang="en-US" sz="2400" dirty="0" smtClean="0">
+                <a:latin typeface="Yu Gothic" panose="020B0400000000000000" pitchFamily="34" charset="-128"/>
+                <a:ea typeface="Yu Gothic" panose="020B0400000000000000" pitchFamily="34" charset="-128"/>
+                <a:cs typeface="Meiryo" charset="-128"/>
+              </a:rPr>
+              <a:t>する</a:t>
+            </a:r>
+            <a:r>
+              <a:rPr kumimoji="1" lang="en-US" altLang="ja-JP" sz="2400" dirty="0" smtClean="0">
+                <a:latin typeface="Yu Gothic" panose="020B0400000000000000" pitchFamily="34" charset="-128"/>
+                <a:ea typeface="Yu Gothic" panose="020B0400000000000000" pitchFamily="34" charset="-128"/>
+                <a:cs typeface="Meiryo" charset="-128"/>
+              </a:rPr>
+              <a:t>(python3</a:t>
+            </a:r>
+            <a:r>
+              <a:rPr kumimoji="1" lang="ja-JP" altLang="en-US" sz="2400" dirty="0" smtClean="0">
+                <a:latin typeface="Yu Gothic" panose="020B0400000000000000" pitchFamily="34" charset="-128"/>
+                <a:ea typeface="Yu Gothic" panose="020B0400000000000000" pitchFamily="34" charset="-128"/>
+                <a:cs typeface="Meiryo" charset="-128"/>
+              </a:rPr>
+              <a:t>を前提とする</a:t>
+            </a:r>
+            <a:r>
+              <a:rPr kumimoji="1" lang="en-US" altLang="ja-JP" sz="2400" dirty="0" smtClean="0">
+                <a:latin typeface="Yu Gothic" panose="020B0400000000000000" pitchFamily="34" charset="-128"/>
+                <a:ea typeface="Yu Gothic" panose="020B0400000000000000" pitchFamily="34" charset="-128"/>
+                <a:cs typeface="Meiryo" charset="-128"/>
+              </a:rPr>
+              <a:t>)</a:t>
+            </a:r>
+            <a:endParaRPr kumimoji="1" lang="ja-JP" altLang="en-US" sz="2400" dirty="0">
+              <a:latin typeface="Yu Gothic" panose="020B0400000000000000" pitchFamily="34" charset="-128"/>
+              <a:ea typeface="Yu Gothic" panose="020B0400000000000000" pitchFamily="34" charset="-128"/>
+              <a:cs typeface="Meiryo" charset="-128"/>
+            </a:endParaRPr>
           </a:p>
         </p:txBody>
       </p:sp>
@@ -4245,7 +4327,7 @@
           <p:cNvPr id="5" name="テキスト ボックス 4">
             <a:extLst>
               <a:ext uri="{FF2B5EF4-FFF2-40B4-BE49-F238E27FC236}">
-                <a16:creationId xmlns:a16="http://schemas.microsoft.com/office/drawing/2014/main" id="{C2059E10-BDB0-9A47-9846-9046B349C0E0}"/>
+                <a16:creationId xmlns="" xmlns:a16="http://schemas.microsoft.com/office/drawing/2014/main" id="{C2059E10-BDB0-9A47-9846-9046B349C0E0}"/>
               </a:ext>
             </a:extLst>
           </p:cNvPr>
@@ -4323,7 +4405,7 @@
           <p:cNvPr id="41" name="正方形/長方形 40">
             <a:extLst>
               <a:ext uri="{FF2B5EF4-FFF2-40B4-BE49-F238E27FC236}">
-                <a16:creationId xmlns:a16="http://schemas.microsoft.com/office/drawing/2014/main" id="{ED0EF2B9-FBCE-174A-91EA-F5B65DA28624}"/>
+                <a16:creationId xmlns="" xmlns:a16="http://schemas.microsoft.com/office/drawing/2014/main" id="{ED0EF2B9-FBCE-174A-91EA-F5B65DA28624}"/>
               </a:ext>
             </a:extLst>
           </p:cNvPr>
@@ -4381,7 +4463,7 @@
         <p:spPr>
           <a:xfrm>
             <a:off x="585627" y="575353"/>
-            <a:ext cx="4448654" cy="707886"/>
+            <a:ext cx="4339650" cy="707886"/>
           </a:xfrm>
           <a:prstGeom prst="rect">
             <a:avLst/>
@@ -4400,7 +4482,15 @@
                 <a:ea typeface="Yu Gothic" panose="020B0400000000000000" pitchFamily="34" charset="-128"/>
                 <a:cs typeface="Meiryo" charset="-128"/>
               </a:rPr>
-              <a:t>2. </a:t>
+              <a:t>3</a:t>
+            </a:r>
+            <a:r>
+              <a:rPr lang="en-US" altLang="ja-JP" sz="4000" dirty="0" smtClean="0">
+                <a:latin typeface="Yu Gothic" panose="020B0400000000000000" pitchFamily="34" charset="-128"/>
+                <a:ea typeface="Yu Gothic" panose="020B0400000000000000" pitchFamily="34" charset="-128"/>
+                <a:cs typeface="Meiryo" charset="-128"/>
+              </a:rPr>
+              <a:t>. </a:t>
             </a:r>
             <a:r>
               <a:rPr lang="ja-JP" altLang="en-US" sz="4000" dirty="0">
@@ -4496,7 +4586,7 @@
           <p:cNvPr id="13" name="テキスト ボックス 12">
             <a:extLst>
               <a:ext uri="{FF2B5EF4-FFF2-40B4-BE49-F238E27FC236}">
-                <a16:creationId xmlns:a16="http://schemas.microsoft.com/office/drawing/2014/main" id="{C24BA771-EFAF-E44E-B15F-F251BB82B863}"/>
+                <a16:creationId xmlns="" xmlns:a16="http://schemas.microsoft.com/office/drawing/2014/main" id="{C24BA771-EFAF-E44E-B15F-F251BB82B863}"/>
               </a:ext>
             </a:extLst>
           </p:cNvPr>
@@ -4548,7 +4638,7 @@
           <p:cNvPr id="14" name="テキスト ボックス 13">
             <a:extLst>
               <a:ext uri="{FF2B5EF4-FFF2-40B4-BE49-F238E27FC236}">
-                <a16:creationId xmlns:a16="http://schemas.microsoft.com/office/drawing/2014/main" id="{3E2977B5-CCF9-7A44-BD03-90C3E385F15D}"/>
+                <a16:creationId xmlns="" xmlns:a16="http://schemas.microsoft.com/office/drawing/2014/main" id="{3E2977B5-CCF9-7A44-BD03-90C3E385F15D}"/>
               </a:ext>
             </a:extLst>
           </p:cNvPr>
@@ -4587,7 +4677,7 @@
           <p:cNvPr id="15" name="テキスト ボックス 14">
             <a:extLst>
               <a:ext uri="{FF2B5EF4-FFF2-40B4-BE49-F238E27FC236}">
-                <a16:creationId xmlns:a16="http://schemas.microsoft.com/office/drawing/2014/main" id="{3DD2ED62-17DC-7E48-9013-08EFB6FDE498}"/>
+                <a16:creationId xmlns="" xmlns:a16="http://schemas.microsoft.com/office/drawing/2014/main" id="{3DD2ED62-17DC-7E48-9013-08EFB6FDE498}"/>
               </a:ext>
             </a:extLst>
           </p:cNvPr>
@@ -4597,7 +4687,7 @@
         <p:spPr>
           <a:xfrm>
             <a:off x="1068513" y="3622984"/>
-            <a:ext cx="2392001" cy="369332"/>
+            <a:ext cx="2523448" cy="369332"/>
           </a:xfrm>
           <a:prstGeom prst="rect">
             <a:avLst/>
@@ -4611,34 +4701,34 @@
           <a:lstStyle/>
           <a:p>
             <a:r>
-              <a:rPr lang="en-US" altLang="ja-JP" dirty="0">
+              <a:rPr lang="en-US" altLang="ja-JP" b="1" dirty="0">
                 <a:latin typeface="Yu Gothic" panose="020B0400000000000000" pitchFamily="34" charset="-128"/>
                 <a:ea typeface="Yu Gothic" panose="020B0400000000000000" pitchFamily="34" charset="-128"/>
               </a:rPr>
               <a:t>python </a:t>
             </a:r>
             <a:r>
-              <a:rPr lang="en-US" altLang="ja-JP" dirty="0" err="1">
+              <a:rPr lang="en-US" altLang="ja-JP" b="1" dirty="0" err="1">
                 <a:latin typeface="Yu Gothic" panose="020B0400000000000000" pitchFamily="34" charset="-128"/>
                 <a:ea typeface="Yu Gothic" panose="020B0400000000000000" pitchFamily="34" charset="-128"/>
               </a:rPr>
               <a:t>src</a:t>
             </a:r>
             <a:r>
-              <a:rPr lang="en-US" altLang="ja-JP" dirty="0">
+              <a:rPr lang="en-US" altLang="ja-JP" b="1" dirty="0">
                 <a:latin typeface="Yu Gothic" panose="020B0400000000000000" pitchFamily="34" charset="-128"/>
                 <a:ea typeface="Yu Gothic" panose="020B0400000000000000" pitchFamily="34" charset="-128"/>
               </a:rPr>
               <a:t>/</a:t>
             </a:r>
             <a:r>
-              <a:rPr lang="en-US" altLang="ja-JP" dirty="0" err="1">
+              <a:rPr lang="en-US" altLang="ja-JP" b="1" dirty="0" err="1">
                 <a:latin typeface="Yu Gothic" panose="020B0400000000000000" pitchFamily="34" charset="-128"/>
                 <a:ea typeface="Yu Gothic" panose="020B0400000000000000" pitchFamily="34" charset="-128"/>
               </a:rPr>
               <a:t>preset.py</a:t>
             </a:r>
-            <a:endParaRPr kumimoji="1" lang="ja-JP" altLang="en-US" dirty="0">
+            <a:endParaRPr kumimoji="1" lang="ja-JP" altLang="en-US" b="1" dirty="0">
               <a:latin typeface="Yu Gothic" panose="020B0400000000000000" pitchFamily="34" charset="-128"/>
               <a:ea typeface="Yu Gothic" panose="020B0400000000000000" pitchFamily="34" charset="-128"/>
             </a:endParaRPr>
@@ -4650,7 +4740,7 @@
           <p:cNvPr id="6" name="テキスト ボックス 5">
             <a:extLst>
               <a:ext uri="{FF2B5EF4-FFF2-40B4-BE49-F238E27FC236}">
-                <a16:creationId xmlns:a16="http://schemas.microsoft.com/office/drawing/2014/main" id="{BBB531BD-0B09-AF43-AD16-5E4C879F357C}"/>
+                <a16:creationId xmlns="" xmlns:a16="http://schemas.microsoft.com/office/drawing/2014/main" id="{BBB531BD-0B09-AF43-AD16-5E4C879F357C}"/>
               </a:ext>
             </a:extLst>
           </p:cNvPr>
@@ -4692,7 +4782,7 @@
           <p:cNvPr id="8" name="テキスト ボックス 7">
             <a:extLst>
               <a:ext uri="{FF2B5EF4-FFF2-40B4-BE49-F238E27FC236}">
-                <a16:creationId xmlns:a16="http://schemas.microsoft.com/office/drawing/2014/main" id="{9894F572-2395-2D41-A74B-F6472737F5D0}"/>
+                <a16:creationId xmlns="" xmlns:a16="http://schemas.microsoft.com/office/drawing/2014/main" id="{9894F572-2395-2D41-A74B-F6472737F5D0}"/>
               </a:ext>
             </a:extLst>
           </p:cNvPr>
@@ -4734,7 +4824,7 @@
           <p:cNvPr id="16" name="テキスト ボックス 15">
             <a:extLst>
               <a:ext uri="{FF2B5EF4-FFF2-40B4-BE49-F238E27FC236}">
-                <a16:creationId xmlns:a16="http://schemas.microsoft.com/office/drawing/2014/main" id="{C55141CE-F94E-8B44-861E-F28B26ACF7AB}"/>
+                <a16:creationId xmlns="" xmlns:a16="http://schemas.microsoft.com/office/drawing/2014/main" id="{C55141CE-F94E-8B44-861E-F28B26ACF7AB}"/>
               </a:ext>
             </a:extLst>
           </p:cNvPr>
@@ -4776,7 +4866,7 @@
           <p:cNvPr id="18" name="テキスト ボックス 17">
             <a:extLst>
               <a:ext uri="{FF2B5EF4-FFF2-40B4-BE49-F238E27FC236}">
-                <a16:creationId xmlns:a16="http://schemas.microsoft.com/office/drawing/2014/main" id="{4B035FC1-D63D-2D4E-9FD0-F57FADAD98E9}"/>
+                <a16:creationId xmlns="" xmlns:a16="http://schemas.microsoft.com/office/drawing/2014/main" id="{4B035FC1-D63D-2D4E-9FD0-F57FADAD98E9}"/>
               </a:ext>
             </a:extLst>
           </p:cNvPr>
@@ -4818,7 +4908,7 @@
           <p:cNvPr id="19" name="テキスト ボックス 18">
             <a:extLst>
               <a:ext uri="{FF2B5EF4-FFF2-40B4-BE49-F238E27FC236}">
-                <a16:creationId xmlns:a16="http://schemas.microsoft.com/office/drawing/2014/main" id="{5C32B4D0-B097-DD4C-813D-3664DD776165}"/>
+                <a16:creationId xmlns="" xmlns:a16="http://schemas.microsoft.com/office/drawing/2014/main" id="{5C32B4D0-B097-DD4C-813D-3664DD776165}"/>
               </a:ext>
             </a:extLst>
           </p:cNvPr>
@@ -4860,7 +4950,7 @@
           <p:cNvPr id="20" name="テキスト ボックス 19">
             <a:extLst>
               <a:ext uri="{FF2B5EF4-FFF2-40B4-BE49-F238E27FC236}">
-                <a16:creationId xmlns:a16="http://schemas.microsoft.com/office/drawing/2014/main" id="{D4E67E5F-20F1-3F4C-AE05-11E03F2A561A}"/>
+                <a16:creationId xmlns="" xmlns:a16="http://schemas.microsoft.com/office/drawing/2014/main" id="{D4E67E5F-20F1-3F4C-AE05-11E03F2A561A}"/>
               </a:ext>
             </a:extLst>
           </p:cNvPr>
@@ -4902,7 +4992,7 @@
           <p:cNvPr id="21" name="テキスト ボックス 20">
             <a:extLst>
               <a:ext uri="{FF2B5EF4-FFF2-40B4-BE49-F238E27FC236}">
-                <a16:creationId xmlns:a16="http://schemas.microsoft.com/office/drawing/2014/main" id="{03908EC2-B869-194E-9275-560CEE5B6005}"/>
+                <a16:creationId xmlns="" xmlns:a16="http://schemas.microsoft.com/office/drawing/2014/main" id="{03908EC2-B869-194E-9275-560CEE5B6005}"/>
               </a:ext>
             </a:extLst>
           </p:cNvPr>
@@ -4944,7 +5034,7 @@
           <p:cNvPr id="22" name="テキスト ボックス 21">
             <a:extLst>
               <a:ext uri="{FF2B5EF4-FFF2-40B4-BE49-F238E27FC236}">
-                <a16:creationId xmlns:a16="http://schemas.microsoft.com/office/drawing/2014/main" id="{9D0C0EAB-BB89-D74E-A70A-AAC21909A7B7}"/>
+                <a16:creationId xmlns="" xmlns:a16="http://schemas.microsoft.com/office/drawing/2014/main" id="{9D0C0EAB-BB89-D74E-A70A-AAC21909A7B7}"/>
               </a:ext>
             </a:extLst>
           </p:cNvPr>
@@ -4986,7 +5076,7 @@
           <p:cNvPr id="24" name="直線コネクタ 23">
             <a:extLst>
               <a:ext uri="{FF2B5EF4-FFF2-40B4-BE49-F238E27FC236}">
-                <a16:creationId xmlns:a16="http://schemas.microsoft.com/office/drawing/2014/main" id="{B0A2A25C-EF6B-374B-A461-6493FCE4B6FF}"/>
+                <a16:creationId xmlns="" xmlns:a16="http://schemas.microsoft.com/office/drawing/2014/main" id="{B0A2A25C-EF6B-374B-A461-6493FCE4B6FF}"/>
               </a:ext>
             </a:extLst>
           </p:cNvPr>
@@ -5025,7 +5115,7 @@
           <p:cNvPr id="26" name="直線コネクタ 25">
             <a:extLst>
               <a:ext uri="{FF2B5EF4-FFF2-40B4-BE49-F238E27FC236}">
-                <a16:creationId xmlns:a16="http://schemas.microsoft.com/office/drawing/2014/main" id="{6960A2D9-9358-1144-9350-C466B2F668BE}"/>
+                <a16:creationId xmlns="" xmlns:a16="http://schemas.microsoft.com/office/drawing/2014/main" id="{6960A2D9-9358-1144-9350-C466B2F668BE}"/>
               </a:ext>
             </a:extLst>
           </p:cNvPr>
@@ -5064,7 +5154,7 @@
           <p:cNvPr id="28" name="直線コネクタ 27">
             <a:extLst>
               <a:ext uri="{FF2B5EF4-FFF2-40B4-BE49-F238E27FC236}">
-                <a16:creationId xmlns:a16="http://schemas.microsoft.com/office/drawing/2014/main" id="{E293F13F-F917-2744-ABBE-D070EBA9C43D}"/>
+                <a16:creationId xmlns="" xmlns:a16="http://schemas.microsoft.com/office/drawing/2014/main" id="{E293F13F-F917-2744-ABBE-D070EBA9C43D}"/>
               </a:ext>
             </a:extLst>
           </p:cNvPr>
@@ -5103,7 +5193,7 @@
           <p:cNvPr id="30" name="直線コネクタ 29">
             <a:extLst>
               <a:ext uri="{FF2B5EF4-FFF2-40B4-BE49-F238E27FC236}">
-                <a16:creationId xmlns:a16="http://schemas.microsoft.com/office/drawing/2014/main" id="{2D9BBC02-7746-4144-B874-47AE095B39E4}"/>
+                <a16:creationId xmlns="" xmlns:a16="http://schemas.microsoft.com/office/drawing/2014/main" id="{2D9BBC02-7746-4144-B874-47AE095B39E4}"/>
               </a:ext>
             </a:extLst>
           </p:cNvPr>
@@ -5142,7 +5232,7 @@
           <p:cNvPr id="32" name="直線コネクタ 31">
             <a:extLst>
               <a:ext uri="{FF2B5EF4-FFF2-40B4-BE49-F238E27FC236}">
-                <a16:creationId xmlns:a16="http://schemas.microsoft.com/office/drawing/2014/main" id="{2196E981-F144-B340-9AB4-DF9EC19EB402}"/>
+                <a16:creationId xmlns="" xmlns:a16="http://schemas.microsoft.com/office/drawing/2014/main" id="{2196E981-F144-B340-9AB4-DF9EC19EB402}"/>
               </a:ext>
             </a:extLst>
           </p:cNvPr>
@@ -5181,7 +5271,7 @@
           <p:cNvPr id="34" name="直線コネクタ 33">
             <a:extLst>
               <a:ext uri="{FF2B5EF4-FFF2-40B4-BE49-F238E27FC236}">
-                <a16:creationId xmlns:a16="http://schemas.microsoft.com/office/drawing/2014/main" id="{D0CBFFB8-8239-3742-A52B-E7463BB1B172}"/>
+                <a16:creationId xmlns="" xmlns:a16="http://schemas.microsoft.com/office/drawing/2014/main" id="{D0CBFFB8-8239-3742-A52B-E7463BB1B172}"/>
               </a:ext>
             </a:extLst>
           </p:cNvPr>
@@ -5220,7 +5310,7 @@
           <p:cNvPr id="36" name="直線コネクタ 35">
             <a:extLst>
               <a:ext uri="{FF2B5EF4-FFF2-40B4-BE49-F238E27FC236}">
-                <a16:creationId xmlns:a16="http://schemas.microsoft.com/office/drawing/2014/main" id="{05AA5B19-1875-144B-A418-4D636C6267FF}"/>
+                <a16:creationId xmlns="" xmlns:a16="http://schemas.microsoft.com/office/drawing/2014/main" id="{05AA5B19-1875-144B-A418-4D636C6267FF}"/>
               </a:ext>
             </a:extLst>
           </p:cNvPr>
@@ -5258,7 +5348,7 @@
           <p:cNvPr id="37" name="テキスト ボックス 36">
             <a:extLst>
               <a:ext uri="{FF2B5EF4-FFF2-40B4-BE49-F238E27FC236}">
-                <a16:creationId xmlns:a16="http://schemas.microsoft.com/office/drawing/2014/main" id="{1A25783A-DE8D-794E-9080-FC5BC830B417}"/>
+                <a16:creationId xmlns="" xmlns:a16="http://schemas.microsoft.com/office/drawing/2014/main" id="{1A25783A-DE8D-794E-9080-FC5BC830B417}"/>
               </a:ext>
             </a:extLst>
           </p:cNvPr>
@@ -5300,7 +5390,7 @@
           <p:cNvPr id="38" name="テキスト ボックス 37">
             <a:extLst>
               <a:ext uri="{FF2B5EF4-FFF2-40B4-BE49-F238E27FC236}">
-                <a16:creationId xmlns:a16="http://schemas.microsoft.com/office/drawing/2014/main" id="{C20D87D3-9376-FE47-B17C-D13E2D5F59CD}"/>
+                <a16:creationId xmlns="" xmlns:a16="http://schemas.microsoft.com/office/drawing/2014/main" id="{C20D87D3-9376-FE47-B17C-D13E2D5F59CD}"/>
               </a:ext>
             </a:extLst>
           </p:cNvPr>
@@ -5342,7 +5432,7 @@
           <p:cNvPr id="39" name="テキスト ボックス 38">
             <a:extLst>
               <a:ext uri="{FF2B5EF4-FFF2-40B4-BE49-F238E27FC236}">
-                <a16:creationId xmlns:a16="http://schemas.microsoft.com/office/drawing/2014/main" id="{6E6FCAD1-6674-964E-A8C4-2023760B1BD5}"/>
+                <a16:creationId xmlns="" xmlns:a16="http://schemas.microsoft.com/office/drawing/2014/main" id="{6E6FCAD1-6674-964E-A8C4-2023760B1BD5}"/>
               </a:ext>
             </a:extLst>
           </p:cNvPr>
@@ -5384,7 +5474,7 @@
           <p:cNvPr id="40" name="テキスト ボックス 39">
             <a:extLst>
               <a:ext uri="{FF2B5EF4-FFF2-40B4-BE49-F238E27FC236}">
-                <a16:creationId xmlns:a16="http://schemas.microsoft.com/office/drawing/2014/main" id="{18485F37-CE6A-1742-AF40-60A73B92B599}"/>
+                <a16:creationId xmlns="" xmlns:a16="http://schemas.microsoft.com/office/drawing/2014/main" id="{18485F37-CE6A-1742-AF40-60A73B92B599}"/>
               </a:ext>
             </a:extLst>
           </p:cNvPr>
@@ -5426,7 +5516,7 @@
           <p:cNvPr id="42" name="テキスト ボックス 41">
             <a:extLst>
               <a:ext uri="{FF2B5EF4-FFF2-40B4-BE49-F238E27FC236}">
-                <a16:creationId xmlns:a16="http://schemas.microsoft.com/office/drawing/2014/main" id="{3F17FD65-F09E-7249-9957-AFA2867B59F7}"/>
+                <a16:creationId xmlns="" xmlns:a16="http://schemas.microsoft.com/office/drawing/2014/main" id="{3F17FD65-F09E-7249-9957-AFA2867B59F7}"/>
               </a:ext>
             </a:extLst>
           </p:cNvPr>
@@ -5647,7 +5737,7 @@
         <p:spPr>
           <a:xfrm>
             <a:off x="1068513" y="3044858"/>
-            <a:ext cx="5083443" cy="369332"/>
+            <a:ext cx="5360763" cy="369332"/>
           </a:xfrm>
           <a:prstGeom prst="rect">
             <a:avLst/>
@@ -5661,41 +5751,41 @@
           <a:lstStyle/>
           <a:p>
             <a:r>
-              <a:rPr lang="en-US" altLang="ja-JP" dirty="0">
+              <a:rPr lang="en-US" altLang="ja-JP" b="1" dirty="0">
                 <a:latin typeface="Yu Gothic" panose="020B0400000000000000" pitchFamily="34" charset="-128"/>
                 <a:ea typeface="Yu Gothic" panose="020B0400000000000000" pitchFamily="34" charset="-128"/>
               </a:rPr>
               <a:t>python </a:t>
             </a:r>
             <a:r>
-              <a:rPr lang="en-US" altLang="ja-JP" dirty="0" err="1">
+              <a:rPr lang="en-US" altLang="ja-JP" b="1" dirty="0" err="1">
                 <a:latin typeface="Yu Gothic" panose="020B0400000000000000" pitchFamily="34" charset="-128"/>
                 <a:ea typeface="Yu Gothic" panose="020B0400000000000000" pitchFamily="34" charset="-128"/>
               </a:rPr>
               <a:t>src</a:t>
             </a:r>
             <a:r>
-              <a:rPr lang="en-US" altLang="ja-JP" dirty="0">
+              <a:rPr lang="en-US" altLang="ja-JP" b="1" dirty="0">
                 <a:latin typeface="Yu Gothic" panose="020B0400000000000000" pitchFamily="34" charset="-128"/>
                 <a:ea typeface="Yu Gothic" panose="020B0400000000000000" pitchFamily="34" charset="-128"/>
               </a:rPr>
               <a:t>/</a:t>
             </a:r>
             <a:r>
-              <a:rPr lang="en-US" altLang="ja-JP" dirty="0" err="1">
+              <a:rPr lang="en-US" altLang="ja-JP" b="1" dirty="0" err="1">
                 <a:latin typeface="Yu Gothic" panose="020B0400000000000000" pitchFamily="34" charset="-128"/>
                 <a:ea typeface="Yu Gothic" panose="020B0400000000000000" pitchFamily="34" charset="-128"/>
               </a:rPr>
               <a:t>nlp_with_gensim.py</a:t>
             </a:r>
             <a:r>
-              <a:rPr lang="en-US" altLang="ja-JP" dirty="0">
+              <a:rPr lang="en-US" altLang="ja-JP" b="1" dirty="0">
                 <a:latin typeface="Yu Gothic" panose="020B0400000000000000" pitchFamily="34" charset="-128"/>
                 <a:ea typeface="Yu Gothic" panose="020B0400000000000000" pitchFamily="34" charset="-128"/>
               </a:rPr>
               <a:t> train XXX YYY</a:t>
             </a:r>
-            <a:endParaRPr kumimoji="1" lang="ja-JP" altLang="en-US" dirty="0">
+            <a:endParaRPr kumimoji="1" lang="ja-JP" altLang="en-US" b="1" dirty="0">
               <a:latin typeface="Yu Gothic" panose="020B0400000000000000" pitchFamily="34" charset="-128"/>
               <a:ea typeface="Yu Gothic" panose="020B0400000000000000" pitchFamily="34" charset="-128"/>
             </a:endParaRPr>
@@ -6252,7 +6342,7 @@
         <p:spPr>
           <a:xfrm>
             <a:off x="1068513" y="3044858"/>
-            <a:ext cx="5003293" cy="369332"/>
+            <a:ext cx="5275803" cy="369332"/>
           </a:xfrm>
           <a:prstGeom prst="rect">
             <a:avLst/>
@@ -6266,41 +6356,41 @@
           <a:lstStyle/>
           <a:p>
             <a:r>
-              <a:rPr lang="en-US" altLang="ja-JP" dirty="0">
+              <a:rPr lang="en-US" altLang="ja-JP" b="1" dirty="0">
                 <a:latin typeface="Yu Gothic" panose="020B0400000000000000" pitchFamily="34" charset="-128"/>
                 <a:ea typeface="Yu Gothic" panose="020B0400000000000000" pitchFamily="34" charset="-128"/>
               </a:rPr>
               <a:t>python </a:t>
             </a:r>
             <a:r>
-              <a:rPr lang="en-US" altLang="ja-JP" dirty="0" err="1">
+              <a:rPr lang="en-US" altLang="ja-JP" b="1" dirty="0" err="1">
                 <a:latin typeface="Yu Gothic" panose="020B0400000000000000" pitchFamily="34" charset="-128"/>
                 <a:ea typeface="Yu Gothic" panose="020B0400000000000000" pitchFamily="34" charset="-128"/>
               </a:rPr>
               <a:t>src</a:t>
             </a:r>
             <a:r>
-              <a:rPr lang="en-US" altLang="ja-JP" dirty="0">
+              <a:rPr lang="en-US" altLang="ja-JP" b="1" dirty="0">
                 <a:latin typeface="Yu Gothic" panose="020B0400000000000000" pitchFamily="34" charset="-128"/>
                 <a:ea typeface="Yu Gothic" panose="020B0400000000000000" pitchFamily="34" charset="-128"/>
               </a:rPr>
               <a:t>/</a:t>
             </a:r>
             <a:r>
-              <a:rPr lang="en-US" altLang="ja-JP" dirty="0" err="1">
+              <a:rPr lang="en-US" altLang="ja-JP" b="1" dirty="0" err="1">
                 <a:latin typeface="Yu Gothic" panose="020B0400000000000000" pitchFamily="34" charset="-128"/>
                 <a:ea typeface="Yu Gothic" panose="020B0400000000000000" pitchFamily="34" charset="-128"/>
               </a:rPr>
               <a:t>nlp_with_gensim.py</a:t>
             </a:r>
             <a:r>
-              <a:rPr lang="en-US" altLang="ja-JP" dirty="0">
+              <a:rPr lang="en-US" altLang="ja-JP" b="1" dirty="0">
                 <a:latin typeface="Yu Gothic" panose="020B0400000000000000" pitchFamily="34" charset="-128"/>
                 <a:ea typeface="Yu Gothic" panose="020B0400000000000000" pitchFamily="34" charset="-128"/>
               </a:rPr>
               <a:t> test XXX YYY</a:t>
             </a:r>
-            <a:endParaRPr kumimoji="1" lang="ja-JP" altLang="en-US" dirty="0">
+            <a:endParaRPr kumimoji="1" lang="ja-JP" altLang="en-US" b="1" dirty="0">
               <a:latin typeface="Yu Gothic" panose="020B0400000000000000" pitchFamily="34" charset="-128"/>
               <a:ea typeface="Yu Gothic" panose="020B0400000000000000" pitchFamily="34" charset="-128"/>
             </a:endParaRPr>
@@ -6687,6 +6777,561 @@
     <p:extLst>
       <p:ext uri="{BB962C8B-B14F-4D97-AF65-F5344CB8AC3E}">
         <p14:creationId xmlns:p14="http://schemas.microsoft.com/office/powerpoint/2010/main" val="3465680204"/>
+      </p:ext>
+    </p:extLst>
+  </p:cSld>
+  <p:clrMapOvr>
+    <a:masterClrMapping/>
+  </p:clrMapOvr>
+</p:sld>
+</file>
+
+<file path=ppt/slides/slide8.xml><?xml version="1.0" encoding="utf-8"?>
+<p:sld xmlns:a="http://schemas.openxmlformats.org/drawingml/2006/main" xmlns:r="http://schemas.openxmlformats.org/officeDocument/2006/relationships" xmlns:p="http://schemas.openxmlformats.org/presentationml/2006/main">
+  <p:cSld>
+    <p:spTree>
+      <p:nvGrpSpPr>
+        <p:cNvPr id="1" name=""/>
+        <p:cNvGrpSpPr/>
+        <p:nvPr/>
+      </p:nvGrpSpPr>
+      <p:grpSpPr>
+        <a:xfrm>
+          <a:off x="0" y="0"/>
+          <a:ext cx="0" cy="0"/>
+          <a:chOff x="0" y="0"/>
+          <a:chExt cx="0" cy="0"/>
+        </a:xfrm>
+      </p:grpSpPr>
+      <p:sp>
+        <p:nvSpPr>
+          <p:cNvPr id="2" name="テキスト ボックス 1"/>
+          <p:cNvSpPr txBox="1"/>
+          <p:nvPr/>
+        </p:nvSpPr>
+        <p:spPr>
+          <a:xfrm>
+            <a:off x="585627" y="575353"/>
+            <a:ext cx="4801314" cy="707886"/>
+          </a:xfrm>
+          <a:prstGeom prst="rect">
+            <a:avLst/>
+          </a:prstGeom>
+          <a:noFill/>
+        </p:spPr>
+        <p:txBody>
+          <a:bodyPr wrap="none" rtlCol="0">
+            <a:spAutoFit/>
+          </a:bodyPr>
+          <a:lstStyle/>
+          <a:p>
+            <a:r>
+              <a:rPr lang="ja-JP" altLang="en-US" sz="4000" dirty="0">
+                <a:latin typeface="Yu Gothic" panose="020B0400000000000000" pitchFamily="34" charset="-128"/>
+                <a:ea typeface="Yu Gothic" panose="020B0400000000000000" pitchFamily="34" charset="-128"/>
+                <a:cs typeface="Meiryo" charset="-128"/>
+              </a:rPr>
+              <a:t>過去実装分との違い</a:t>
+            </a:r>
+            <a:endParaRPr lang="ja-JP" altLang="en-US" sz="4000" dirty="0">
+              <a:latin typeface="Yu Gothic" panose="020B0400000000000000" pitchFamily="34" charset="-128"/>
+              <a:ea typeface="Yu Gothic" panose="020B0400000000000000" pitchFamily="34" charset="-128"/>
+              <a:cs typeface="Meiryo" charset="-128"/>
+            </a:endParaRPr>
+          </a:p>
+        </p:txBody>
+      </p:sp>
+      <p:sp>
+        <p:nvSpPr>
+          <p:cNvPr id="3" name="正方形/長方形 2"/>
+          <p:cNvSpPr/>
+          <p:nvPr/>
+        </p:nvSpPr>
+        <p:spPr>
+          <a:xfrm>
+            <a:off x="1532709" y="1517193"/>
+            <a:ext cx="9474926" cy="4708981"/>
+          </a:xfrm>
+          <a:prstGeom prst="rect">
+            <a:avLst/>
+          </a:prstGeom>
+        </p:spPr>
+        <p:txBody>
+          <a:bodyPr wrap="square">
+            <a:spAutoFit/>
+          </a:bodyPr>
+          <a:lstStyle/>
+          <a:p>
+            <a:r>
+              <a:rPr lang="ja-JP" altLang="en-US" sz="2000" dirty="0">
+                <a:latin typeface="Yu Gothic" charset="-128"/>
+                <a:ea typeface="Yu Gothic" charset="-128"/>
+                <a:cs typeface="Yu Gothic" charset="-128"/>
+              </a:rPr>
+              <a:t>実装難易度・可読性の</a:t>
+            </a:r>
+            <a:r>
+              <a:rPr lang="ja-JP" altLang="en-US" sz="2000" dirty="0" smtClean="0">
+                <a:latin typeface="Yu Gothic" charset="-128"/>
+                <a:ea typeface="Yu Gothic" charset="-128"/>
+                <a:cs typeface="Yu Gothic" charset="-128"/>
+              </a:rPr>
+              <a:t>向上</a:t>
+            </a:r>
+            <a:endParaRPr lang="en-US" altLang="ja-JP" sz="2000" dirty="0" smtClean="0">
+              <a:latin typeface="Yu Gothic" charset="-128"/>
+              <a:ea typeface="Yu Gothic" charset="-128"/>
+              <a:cs typeface="Yu Gothic" charset="-128"/>
+            </a:endParaRPr>
+          </a:p>
+          <a:p>
+            <a:r>
+              <a:rPr lang="en-US" altLang="ja-JP" sz="2000" dirty="0" smtClean="0">
+                <a:latin typeface="Yu Gothic" charset="-128"/>
+                <a:ea typeface="Yu Gothic" charset="-128"/>
+                <a:cs typeface="Yu Gothic" charset="-128"/>
+              </a:rPr>
+              <a:t>	</a:t>
+            </a:r>
+            <a:r>
+              <a:rPr lang="ja-JP" altLang="en-US" sz="2000" dirty="0" smtClean="0">
+                <a:latin typeface="Yu Gothic" charset="-128"/>
+                <a:ea typeface="Yu Gothic" charset="-128"/>
+                <a:cs typeface="Yu Gothic" charset="-128"/>
+              </a:rPr>
+              <a:t>実装</a:t>
+            </a:r>
+            <a:r>
+              <a:rPr lang="ja-JP" altLang="en-US" sz="2000" dirty="0">
+                <a:latin typeface="Yu Gothic" charset="-128"/>
+                <a:ea typeface="Yu Gothic" charset="-128"/>
+                <a:cs typeface="Yu Gothic" charset="-128"/>
+              </a:rPr>
+              <a:t>時に使用するライブラリをgensimで</a:t>
+            </a:r>
+            <a:r>
+              <a:rPr lang="ja-JP" altLang="en-US" sz="2000" dirty="0" smtClean="0">
+                <a:latin typeface="Yu Gothic" charset="-128"/>
+                <a:ea typeface="Yu Gothic" charset="-128"/>
+                <a:cs typeface="Yu Gothic" charset="-128"/>
+              </a:rPr>
+              <a:t>統一</a:t>
+            </a:r>
+            <a:endParaRPr lang="en-US" altLang="ja-JP" sz="2000" dirty="0" smtClean="0">
+              <a:latin typeface="Yu Gothic" charset="-128"/>
+              <a:ea typeface="Yu Gothic" charset="-128"/>
+              <a:cs typeface="Yu Gothic" charset="-128"/>
+            </a:endParaRPr>
+          </a:p>
+          <a:p>
+            <a:r>
+              <a:rPr lang="en-US" altLang="ja-JP" sz="2000" dirty="0" smtClean="0">
+                <a:latin typeface="Yu Gothic" charset="-128"/>
+                <a:ea typeface="Yu Gothic" charset="-128"/>
+                <a:cs typeface="Yu Gothic" charset="-128"/>
+              </a:rPr>
+              <a:t>	</a:t>
+            </a:r>
+            <a:r>
+              <a:rPr lang="ja-JP" altLang="en-US" sz="2000" dirty="0" smtClean="0">
+                <a:latin typeface="Yu Gothic" charset="-128"/>
+                <a:ea typeface="Yu Gothic" charset="-128"/>
+                <a:cs typeface="Yu Gothic" charset="-128"/>
+              </a:rPr>
+              <a:t>実装環境(</a:t>
+            </a:r>
+            <a:r>
+              <a:rPr lang="ja-JP" altLang="en-US" sz="2000" dirty="0">
+                <a:latin typeface="Yu Gothic" charset="-128"/>
+                <a:ea typeface="Yu Gothic" charset="-128"/>
+                <a:cs typeface="Yu Gothic" charset="-128"/>
+              </a:rPr>
+              <a:t>各種ライブラリのバージョン等)の</a:t>
+            </a:r>
+            <a:r>
+              <a:rPr lang="ja-JP" altLang="en-US" sz="2000" dirty="0" smtClean="0">
+                <a:latin typeface="Yu Gothic" charset="-128"/>
+                <a:ea typeface="Yu Gothic" charset="-128"/>
+                <a:cs typeface="Yu Gothic" charset="-128"/>
+              </a:rPr>
+              <a:t>統一</a:t>
+            </a:r>
+            <a:endParaRPr lang="en-US" altLang="ja-JP" sz="2000" dirty="0" smtClean="0">
+              <a:latin typeface="Yu Gothic" charset="-128"/>
+              <a:ea typeface="Yu Gothic" charset="-128"/>
+              <a:cs typeface="Yu Gothic" charset="-128"/>
+            </a:endParaRPr>
+          </a:p>
+          <a:p>
+            <a:r>
+              <a:rPr lang="ja-JP" altLang="en-US" sz="2000" dirty="0" smtClean="0">
+                <a:latin typeface="Yu Gothic" charset="-128"/>
+                <a:ea typeface="Yu Gothic" charset="-128"/>
+                <a:cs typeface="Yu Gothic" charset="-128"/>
+              </a:rPr>
+              <a:t>MeCab</a:t>
+            </a:r>
+            <a:r>
+              <a:rPr lang="ja-JP" altLang="en-US" sz="2000" dirty="0">
+                <a:latin typeface="Yu Gothic" charset="-128"/>
+                <a:ea typeface="Yu Gothic" charset="-128"/>
+                <a:cs typeface="Yu Gothic" charset="-128"/>
+              </a:rPr>
+              <a:t>を</a:t>
+            </a:r>
+            <a:r>
+              <a:rPr lang="ja-JP" altLang="en-US" sz="2000" dirty="0" smtClean="0">
+                <a:latin typeface="Yu Gothic" charset="-128"/>
+                <a:ea typeface="Yu Gothic" charset="-128"/>
+                <a:cs typeface="Yu Gothic" charset="-128"/>
+              </a:rPr>
+              <a:t>未インストールの</a:t>
+            </a:r>
+            <a:r>
+              <a:rPr lang="ja-JP" altLang="en-US" sz="2000" dirty="0">
+                <a:latin typeface="Yu Gothic" charset="-128"/>
+                <a:ea typeface="Yu Gothic" charset="-128"/>
+                <a:cs typeface="Yu Gothic" charset="-128"/>
+              </a:rPr>
+              <a:t>端末でも実行可能</a:t>
+            </a:r>
+            <a:r>
+              <a:rPr lang="ja-JP" altLang="en-US" sz="2000" dirty="0" smtClean="0">
+                <a:latin typeface="Yu Gothic" charset="-128"/>
+                <a:ea typeface="Yu Gothic" charset="-128"/>
+                <a:cs typeface="Yu Gothic" charset="-128"/>
+              </a:rPr>
+              <a:t>に</a:t>
+            </a:r>
+            <a:endParaRPr lang="en-US" altLang="ja-JP" sz="2000" dirty="0" smtClean="0">
+              <a:latin typeface="Yu Gothic" charset="-128"/>
+              <a:ea typeface="Yu Gothic" charset="-128"/>
+              <a:cs typeface="Yu Gothic" charset="-128"/>
+            </a:endParaRPr>
+          </a:p>
+          <a:p>
+            <a:r>
+              <a:rPr lang="en-US" altLang="ja-JP" sz="2000" dirty="0" smtClean="0">
+                <a:latin typeface="Yu Gothic" charset="-128"/>
+                <a:ea typeface="Yu Gothic" charset="-128"/>
+                <a:cs typeface="Yu Gothic" charset="-128"/>
+              </a:rPr>
+              <a:t>	</a:t>
+            </a:r>
+            <a:r>
+              <a:rPr lang="ja-JP" altLang="en-US" sz="2000" dirty="0" smtClean="0">
+                <a:latin typeface="Yu Gothic" charset="-128"/>
+                <a:ea typeface="Yu Gothic" charset="-128"/>
+                <a:cs typeface="Yu Gothic" charset="-128"/>
+              </a:rPr>
+              <a:t>前処理</a:t>
+            </a:r>
+            <a:r>
+              <a:rPr lang="ja-JP" altLang="en-US" sz="2000" dirty="0">
+                <a:latin typeface="Yu Gothic" charset="-128"/>
+                <a:ea typeface="Yu Gothic" charset="-128"/>
+                <a:cs typeface="Yu Gothic" charset="-128"/>
+              </a:rPr>
+              <a:t>と実行ファイルを</a:t>
+            </a:r>
+            <a:r>
+              <a:rPr lang="ja-JP" altLang="en-US" sz="2000" dirty="0" smtClean="0">
+                <a:latin typeface="Yu Gothic" charset="-128"/>
+                <a:ea typeface="Yu Gothic" charset="-128"/>
+                <a:cs typeface="Yu Gothic" charset="-128"/>
+              </a:rPr>
+              <a:t>切り分けた</a:t>
+            </a:r>
+            <a:endParaRPr lang="en-US" altLang="ja-JP" sz="2000" dirty="0" smtClean="0">
+              <a:latin typeface="Yu Gothic" charset="-128"/>
+              <a:ea typeface="Yu Gothic" charset="-128"/>
+              <a:cs typeface="Yu Gothic" charset="-128"/>
+            </a:endParaRPr>
+          </a:p>
+          <a:p>
+            <a:r>
+              <a:rPr lang="ja-JP" altLang="en-US" sz="2000" dirty="0" smtClean="0">
+                <a:latin typeface="Yu Gothic" charset="-128"/>
+                <a:ea typeface="Yu Gothic" charset="-128"/>
+                <a:cs typeface="Yu Gothic" charset="-128"/>
+              </a:rPr>
+              <a:t>様々</a:t>
+            </a:r>
+            <a:r>
+              <a:rPr lang="ja-JP" altLang="en-US" sz="2000" dirty="0">
+                <a:latin typeface="Yu Gothic" charset="-128"/>
+                <a:ea typeface="Yu Gothic" charset="-128"/>
+                <a:cs typeface="Yu Gothic" charset="-128"/>
+              </a:rPr>
+              <a:t>なベクトル化アルゴリズムを</a:t>
+            </a:r>
+            <a:r>
+              <a:rPr lang="ja-JP" altLang="en-US" sz="2000" dirty="0" smtClean="0">
+                <a:latin typeface="Yu Gothic" charset="-128"/>
+                <a:ea typeface="Yu Gothic" charset="-128"/>
+                <a:cs typeface="Yu Gothic" charset="-128"/>
+              </a:rPr>
+              <a:t>取り入れた</a:t>
+            </a:r>
+            <a:endParaRPr lang="en-US" altLang="ja-JP" sz="2000" dirty="0" smtClean="0">
+              <a:latin typeface="Yu Gothic" charset="-128"/>
+              <a:ea typeface="Yu Gothic" charset="-128"/>
+              <a:cs typeface="Yu Gothic" charset="-128"/>
+            </a:endParaRPr>
+          </a:p>
+          <a:p>
+            <a:r>
+              <a:rPr lang="en-US" altLang="ja-JP" sz="2000" dirty="0">
+                <a:latin typeface="Yu Gothic" charset="-128"/>
+                <a:ea typeface="Yu Gothic" charset="-128"/>
+                <a:cs typeface="Yu Gothic" charset="-128"/>
+              </a:rPr>
+              <a:t>	</a:t>
+            </a:r>
+            <a:r>
+              <a:rPr lang="ja-JP" altLang="en-US" sz="2000" dirty="0" smtClean="0">
+                <a:latin typeface="Yu Gothic" charset="-128"/>
+                <a:ea typeface="Yu Gothic" charset="-128"/>
+                <a:cs typeface="Yu Gothic" charset="-128"/>
+              </a:rPr>
+              <a:t>doc2vec</a:t>
+            </a:r>
+            <a:endParaRPr lang="en-US" altLang="ja-JP" sz="2000" dirty="0" smtClean="0">
+              <a:latin typeface="Yu Gothic" charset="-128"/>
+              <a:ea typeface="Yu Gothic" charset="-128"/>
+              <a:cs typeface="Yu Gothic" charset="-128"/>
+            </a:endParaRPr>
+          </a:p>
+          <a:p>
+            <a:r>
+              <a:rPr lang="en-US" altLang="ja-JP" sz="2000" dirty="0" smtClean="0">
+                <a:latin typeface="Yu Gothic" charset="-128"/>
+                <a:ea typeface="Yu Gothic" charset="-128"/>
+                <a:cs typeface="Yu Gothic" charset="-128"/>
+              </a:rPr>
+              <a:t>	</a:t>
+            </a:r>
+            <a:r>
+              <a:rPr lang="ja-JP" altLang="en-US" sz="2000" dirty="0" smtClean="0">
+                <a:latin typeface="Yu Gothic" charset="-128"/>
+                <a:ea typeface="Yu Gothic" charset="-128"/>
+                <a:cs typeface="Yu Gothic" charset="-128"/>
+              </a:rPr>
+              <a:t>bow</a:t>
+            </a:r>
+            <a:endParaRPr lang="en-US" altLang="ja-JP" sz="2000" dirty="0" smtClean="0">
+              <a:latin typeface="Yu Gothic" charset="-128"/>
+              <a:ea typeface="Yu Gothic" charset="-128"/>
+              <a:cs typeface="Yu Gothic" charset="-128"/>
+            </a:endParaRPr>
+          </a:p>
+          <a:p>
+            <a:r>
+              <a:rPr lang="en-US" altLang="ja-JP" sz="2000" dirty="0" smtClean="0">
+                <a:latin typeface="Yu Gothic" charset="-128"/>
+                <a:ea typeface="Yu Gothic" charset="-128"/>
+                <a:cs typeface="Yu Gothic" charset="-128"/>
+              </a:rPr>
+              <a:t>	</a:t>
+            </a:r>
+            <a:r>
+              <a:rPr lang="ja-JP" altLang="en-US" sz="2000" dirty="0" smtClean="0">
+                <a:latin typeface="Yu Gothic" charset="-128"/>
+                <a:ea typeface="Yu Gothic" charset="-128"/>
+                <a:cs typeface="Yu Gothic" charset="-128"/>
+              </a:rPr>
+              <a:t>tfidf</a:t>
+            </a:r>
+            <a:endParaRPr lang="en-US" altLang="ja-JP" sz="2000" dirty="0" smtClean="0">
+              <a:latin typeface="Yu Gothic" charset="-128"/>
+              <a:ea typeface="Yu Gothic" charset="-128"/>
+              <a:cs typeface="Yu Gothic" charset="-128"/>
+            </a:endParaRPr>
+          </a:p>
+          <a:p>
+            <a:r>
+              <a:rPr lang="en-US" altLang="ja-JP" sz="2000" dirty="0" smtClean="0">
+                <a:latin typeface="Yu Gothic" charset="-128"/>
+                <a:ea typeface="Yu Gothic" charset="-128"/>
+                <a:cs typeface="Yu Gothic" charset="-128"/>
+              </a:rPr>
+              <a:t>	</a:t>
+            </a:r>
+            <a:r>
+              <a:rPr lang="ja-JP" altLang="en-US" sz="2000" dirty="0" smtClean="0">
+                <a:latin typeface="Yu Gothic" charset="-128"/>
+                <a:ea typeface="Yu Gothic" charset="-128"/>
+                <a:cs typeface="Yu Gothic" charset="-128"/>
+              </a:rPr>
+              <a:t>word2vec</a:t>
+            </a:r>
+            <a:endParaRPr lang="en-US" altLang="ja-JP" sz="2000" dirty="0" smtClean="0">
+              <a:latin typeface="Yu Gothic" charset="-128"/>
+              <a:ea typeface="Yu Gothic" charset="-128"/>
+              <a:cs typeface="Yu Gothic" charset="-128"/>
+            </a:endParaRPr>
+          </a:p>
+          <a:p>
+            <a:r>
+              <a:rPr lang="en-US" altLang="ja-JP" sz="2000" dirty="0" smtClean="0">
+                <a:latin typeface="Yu Gothic" charset="-128"/>
+                <a:ea typeface="Yu Gothic" charset="-128"/>
+                <a:cs typeface="Yu Gothic" charset="-128"/>
+              </a:rPr>
+              <a:t>	</a:t>
+            </a:r>
+            <a:r>
+              <a:rPr lang="ja-JP" altLang="en-US" sz="2000" dirty="0" smtClean="0">
+                <a:latin typeface="Yu Gothic" charset="-128"/>
+                <a:ea typeface="Yu Gothic" charset="-128"/>
+                <a:cs typeface="Yu Gothic" charset="-128"/>
+              </a:rPr>
+              <a:t>fasttext</a:t>
+            </a:r>
+            <a:endParaRPr lang="en-US" altLang="ja-JP" sz="2000" dirty="0" smtClean="0">
+              <a:latin typeface="Yu Gothic" charset="-128"/>
+              <a:ea typeface="Yu Gothic" charset="-128"/>
+              <a:cs typeface="Yu Gothic" charset="-128"/>
+            </a:endParaRPr>
+          </a:p>
+          <a:p>
+            <a:r>
+              <a:rPr lang="ja-JP" altLang="en-US" sz="2000" dirty="0" smtClean="0">
+                <a:latin typeface="Yu Gothic" charset="-128"/>
+                <a:ea typeface="Yu Gothic" charset="-128"/>
+                <a:cs typeface="Yu Gothic" charset="-128"/>
+              </a:rPr>
+              <a:t>処理</a:t>
+            </a:r>
+            <a:r>
+              <a:rPr lang="ja-JP" altLang="en-US" sz="2000" dirty="0">
+                <a:latin typeface="Yu Gothic" charset="-128"/>
+                <a:ea typeface="Yu Gothic" charset="-128"/>
+                <a:cs typeface="Yu Gothic" charset="-128"/>
+              </a:rPr>
+              <a:t>速度の</a:t>
+            </a:r>
+            <a:r>
+              <a:rPr lang="ja-JP" altLang="en-US" sz="2000" dirty="0" smtClean="0">
+                <a:latin typeface="Yu Gothic" charset="-128"/>
+                <a:ea typeface="Yu Gothic" charset="-128"/>
+                <a:cs typeface="Yu Gothic" charset="-128"/>
+              </a:rPr>
+              <a:t>向上</a:t>
+            </a:r>
+            <a:endParaRPr lang="en-US" altLang="ja-JP" sz="2000" dirty="0" smtClean="0">
+              <a:latin typeface="Yu Gothic" charset="-128"/>
+              <a:ea typeface="Yu Gothic" charset="-128"/>
+              <a:cs typeface="Yu Gothic" charset="-128"/>
+            </a:endParaRPr>
+          </a:p>
+          <a:p>
+            <a:r>
+              <a:rPr lang="en-US" altLang="ja-JP" sz="2000" dirty="0" smtClean="0">
+                <a:latin typeface="Yu Gothic" charset="-128"/>
+                <a:ea typeface="Yu Gothic" charset="-128"/>
+                <a:cs typeface="Yu Gothic" charset="-128"/>
+              </a:rPr>
+              <a:t>	</a:t>
+            </a:r>
+            <a:r>
+              <a:rPr lang="ja-JP" altLang="en-US" sz="2000" dirty="0" smtClean="0">
+                <a:latin typeface="Yu Gothic" charset="-128"/>
+                <a:ea typeface="Yu Gothic" charset="-128"/>
+                <a:cs typeface="Yu Gothic" charset="-128"/>
+              </a:rPr>
+              <a:t>無駄</a:t>
+            </a:r>
+            <a:r>
+              <a:rPr lang="ja-JP" altLang="en-US" sz="2000" dirty="0">
+                <a:latin typeface="Yu Gothic" charset="-128"/>
+                <a:ea typeface="Yu Gothic" charset="-128"/>
+                <a:cs typeface="Yu Gothic" charset="-128"/>
+              </a:rPr>
+              <a:t>な処理の削減, 効率的なプログラム(既存のライブラリ使用等)の</a:t>
+            </a:r>
+            <a:r>
+              <a:rPr lang="ja-JP" altLang="en-US" sz="2000" dirty="0" smtClean="0">
+                <a:latin typeface="Yu Gothic" charset="-128"/>
+                <a:ea typeface="Yu Gothic" charset="-128"/>
+                <a:cs typeface="Yu Gothic" charset="-128"/>
+              </a:rPr>
+              <a:t>実装</a:t>
+            </a:r>
+            <a:endParaRPr lang="en-US" altLang="ja-JP" sz="2000" dirty="0" smtClean="0">
+              <a:latin typeface="Yu Gothic" charset="-128"/>
+              <a:ea typeface="Yu Gothic" charset="-128"/>
+              <a:cs typeface="Yu Gothic" charset="-128"/>
+            </a:endParaRPr>
+          </a:p>
+          <a:p>
+            <a:r>
+              <a:rPr lang="ja-JP" altLang="en-US" sz="2000" dirty="0" smtClean="0">
+                <a:latin typeface="Yu Gothic" charset="-128"/>
+                <a:ea typeface="Yu Gothic" charset="-128"/>
+                <a:cs typeface="Yu Gothic" charset="-128"/>
+              </a:rPr>
+              <a:t>不要</a:t>
+            </a:r>
+            <a:r>
+              <a:rPr lang="ja-JP" altLang="en-US" sz="2000" dirty="0">
+                <a:latin typeface="Yu Gothic" charset="-128"/>
+                <a:ea typeface="Yu Gothic" charset="-128"/>
+                <a:cs typeface="Yu Gothic" charset="-128"/>
+              </a:rPr>
+              <a:t>ファイルの</a:t>
+            </a:r>
+            <a:r>
+              <a:rPr lang="ja-JP" altLang="en-US" sz="2000" dirty="0" smtClean="0">
+                <a:latin typeface="Yu Gothic" charset="-128"/>
+                <a:ea typeface="Yu Gothic" charset="-128"/>
+                <a:cs typeface="Yu Gothic" charset="-128"/>
+              </a:rPr>
+              <a:t>排除</a:t>
+            </a:r>
+            <a:endParaRPr lang="en-US" altLang="ja-JP" sz="2000" dirty="0" smtClean="0">
+              <a:latin typeface="Yu Gothic" charset="-128"/>
+              <a:ea typeface="Yu Gothic" charset="-128"/>
+              <a:cs typeface="Yu Gothic" charset="-128"/>
+            </a:endParaRPr>
+          </a:p>
+          <a:p>
+            <a:r>
+              <a:rPr lang="ja-JP" altLang="en-US" sz="2000" dirty="0" smtClean="0">
+                <a:latin typeface="Yu Gothic" charset="-128"/>
+                <a:ea typeface="Yu Gothic" charset="-128"/>
+                <a:cs typeface="Yu Gothic" charset="-128"/>
+              </a:rPr>
+              <a:t>コメント, 使用</a:t>
+            </a:r>
+            <a:r>
+              <a:rPr lang="ja-JP" altLang="en-US" sz="2000" dirty="0">
+                <a:latin typeface="Yu Gothic" charset="-128"/>
+                <a:ea typeface="Yu Gothic" charset="-128"/>
+                <a:cs typeface="Yu Gothic" charset="-128"/>
+              </a:rPr>
+              <a:t>方法等の</a:t>
+            </a:r>
+            <a:r>
+              <a:rPr lang="ja-JP" altLang="en-US" sz="2000" dirty="0" smtClean="0">
+                <a:latin typeface="Yu Gothic" charset="-128"/>
+                <a:ea typeface="Yu Gothic" charset="-128"/>
+                <a:cs typeface="Yu Gothic" charset="-128"/>
+              </a:rPr>
+              <a:t>拡充</a:t>
+            </a:r>
+            <a:endParaRPr lang="ja-JP" altLang="en-US" sz="2000" dirty="0">
+              <a:latin typeface="Yu Gothic" charset="-128"/>
+              <a:ea typeface="Yu Gothic" charset="-128"/>
+              <a:cs typeface="Yu Gothic" charset="-128"/>
+            </a:endParaRPr>
+          </a:p>
+        </p:txBody>
+      </p:sp>
+    </p:spTree>
+    <p:extLst>
+      <p:ext uri="{BB962C8B-B14F-4D97-AF65-F5344CB8AC3E}">
+        <p14:creationId xmlns:p14="http://schemas.microsoft.com/office/powerpoint/2010/main" val="1114644581"/>
       </p:ext>
     </p:extLst>
   </p:cSld>
